--- a/Sobel Edgeness.pptx
+++ b/Sobel Edgeness.pptx
@@ -2,39 +2,45 @@
 <file path=ppt/presentation.xml><?xml version="1.0" encoding="utf-8"?>
 <p:presentation xmlns:a="http://schemas.openxmlformats.org/drawingml/2006/main" xmlns:r="http://schemas.openxmlformats.org/officeDocument/2006/relationships" xmlns:mc="http://schemas.openxmlformats.org/markup-compatibility/2006" xmlns:mv="urn:schemas-microsoft-com:mac:vml" xmlns:p="http://schemas.openxmlformats.org/presentationml/2006/main" xmlns:c="http://schemas.openxmlformats.org/drawingml/2006/chart" xmlns:dgm="http://schemas.openxmlformats.org/drawingml/2006/diagram" xmlns:o="urn:schemas-microsoft-com:office:office" xmlns:v="urn:schemas-microsoft-com:vml" xmlns:pvml="urn:schemas-microsoft-com:office:powerpoint" xmlns:com="http://schemas.openxmlformats.org/drawingml/2006/compatibility" xmlns:p14="http://schemas.microsoft.com/office/powerpoint/2010/main" xmlns:p15="http://schemas.microsoft.com/office/powerpoint/2012/main" autoCompressPictures="0" embedTrueTypeFonts="1" strictFirstAndLastChars="0" saveSubsetFonts="1">
   <p:sldMasterIdLst>
-    <p:sldMasterId id="2147483659" r:id="rId3"/>
+    <p:sldMasterId id="2147483659" r:id="rId5"/>
   </p:sldMasterIdLst>
   <p:notesMasterIdLst>
-    <p:notesMasterId r:id="rId4"/>
+    <p:notesMasterId r:id="rId6"/>
   </p:notesMasterIdLst>
   <p:sldIdLst>
-    <p:sldId id="256" r:id="rId5"/>
-    <p:sldId id="257" r:id="rId6"/>
-    <p:sldId id="258" r:id="rId7"/>
-    <p:sldId id="259" r:id="rId8"/>
-    <p:sldId id="260" r:id="rId9"/>
-    <p:sldId id="261" r:id="rId10"/>
-    <p:sldId id="262" r:id="rId11"/>
-    <p:sldId id="263" r:id="rId12"/>
-    <p:sldId id="264" r:id="rId13"/>
-    <p:sldId id="265" r:id="rId14"/>
+    <p:sldId id="256" r:id="rId7"/>
+    <p:sldId id="257" r:id="rId8"/>
+    <p:sldId id="258" r:id="rId9"/>
+    <p:sldId id="259" r:id="rId10"/>
+    <p:sldId id="260" r:id="rId11"/>
+    <p:sldId id="261" r:id="rId12"/>
+    <p:sldId id="262" r:id="rId13"/>
+    <p:sldId id="263" r:id="rId14"/>
+    <p:sldId id="264" r:id="rId15"/>
+    <p:sldId id="265" r:id="rId16"/>
+    <p:sldId id="266" r:id="rId17"/>
+    <p:sldId id="267" r:id="rId18"/>
+    <p:sldId id="268" r:id="rId19"/>
+    <p:sldId id="269" r:id="rId20"/>
+    <p:sldId id="270" r:id="rId21"/>
+    <p:sldId id="271" r:id="rId22"/>
   </p:sldIdLst>
   <p:sldSz cy="5143500" cx="9144000"/>
   <p:notesSz cx="6858000" cy="9144000"/>
   <p:embeddedFontLst>
     <p:embeddedFont>
       <p:font typeface="Playfair Display"/>
-      <p:regular r:id="rId15"/>
-      <p:bold r:id="rId16"/>
-      <p:italic r:id="rId17"/>
-      <p:boldItalic r:id="rId18"/>
+      <p:regular r:id="rId23"/>
+      <p:bold r:id="rId24"/>
+      <p:italic r:id="rId25"/>
+      <p:boldItalic r:id="rId26"/>
     </p:embeddedFont>
     <p:embeddedFont>
       <p:font typeface="Lato"/>
-      <p:regular r:id="rId19"/>
-      <p:bold r:id="rId20"/>
-      <p:italic r:id="rId21"/>
-      <p:boldItalic r:id="rId22"/>
+      <p:regular r:id="rId27"/>
+      <p:bold r:id="rId28"/>
+      <p:italic r:id="rId29"/>
+      <p:boldItalic r:id="rId30"/>
     </p:embeddedFont>
   </p:embeddedFontLst>
   <p:defaultTextStyle>
@@ -242,6 +248,27 @@
 </p:presentation>
 </file>
 
+<file path=ppt/commentAuthors.xml><?xml version="1.0" encoding="utf-8"?>
+<p:cmAuthorLst xmlns:a="http://schemas.openxmlformats.org/drawingml/2006/main" xmlns:r="http://schemas.openxmlformats.org/officeDocument/2006/relationships" xmlns:mc="http://schemas.openxmlformats.org/markup-compatibility/2006" xmlns:mv="urn:schemas-microsoft-com:mac:vml" xmlns:p="http://schemas.openxmlformats.org/presentationml/2006/main" xmlns:c="http://schemas.openxmlformats.org/drawingml/2006/chart" xmlns:dgm="http://schemas.openxmlformats.org/drawingml/2006/diagram" xmlns:o="urn:schemas-microsoft-com:office:office" xmlns:v="urn:schemas-microsoft-com:vml" xmlns:pvml="urn:schemas-microsoft-com:office:powerpoint" xmlns:com="http://schemas.openxmlformats.org/drawingml/2006/compatibility" xmlns:p14="http://schemas.microsoft.com/office/powerpoint/2010/main" xmlns:p15="http://schemas.microsoft.com/office/powerpoint/2012/main">
+  <p:cmAuthor clrIdx="0" id="0" initials="" lastIdx="1" name="Dylan Hart"/>
+  <p:cmAuthor clrIdx="1" id="1" initials="" lastIdx="1" name="Heather Bradfield"/>
+</p:cmAuthorLst>
+</file>
+
+<file path=ppt/comments/comment1.xml><?xml version="1.0" encoding="utf-8"?>
+<p:cmLst xmlns:a="http://schemas.openxmlformats.org/drawingml/2006/main" xmlns:r="http://schemas.openxmlformats.org/officeDocument/2006/relationships" xmlns:mc="http://schemas.openxmlformats.org/markup-compatibility/2006" xmlns:mv="urn:schemas-microsoft-com:mac:vml" xmlns:p="http://schemas.openxmlformats.org/presentationml/2006/main" xmlns:c="http://schemas.openxmlformats.org/drawingml/2006/chart" xmlns:dgm="http://schemas.openxmlformats.org/drawingml/2006/diagram" xmlns:o="urn:schemas-microsoft-com:office:office" xmlns:v="urn:schemas-microsoft-com:vml" xmlns:pvml="urn:schemas-microsoft-com:office:powerpoint" xmlns:com="http://schemas.openxmlformats.org/drawingml/2006/compatibility" xmlns:p14="http://schemas.microsoft.com/office/powerpoint/2010/main" xmlns:p15="http://schemas.microsoft.com/office/powerpoint/2012/main">
+  <p:cm authorId="0" idx="1" dt="2017-12-06T06:11:18.977">
+    <p:pos x="6000" y="0"/>
+    <p:text>should we add an example of the sobel filter on the slide after this?</p:text>
+  </p:cm>
+  <p:cm authorId="1" idx="1" dt="2017-12-06T06:11:18.977">
+    <p:pos x="6000" y="100"/>
+    <p:text>I added two more slides?
+is that what you wanted?</p:text>
+  </p:cm>
+</p:cmLst>
+</file>
+
 <file path=ppt/notesMasters/notesMaster1.xml><?xml version="1.0" encoding="utf-8"?>
 <p:notesMaster xmlns:a="http://schemas.openxmlformats.org/drawingml/2006/main" xmlns:r="http://schemas.openxmlformats.org/officeDocument/2006/relationships" xmlns:mc="http://schemas.openxmlformats.org/markup-compatibility/2006" xmlns:mv="urn:schemas-microsoft-com:mac:vml" xmlns:p="http://schemas.openxmlformats.org/presentationml/2006/main" xmlns:c="http://schemas.openxmlformats.org/drawingml/2006/chart" xmlns:dgm="http://schemas.openxmlformats.org/drawingml/2006/diagram" xmlns:o="urn:schemas-microsoft-com:office:office" xmlns:v="urn:schemas-microsoft-com:vml" xmlns:pvml="urn:schemas-microsoft-com:office:powerpoint" xmlns:com="http://schemas.openxmlformats.org/drawingml/2006/compatibility" xmlns:p14="http://schemas.microsoft.com/office/powerpoint/2010/main" xmlns:p15="http://schemas.microsoft.com/office/powerpoint/2012/main">
   <p:cSld>
@@ -509,7 +536,7 @@
   <p:cSld>
     <p:spTree>
       <p:nvGrpSpPr>
-        <p:cNvPr id="147" name="Shape 147"/>
+        <p:cNvPr id="126" name="Shape 126"/>
         <p:cNvGrpSpPr/>
         <p:nvPr/>
       </p:nvGrpSpPr>
@@ -523,7 +550,7 @@
       </p:grpSpPr>
       <p:sp>
         <p:nvSpPr>
-          <p:cNvPr id="148" name="Shape 148"/>
+          <p:cNvPr id="127" name="Shape 127"/>
           <p:cNvSpPr/>
           <p:nvPr>
             <p:ph idx="2" type="sldImg"/>
@@ -557,7 +584,577 @@
       </p:sp>
       <p:sp>
         <p:nvSpPr>
-          <p:cNvPr id="149" name="Shape 149"/>
+          <p:cNvPr id="128" name="Shape 128"/>
+          <p:cNvSpPr txBox="1"/>
+          <p:nvPr>
+            <p:ph idx="1" type="body"/>
+          </p:nvPr>
+        </p:nvSpPr>
+        <p:spPr>
+          <a:xfrm>
+            <a:off x="685800" y="4343400"/>
+            <a:ext cx="5486400" cy="4114800"/>
+          </a:xfrm>
+          <a:prstGeom prst="rect">
+            <a:avLst/>
+          </a:prstGeom>
+        </p:spPr>
+        <p:txBody>
+          <a:bodyPr anchorCtr="0" anchor="t" bIns="91425" lIns="91425" rIns="91425" wrap="square" tIns="91425">
+            <a:noAutofit/>
+          </a:bodyPr>
+          <a:lstStyle/>
+          <a:p>
+            <a:pPr indent="0" lvl="0" marL="0">
+              <a:spcBef>
+                <a:spcPts val="0"/>
+              </a:spcBef>
+              <a:buNone/>
+            </a:pPr>
+            <a:r>
+              <a:t/>
+            </a:r>
+            <a:endParaRPr/>
+          </a:p>
+        </p:txBody>
+      </p:sp>
+    </p:spTree>
+  </p:cSld>
+  <p:clrMapOvr>
+    <a:masterClrMapping/>
+  </p:clrMapOvr>
+</p:notes>
+</file>
+
+<file path=ppt/notesSlides/notesSlide11.xml><?xml version="1.0" encoding="utf-8"?>
+<p:notes xmlns:a="http://schemas.openxmlformats.org/drawingml/2006/main" xmlns:r="http://schemas.openxmlformats.org/officeDocument/2006/relationships" xmlns:mc="http://schemas.openxmlformats.org/markup-compatibility/2006" xmlns:mv="urn:schemas-microsoft-com:mac:vml" xmlns:p="http://schemas.openxmlformats.org/presentationml/2006/main" xmlns:c="http://schemas.openxmlformats.org/drawingml/2006/chart" xmlns:dgm="http://schemas.openxmlformats.org/drawingml/2006/diagram" xmlns:o="urn:schemas-microsoft-com:office:office" xmlns:v="urn:schemas-microsoft-com:vml" xmlns:pvml="urn:schemas-microsoft-com:office:powerpoint" xmlns:com="http://schemas.openxmlformats.org/drawingml/2006/compatibility" xmlns:p14="http://schemas.microsoft.com/office/powerpoint/2010/main" xmlns:p15="http://schemas.microsoft.com/office/powerpoint/2012/main" showMasterPhAnim="0" showMasterSp="0">
+  <p:cSld>
+    <p:spTree>
+      <p:nvGrpSpPr>
+        <p:cNvPr id="138" name="Shape 138"/>
+        <p:cNvGrpSpPr/>
+        <p:nvPr/>
+      </p:nvGrpSpPr>
+      <p:grpSpPr>
+        <a:xfrm>
+          <a:off x="0" y="0"/>
+          <a:ext cx="0" cy="0"/>
+          <a:chOff x="0" y="0"/>
+          <a:chExt cx="0" cy="0"/>
+        </a:xfrm>
+      </p:grpSpPr>
+      <p:sp>
+        <p:nvSpPr>
+          <p:cNvPr id="139" name="Shape 139"/>
+          <p:cNvSpPr/>
+          <p:nvPr>
+            <p:ph idx="2" type="sldImg"/>
+          </p:nvPr>
+        </p:nvSpPr>
+        <p:spPr>
+          <a:xfrm>
+            <a:off x="381300" y="685800"/>
+            <a:ext cx="6096000" cy="3429000"/>
+          </a:xfrm>
+          <a:custGeom>
+            <a:pathLst>
+              <a:path extrusionOk="0" h="120000" w="120000">
+                <a:moveTo>
+                  <a:pt x="0" y="0"/>
+                </a:moveTo>
+                <a:lnTo>
+                  <a:pt x="120000" y="0"/>
+                </a:lnTo>
+                <a:lnTo>
+                  <a:pt x="120000" y="120000"/>
+                </a:lnTo>
+                <a:lnTo>
+                  <a:pt x="0" y="120000"/>
+                </a:lnTo>
+                <a:close/>
+              </a:path>
+            </a:pathLst>
+          </a:custGeom>
+        </p:spPr>
+      </p:sp>
+      <p:sp>
+        <p:nvSpPr>
+          <p:cNvPr id="140" name="Shape 140"/>
+          <p:cNvSpPr txBox="1"/>
+          <p:nvPr>
+            <p:ph idx="1" type="body"/>
+          </p:nvPr>
+        </p:nvSpPr>
+        <p:spPr>
+          <a:xfrm>
+            <a:off x="685800" y="4343400"/>
+            <a:ext cx="5486400" cy="4114800"/>
+          </a:xfrm>
+          <a:prstGeom prst="rect">
+            <a:avLst/>
+          </a:prstGeom>
+        </p:spPr>
+        <p:txBody>
+          <a:bodyPr anchorCtr="0" anchor="t" bIns="91425" lIns="91425" rIns="91425" wrap="square" tIns="91425">
+            <a:noAutofit/>
+          </a:bodyPr>
+          <a:lstStyle/>
+          <a:p>
+            <a:pPr indent="0" lvl="0" marL="0">
+              <a:spcBef>
+                <a:spcPts val="0"/>
+              </a:spcBef>
+              <a:buNone/>
+            </a:pPr>
+            <a:r>
+              <a:t/>
+            </a:r>
+            <a:endParaRPr/>
+          </a:p>
+        </p:txBody>
+      </p:sp>
+    </p:spTree>
+  </p:cSld>
+  <p:clrMapOvr>
+    <a:masterClrMapping/>
+  </p:clrMapOvr>
+</p:notes>
+</file>
+
+<file path=ppt/notesSlides/notesSlide12.xml><?xml version="1.0" encoding="utf-8"?>
+<p:notes xmlns:a="http://schemas.openxmlformats.org/drawingml/2006/main" xmlns:r="http://schemas.openxmlformats.org/officeDocument/2006/relationships" xmlns:mc="http://schemas.openxmlformats.org/markup-compatibility/2006" xmlns:mv="urn:schemas-microsoft-com:mac:vml" xmlns:p="http://schemas.openxmlformats.org/presentationml/2006/main" xmlns:c="http://schemas.openxmlformats.org/drawingml/2006/chart" xmlns:dgm="http://schemas.openxmlformats.org/drawingml/2006/diagram" xmlns:o="urn:schemas-microsoft-com:office:office" xmlns:v="urn:schemas-microsoft-com:vml" xmlns:pvml="urn:schemas-microsoft-com:office:powerpoint" xmlns:com="http://schemas.openxmlformats.org/drawingml/2006/compatibility" xmlns:p14="http://schemas.microsoft.com/office/powerpoint/2010/main" xmlns:p15="http://schemas.microsoft.com/office/powerpoint/2012/main" showMasterPhAnim="0" showMasterSp="0">
+  <p:cSld>
+    <p:spTree>
+      <p:nvGrpSpPr>
+        <p:cNvPr id="150" name="Shape 150"/>
+        <p:cNvGrpSpPr/>
+        <p:nvPr/>
+      </p:nvGrpSpPr>
+      <p:grpSpPr>
+        <a:xfrm>
+          <a:off x="0" y="0"/>
+          <a:ext cx="0" cy="0"/>
+          <a:chOff x="0" y="0"/>
+          <a:chExt cx="0" cy="0"/>
+        </a:xfrm>
+      </p:grpSpPr>
+      <p:sp>
+        <p:nvSpPr>
+          <p:cNvPr id="151" name="Shape 151"/>
+          <p:cNvSpPr/>
+          <p:nvPr>
+            <p:ph idx="2" type="sldImg"/>
+          </p:nvPr>
+        </p:nvSpPr>
+        <p:spPr>
+          <a:xfrm>
+            <a:off x="381300" y="685800"/>
+            <a:ext cx="6096000" cy="3429000"/>
+          </a:xfrm>
+          <a:custGeom>
+            <a:pathLst>
+              <a:path extrusionOk="0" h="120000" w="120000">
+                <a:moveTo>
+                  <a:pt x="0" y="0"/>
+                </a:moveTo>
+                <a:lnTo>
+                  <a:pt x="120000" y="0"/>
+                </a:lnTo>
+                <a:lnTo>
+                  <a:pt x="120000" y="120000"/>
+                </a:lnTo>
+                <a:lnTo>
+                  <a:pt x="0" y="120000"/>
+                </a:lnTo>
+                <a:close/>
+              </a:path>
+            </a:pathLst>
+          </a:custGeom>
+        </p:spPr>
+      </p:sp>
+      <p:sp>
+        <p:nvSpPr>
+          <p:cNvPr id="152" name="Shape 152"/>
+          <p:cNvSpPr txBox="1"/>
+          <p:nvPr>
+            <p:ph idx="1" type="body"/>
+          </p:nvPr>
+        </p:nvSpPr>
+        <p:spPr>
+          <a:xfrm>
+            <a:off x="685800" y="4343400"/>
+            <a:ext cx="5486400" cy="4114800"/>
+          </a:xfrm>
+          <a:prstGeom prst="rect">
+            <a:avLst/>
+          </a:prstGeom>
+        </p:spPr>
+        <p:txBody>
+          <a:bodyPr anchorCtr="0" anchor="t" bIns="91425" lIns="91425" rIns="91425" wrap="square" tIns="91425">
+            <a:noAutofit/>
+          </a:bodyPr>
+          <a:lstStyle/>
+          <a:p>
+            <a:pPr indent="0" lvl="0" marL="0">
+              <a:spcBef>
+                <a:spcPts val="0"/>
+              </a:spcBef>
+              <a:buNone/>
+            </a:pPr>
+            <a:r>
+              <a:t/>
+            </a:r>
+            <a:endParaRPr/>
+          </a:p>
+        </p:txBody>
+      </p:sp>
+    </p:spTree>
+  </p:cSld>
+  <p:clrMapOvr>
+    <a:masterClrMapping/>
+  </p:clrMapOvr>
+</p:notes>
+</file>
+
+<file path=ppt/notesSlides/notesSlide13.xml><?xml version="1.0" encoding="utf-8"?>
+<p:notes xmlns:a="http://schemas.openxmlformats.org/drawingml/2006/main" xmlns:r="http://schemas.openxmlformats.org/officeDocument/2006/relationships" xmlns:mc="http://schemas.openxmlformats.org/markup-compatibility/2006" xmlns:mv="urn:schemas-microsoft-com:mac:vml" xmlns:p="http://schemas.openxmlformats.org/presentationml/2006/main" xmlns:c="http://schemas.openxmlformats.org/drawingml/2006/chart" xmlns:dgm="http://schemas.openxmlformats.org/drawingml/2006/diagram" xmlns:o="urn:schemas-microsoft-com:office:office" xmlns:v="urn:schemas-microsoft-com:vml" xmlns:pvml="urn:schemas-microsoft-com:office:powerpoint" xmlns:com="http://schemas.openxmlformats.org/drawingml/2006/compatibility" xmlns:p14="http://schemas.microsoft.com/office/powerpoint/2010/main" xmlns:p15="http://schemas.microsoft.com/office/powerpoint/2012/main" showMasterPhAnim="0" showMasterSp="0">
+  <p:cSld>
+    <p:spTree>
+      <p:nvGrpSpPr>
+        <p:cNvPr id="162" name="Shape 162"/>
+        <p:cNvGrpSpPr/>
+        <p:nvPr/>
+      </p:nvGrpSpPr>
+      <p:grpSpPr>
+        <a:xfrm>
+          <a:off x="0" y="0"/>
+          <a:ext cx="0" cy="0"/>
+          <a:chOff x="0" y="0"/>
+          <a:chExt cx="0" cy="0"/>
+        </a:xfrm>
+      </p:grpSpPr>
+      <p:sp>
+        <p:nvSpPr>
+          <p:cNvPr id="163" name="Shape 163"/>
+          <p:cNvSpPr/>
+          <p:nvPr>
+            <p:ph idx="2" type="sldImg"/>
+          </p:nvPr>
+        </p:nvSpPr>
+        <p:spPr>
+          <a:xfrm>
+            <a:off x="381300" y="685800"/>
+            <a:ext cx="6096000" cy="3429000"/>
+          </a:xfrm>
+          <a:custGeom>
+            <a:pathLst>
+              <a:path extrusionOk="0" h="120000" w="120000">
+                <a:moveTo>
+                  <a:pt x="0" y="0"/>
+                </a:moveTo>
+                <a:lnTo>
+                  <a:pt x="120000" y="0"/>
+                </a:lnTo>
+                <a:lnTo>
+                  <a:pt x="120000" y="120000"/>
+                </a:lnTo>
+                <a:lnTo>
+                  <a:pt x="0" y="120000"/>
+                </a:lnTo>
+                <a:close/>
+              </a:path>
+            </a:pathLst>
+          </a:custGeom>
+        </p:spPr>
+      </p:sp>
+      <p:sp>
+        <p:nvSpPr>
+          <p:cNvPr id="164" name="Shape 164"/>
+          <p:cNvSpPr txBox="1"/>
+          <p:nvPr>
+            <p:ph idx="1" type="body"/>
+          </p:nvPr>
+        </p:nvSpPr>
+        <p:spPr>
+          <a:xfrm>
+            <a:off x="685800" y="4343400"/>
+            <a:ext cx="5486400" cy="4114800"/>
+          </a:xfrm>
+          <a:prstGeom prst="rect">
+            <a:avLst/>
+          </a:prstGeom>
+        </p:spPr>
+        <p:txBody>
+          <a:bodyPr anchorCtr="0" anchor="t" bIns="91425" lIns="91425" rIns="91425" wrap="square" tIns="91425">
+            <a:noAutofit/>
+          </a:bodyPr>
+          <a:lstStyle/>
+          <a:p>
+            <a:pPr indent="0" lvl="0" marL="0">
+              <a:spcBef>
+                <a:spcPts val="0"/>
+              </a:spcBef>
+              <a:buNone/>
+            </a:pPr>
+            <a:r>
+              <a:t/>
+            </a:r>
+            <a:endParaRPr/>
+          </a:p>
+        </p:txBody>
+      </p:sp>
+    </p:spTree>
+  </p:cSld>
+  <p:clrMapOvr>
+    <a:masterClrMapping/>
+  </p:clrMapOvr>
+</p:notes>
+</file>
+
+<file path=ppt/notesSlides/notesSlide14.xml><?xml version="1.0" encoding="utf-8"?>
+<p:notes xmlns:a="http://schemas.openxmlformats.org/drawingml/2006/main" xmlns:r="http://schemas.openxmlformats.org/officeDocument/2006/relationships" xmlns:mc="http://schemas.openxmlformats.org/markup-compatibility/2006" xmlns:mv="urn:schemas-microsoft-com:mac:vml" xmlns:p="http://schemas.openxmlformats.org/presentationml/2006/main" xmlns:c="http://schemas.openxmlformats.org/drawingml/2006/chart" xmlns:dgm="http://schemas.openxmlformats.org/drawingml/2006/diagram" xmlns:o="urn:schemas-microsoft-com:office:office" xmlns:v="urn:schemas-microsoft-com:vml" xmlns:pvml="urn:schemas-microsoft-com:office:powerpoint" xmlns:com="http://schemas.openxmlformats.org/drawingml/2006/compatibility" xmlns:p14="http://schemas.microsoft.com/office/powerpoint/2010/main" xmlns:p15="http://schemas.microsoft.com/office/powerpoint/2012/main" showMasterPhAnim="0" showMasterSp="0">
+  <p:cSld>
+    <p:spTree>
+      <p:nvGrpSpPr>
+        <p:cNvPr id="174" name="Shape 174"/>
+        <p:cNvGrpSpPr/>
+        <p:nvPr/>
+      </p:nvGrpSpPr>
+      <p:grpSpPr>
+        <a:xfrm>
+          <a:off x="0" y="0"/>
+          <a:ext cx="0" cy="0"/>
+          <a:chOff x="0" y="0"/>
+          <a:chExt cx="0" cy="0"/>
+        </a:xfrm>
+      </p:grpSpPr>
+      <p:sp>
+        <p:nvSpPr>
+          <p:cNvPr id="175" name="Shape 175"/>
+          <p:cNvSpPr/>
+          <p:nvPr>
+            <p:ph idx="2" type="sldImg"/>
+          </p:nvPr>
+        </p:nvSpPr>
+        <p:spPr>
+          <a:xfrm>
+            <a:off x="381300" y="685800"/>
+            <a:ext cx="6096000" cy="3429000"/>
+          </a:xfrm>
+          <a:custGeom>
+            <a:pathLst>
+              <a:path extrusionOk="0" h="120000" w="120000">
+                <a:moveTo>
+                  <a:pt x="0" y="0"/>
+                </a:moveTo>
+                <a:lnTo>
+                  <a:pt x="120000" y="0"/>
+                </a:lnTo>
+                <a:lnTo>
+                  <a:pt x="120000" y="120000"/>
+                </a:lnTo>
+                <a:lnTo>
+                  <a:pt x="0" y="120000"/>
+                </a:lnTo>
+                <a:close/>
+              </a:path>
+            </a:pathLst>
+          </a:custGeom>
+        </p:spPr>
+      </p:sp>
+      <p:sp>
+        <p:nvSpPr>
+          <p:cNvPr id="176" name="Shape 176"/>
+          <p:cNvSpPr txBox="1"/>
+          <p:nvPr>
+            <p:ph idx="1" type="body"/>
+          </p:nvPr>
+        </p:nvSpPr>
+        <p:spPr>
+          <a:xfrm>
+            <a:off x="685800" y="4343400"/>
+            <a:ext cx="5486400" cy="4114800"/>
+          </a:xfrm>
+          <a:prstGeom prst="rect">
+            <a:avLst/>
+          </a:prstGeom>
+        </p:spPr>
+        <p:txBody>
+          <a:bodyPr anchorCtr="0" anchor="t" bIns="91425" lIns="91425" rIns="91425" wrap="square" tIns="91425">
+            <a:noAutofit/>
+          </a:bodyPr>
+          <a:lstStyle/>
+          <a:p>
+            <a:pPr indent="0" lvl="0" marL="0">
+              <a:spcBef>
+                <a:spcPts val="0"/>
+              </a:spcBef>
+              <a:buNone/>
+            </a:pPr>
+            <a:r>
+              <a:t/>
+            </a:r>
+            <a:endParaRPr/>
+          </a:p>
+        </p:txBody>
+      </p:sp>
+    </p:spTree>
+  </p:cSld>
+  <p:clrMapOvr>
+    <a:masterClrMapping/>
+  </p:clrMapOvr>
+</p:notes>
+</file>
+
+<file path=ppt/notesSlides/notesSlide15.xml><?xml version="1.0" encoding="utf-8"?>
+<p:notes xmlns:a="http://schemas.openxmlformats.org/drawingml/2006/main" xmlns:r="http://schemas.openxmlformats.org/officeDocument/2006/relationships" xmlns:mc="http://schemas.openxmlformats.org/markup-compatibility/2006" xmlns:mv="urn:schemas-microsoft-com:mac:vml" xmlns:p="http://schemas.openxmlformats.org/presentationml/2006/main" xmlns:c="http://schemas.openxmlformats.org/drawingml/2006/chart" xmlns:dgm="http://schemas.openxmlformats.org/drawingml/2006/diagram" xmlns:o="urn:schemas-microsoft-com:office:office" xmlns:v="urn:schemas-microsoft-com:vml" xmlns:pvml="urn:schemas-microsoft-com:office:powerpoint" xmlns:com="http://schemas.openxmlformats.org/drawingml/2006/compatibility" xmlns:p14="http://schemas.microsoft.com/office/powerpoint/2010/main" xmlns:p15="http://schemas.microsoft.com/office/powerpoint/2012/main" showMasterPhAnim="0" showMasterSp="0">
+  <p:cSld>
+    <p:spTree>
+      <p:nvGrpSpPr>
+        <p:cNvPr id="186" name="Shape 186"/>
+        <p:cNvGrpSpPr/>
+        <p:nvPr/>
+      </p:nvGrpSpPr>
+      <p:grpSpPr>
+        <a:xfrm>
+          <a:off x="0" y="0"/>
+          <a:ext cx="0" cy="0"/>
+          <a:chOff x="0" y="0"/>
+          <a:chExt cx="0" cy="0"/>
+        </a:xfrm>
+      </p:grpSpPr>
+      <p:sp>
+        <p:nvSpPr>
+          <p:cNvPr id="187" name="Shape 187"/>
+          <p:cNvSpPr/>
+          <p:nvPr>
+            <p:ph idx="2" type="sldImg"/>
+          </p:nvPr>
+        </p:nvSpPr>
+        <p:spPr>
+          <a:xfrm>
+            <a:off x="381300" y="685800"/>
+            <a:ext cx="6096000" cy="3429000"/>
+          </a:xfrm>
+          <a:custGeom>
+            <a:pathLst>
+              <a:path extrusionOk="0" h="120000" w="120000">
+                <a:moveTo>
+                  <a:pt x="0" y="0"/>
+                </a:moveTo>
+                <a:lnTo>
+                  <a:pt x="120000" y="0"/>
+                </a:lnTo>
+                <a:lnTo>
+                  <a:pt x="120000" y="120000"/>
+                </a:lnTo>
+                <a:lnTo>
+                  <a:pt x="0" y="120000"/>
+                </a:lnTo>
+                <a:close/>
+              </a:path>
+            </a:pathLst>
+          </a:custGeom>
+        </p:spPr>
+      </p:sp>
+      <p:sp>
+        <p:nvSpPr>
+          <p:cNvPr id="188" name="Shape 188"/>
+          <p:cNvSpPr txBox="1"/>
+          <p:nvPr>
+            <p:ph idx="1" type="body"/>
+          </p:nvPr>
+        </p:nvSpPr>
+        <p:spPr>
+          <a:xfrm>
+            <a:off x="685800" y="4343400"/>
+            <a:ext cx="5486400" cy="4114800"/>
+          </a:xfrm>
+          <a:prstGeom prst="rect">
+            <a:avLst/>
+          </a:prstGeom>
+        </p:spPr>
+        <p:txBody>
+          <a:bodyPr anchorCtr="0" anchor="t" bIns="91425" lIns="91425" rIns="91425" wrap="square" tIns="91425">
+            <a:noAutofit/>
+          </a:bodyPr>
+          <a:lstStyle/>
+          <a:p>
+            <a:pPr indent="0" lvl="0" marL="0">
+              <a:spcBef>
+                <a:spcPts val="0"/>
+              </a:spcBef>
+              <a:buNone/>
+            </a:pPr>
+            <a:r>
+              <a:t/>
+            </a:r>
+            <a:endParaRPr/>
+          </a:p>
+        </p:txBody>
+      </p:sp>
+    </p:spTree>
+  </p:cSld>
+  <p:clrMapOvr>
+    <a:masterClrMapping/>
+  </p:clrMapOvr>
+</p:notes>
+</file>
+
+<file path=ppt/notesSlides/notesSlide16.xml><?xml version="1.0" encoding="utf-8"?>
+<p:notes xmlns:a="http://schemas.openxmlformats.org/drawingml/2006/main" xmlns:r="http://schemas.openxmlformats.org/officeDocument/2006/relationships" xmlns:mc="http://schemas.openxmlformats.org/markup-compatibility/2006" xmlns:mv="urn:schemas-microsoft-com:mac:vml" xmlns:p="http://schemas.openxmlformats.org/presentationml/2006/main" xmlns:c="http://schemas.openxmlformats.org/drawingml/2006/chart" xmlns:dgm="http://schemas.openxmlformats.org/drawingml/2006/diagram" xmlns:o="urn:schemas-microsoft-com:office:office" xmlns:v="urn:schemas-microsoft-com:vml" xmlns:pvml="urn:schemas-microsoft-com:office:powerpoint" xmlns:com="http://schemas.openxmlformats.org/drawingml/2006/compatibility" xmlns:p14="http://schemas.microsoft.com/office/powerpoint/2010/main" xmlns:p15="http://schemas.microsoft.com/office/powerpoint/2012/main" showMasterPhAnim="0" showMasterSp="0">
+  <p:cSld>
+    <p:spTree>
+      <p:nvGrpSpPr>
+        <p:cNvPr id="192" name="Shape 192"/>
+        <p:cNvGrpSpPr/>
+        <p:nvPr/>
+      </p:nvGrpSpPr>
+      <p:grpSpPr>
+        <a:xfrm>
+          <a:off x="0" y="0"/>
+          <a:ext cx="0" cy="0"/>
+          <a:chOff x="0" y="0"/>
+          <a:chExt cx="0" cy="0"/>
+        </a:xfrm>
+      </p:grpSpPr>
+      <p:sp>
+        <p:nvSpPr>
+          <p:cNvPr id="193" name="Shape 193"/>
+          <p:cNvSpPr/>
+          <p:nvPr>
+            <p:ph idx="2" type="sldImg"/>
+          </p:nvPr>
+        </p:nvSpPr>
+        <p:spPr>
+          <a:xfrm>
+            <a:off x="381300" y="685800"/>
+            <a:ext cx="6096000" cy="3429000"/>
+          </a:xfrm>
+          <a:custGeom>
+            <a:pathLst>
+              <a:path extrusionOk="0" h="120000" w="120000">
+                <a:moveTo>
+                  <a:pt x="0" y="0"/>
+                </a:moveTo>
+                <a:lnTo>
+                  <a:pt x="120000" y="0"/>
+                </a:lnTo>
+                <a:lnTo>
+                  <a:pt x="120000" y="120000"/>
+                </a:lnTo>
+                <a:lnTo>
+                  <a:pt x="0" y="120000"/>
+                </a:lnTo>
+                <a:close/>
+              </a:path>
+            </a:pathLst>
+          </a:custGeom>
+        </p:spPr>
+      </p:sp>
+      <p:sp>
+        <p:nvSpPr>
+          <p:cNvPr id="194" name="Shape 194"/>
           <p:cNvSpPr txBox="1"/>
           <p:nvPr>
             <p:ph idx="1" type="body"/>
@@ -775,8 +1372,28 @@
               <a:buNone/>
             </a:pPr>
             <a:r>
-              <a:rPr lang="en"/>
-              <a:t>The operator uses two 3×3 kernels which are convolved with the original image to calculate approximations of the derivatives – one for horizontal changes, and one for vertical. </a:t>
+              <a:t/>
+            </a:r>
+            <a:endParaRPr/>
+          </a:p>
+          <a:p>
+            <a:pPr indent="0" lvl="0" marL="0" rtl="0">
+              <a:lnSpc>
+                <a:spcPct val="115000"/>
+              </a:lnSpc>
+              <a:spcBef>
+                <a:spcPts val="0"/>
+              </a:spcBef>
+              <a:buNone/>
+            </a:pPr>
+            <a:r>
+              <a:rPr lang="en" sz="1200">
+                <a:latin typeface="Times New Roman"/>
+                <a:ea typeface="Times New Roman"/>
+                <a:cs typeface="Times New Roman"/>
+                <a:sym typeface="Times New Roman"/>
+              </a:rPr>
+              <a:t>The kernels for this convolution are listed as Gx and Gy</a:t>
             </a:r>
           </a:p>
           <a:p>
@@ -800,7 +1417,7 @@
             </a:pPr>
             <a:r>
               <a:rPr lang="en"/>
-              <a:t>If we define A as the source image, and Gx and Gy are two images which at each point contain the horizontal and vertical derivative approximations</a:t>
+              <a:t>* here denotes the 2-dimensional signal processing convolution operation</a:t>
             </a:r>
           </a:p>
           <a:p>
@@ -824,7 +1441,7 @@
             </a:pPr>
             <a:r>
               <a:rPr lang="en"/>
-              <a:t>* here denotes the 2-dimensional signal processing convolution operation</a:t>
+              <a:t>At each point in the image, the resulting gradient approximations can be combined to give the gradient magnitude</a:t>
             </a:r>
           </a:p>
           <a:p>
@@ -848,31 +1465,7 @@
             </a:pPr>
             <a:r>
               <a:rPr lang="en"/>
-              <a:t>At each point in the image, the resulting gradient approximations can be combined to give the gradient magnitude</a:t>
-            </a:r>
-          </a:p>
-          <a:p>
-            <a:pPr indent="0" lvl="0" marL="0">
-              <a:spcBef>
-                <a:spcPts val="0"/>
-              </a:spcBef>
-              <a:buNone/>
-            </a:pPr>
-            <a:r>
-              <a:t/>
-            </a:r>
-            <a:endParaRPr/>
-          </a:p>
-          <a:p>
-            <a:pPr indent="0" lvl="0" marL="0">
-              <a:spcBef>
-                <a:spcPts val="0"/>
-              </a:spcBef>
-              <a:buNone/>
-            </a:pPr>
-            <a:r>
-              <a:rPr lang="en"/>
-              <a:t>We can also calculate the gradient's direction</a:t>
+              <a:t>We can also calculate the gradient's direction or phase</a:t>
             </a:r>
           </a:p>
         </p:txBody>
@@ -959,7 +1552,30 @@
           </a:bodyPr>
           <a:lstStyle/>
           <a:p>
-            <a:pPr indent="0" lvl="0" marL="0">
+            <a:pPr indent="0" lvl="0" marL="0" rtl="0">
+              <a:lnSpc>
+                <a:spcPct val="115000"/>
+              </a:lnSpc>
+              <a:spcBef>
+                <a:spcPts val="0"/>
+              </a:spcBef>
+              <a:buNone/>
+            </a:pPr>
+            <a:r>
+              <a:rPr lang="en" sz="1200">
+                <a:latin typeface="Times New Roman"/>
+                <a:ea typeface="Times New Roman"/>
+                <a:cs typeface="Times New Roman"/>
+                <a:sym typeface="Times New Roman"/>
+              </a:rPr>
+              <a:t>The results of these convolutions </a:t>
+            </a:r>
+          </a:p>
+          <a:p>
+            <a:pPr indent="0" lvl="0" marL="0" rtl="0">
+              <a:lnSpc>
+                <a:spcPct val="115000"/>
+              </a:lnSpc>
               <a:spcBef>
                 <a:spcPts val="0"/>
               </a:spcBef>
@@ -968,7 +1584,72 @@
             <a:r>
               <a:t/>
             </a:r>
-            <a:endParaRPr/>
+            <a:endParaRPr sz="1200">
+              <a:latin typeface="Times New Roman"/>
+              <a:ea typeface="Times New Roman"/>
+              <a:cs typeface="Times New Roman"/>
+              <a:sym typeface="Times New Roman"/>
+            </a:endParaRPr>
+          </a:p>
+          <a:p>
+            <a:pPr indent="0" lvl="0" marL="0" rtl="0">
+              <a:lnSpc>
+                <a:spcPct val="115000"/>
+              </a:lnSpc>
+              <a:spcBef>
+                <a:spcPts val="0"/>
+              </a:spcBef>
+              <a:buNone/>
+            </a:pPr>
+            <a:r>
+              <a:rPr lang="en" sz="1200">
+                <a:latin typeface="Times New Roman"/>
+                <a:ea typeface="Times New Roman"/>
+                <a:cs typeface="Times New Roman"/>
+                <a:sym typeface="Times New Roman"/>
+              </a:rPr>
+              <a:t>Both of the convolutions look very similar, but have a clear difference in direction.</a:t>
+            </a:r>
+          </a:p>
+          <a:p>
+            <a:pPr indent="0" lvl="0" marL="0" rtl="0">
+              <a:lnSpc>
+                <a:spcPct val="115000"/>
+              </a:lnSpc>
+              <a:spcBef>
+                <a:spcPts val="0"/>
+              </a:spcBef>
+              <a:buNone/>
+            </a:pPr>
+            <a:r>
+              <a:t/>
+            </a:r>
+            <a:endParaRPr sz="1200">
+              <a:latin typeface="Times New Roman"/>
+              <a:ea typeface="Times New Roman"/>
+              <a:cs typeface="Times New Roman"/>
+              <a:sym typeface="Times New Roman"/>
+            </a:endParaRPr>
+          </a:p>
+          <a:p>
+            <a:pPr indent="0" lvl="0" marL="0" rtl="0">
+              <a:lnSpc>
+                <a:spcPct val="115000"/>
+              </a:lnSpc>
+              <a:spcBef>
+                <a:spcPts val="0"/>
+              </a:spcBef>
+              <a:buNone/>
+            </a:pPr>
+            <a:r>
+              <a:rPr lang="en" sz="1200">
+                <a:latin typeface="Times New Roman"/>
+                <a:ea typeface="Times New Roman"/>
+                <a:cs typeface="Times New Roman"/>
+                <a:sym typeface="Times New Roman"/>
+              </a:rPr>
+              <a:t>Each pixel in these images make up the X or Y component of that pixel’s gradient vector. </a:t>
+            </a:r>
           </a:p>
         </p:txBody>
       </p:sp>
@@ -985,7 +1666,7 @@
   <p:cSld>
     <p:spTree>
       <p:nvGrpSpPr>
-        <p:cNvPr id="83" name="Shape 83"/>
+        <p:cNvPr id="86" name="Shape 86"/>
         <p:cNvGrpSpPr/>
         <p:nvPr/>
       </p:nvGrpSpPr>
@@ -999,7 +1680,7 @@
       </p:grpSpPr>
       <p:sp>
         <p:nvSpPr>
-          <p:cNvPr id="84" name="Shape 84"/>
+          <p:cNvPr id="87" name="Shape 87"/>
           <p:cNvSpPr/>
           <p:nvPr>
             <p:ph idx="2" type="sldImg"/>
@@ -1033,7 +1714,7 @@
       </p:sp>
       <p:sp>
         <p:nvSpPr>
-          <p:cNvPr id="85" name="Shape 85"/>
+          <p:cNvPr id="88" name="Shape 88"/>
           <p:cNvSpPr txBox="1"/>
           <p:nvPr>
             <p:ph idx="1" type="body"/>
@@ -1054,7 +1735,30 @@
           </a:bodyPr>
           <a:lstStyle/>
           <a:p>
-            <a:pPr indent="0" lvl="0" marL="0">
+            <a:pPr indent="0" lvl="0" marL="0" rtl="0">
+              <a:lnSpc>
+                <a:spcPct val="115000"/>
+              </a:lnSpc>
+              <a:spcBef>
+                <a:spcPts val="0"/>
+              </a:spcBef>
+              <a:buNone/>
+            </a:pPr>
+            <a:r>
+              <a:rPr lang="en" sz="1200">
+                <a:latin typeface="Times New Roman"/>
+                <a:ea typeface="Times New Roman"/>
+                <a:cs typeface="Times New Roman"/>
+                <a:sym typeface="Times New Roman"/>
+              </a:rPr>
+              <a:t>The Magnitude image clearly outlines the edges in the original image. </a:t>
+            </a:r>
+          </a:p>
+          <a:p>
+            <a:pPr indent="0" lvl="0" marL="0" rtl="0">
+              <a:lnSpc>
+                <a:spcPct val="115000"/>
+              </a:lnSpc>
               <a:spcBef>
                 <a:spcPts val="0"/>
               </a:spcBef>
@@ -1063,7 +1767,32 @@
             <a:r>
               <a:t/>
             </a:r>
-            <a:endParaRPr/>
+            <a:endParaRPr sz="1200">
+              <a:latin typeface="Times New Roman"/>
+              <a:ea typeface="Times New Roman"/>
+              <a:cs typeface="Times New Roman"/>
+              <a:sym typeface="Times New Roman"/>
+            </a:endParaRPr>
+          </a:p>
+          <a:p>
+            <a:pPr indent="0" lvl="0" marL="0" rtl="0">
+              <a:lnSpc>
+                <a:spcPct val="115000"/>
+              </a:lnSpc>
+              <a:spcBef>
+                <a:spcPts val="0"/>
+              </a:spcBef>
+              <a:buNone/>
+            </a:pPr>
+            <a:r>
+              <a:rPr lang="en" sz="1200">
+                <a:latin typeface="Times New Roman"/>
+                <a:ea typeface="Times New Roman"/>
+                <a:cs typeface="Times New Roman"/>
+                <a:sym typeface="Times New Roman"/>
+              </a:rPr>
+              <a:t>The phase image is a bit harder to read, but it shows the angle of the slope of each point of the original image.</a:t>
+            </a:r>
           </a:p>
         </p:txBody>
       </p:sp>
@@ -1080,7 +1809,7 @@
   <p:cSld>
     <p:spTree>
       <p:nvGrpSpPr>
-        <p:cNvPr id="90" name="Shape 90"/>
+        <p:cNvPr id="95" name="Shape 95"/>
         <p:cNvGrpSpPr/>
         <p:nvPr/>
       </p:nvGrpSpPr>
@@ -1094,7 +1823,7 @@
       </p:grpSpPr>
       <p:sp>
         <p:nvSpPr>
-          <p:cNvPr id="91" name="Shape 91"/>
+          <p:cNvPr id="96" name="Shape 96"/>
           <p:cNvSpPr/>
           <p:nvPr>
             <p:ph idx="2" type="sldImg"/>
@@ -1128,7 +1857,244 @@
       </p:sp>
       <p:sp>
         <p:nvSpPr>
-          <p:cNvPr id="92" name="Shape 92"/>
+          <p:cNvPr id="97" name="Shape 97"/>
+          <p:cNvSpPr txBox="1"/>
+          <p:nvPr>
+            <p:ph idx="1" type="body"/>
+          </p:nvPr>
+        </p:nvSpPr>
+        <p:spPr>
+          <a:xfrm>
+            <a:off x="685800" y="4343400"/>
+            <a:ext cx="5486400" cy="4114800"/>
+          </a:xfrm>
+          <a:prstGeom prst="rect">
+            <a:avLst/>
+          </a:prstGeom>
+        </p:spPr>
+        <p:txBody>
+          <a:bodyPr anchorCtr="0" anchor="t" bIns="91425" lIns="91425" rIns="91425" wrap="square" tIns="91425">
+            <a:noAutofit/>
+          </a:bodyPr>
+          <a:lstStyle/>
+          <a:p>
+            <a:pPr indent="0" lvl="0" marL="0" rtl="0">
+              <a:lnSpc>
+                <a:spcPct val="115000"/>
+              </a:lnSpc>
+              <a:spcBef>
+                <a:spcPts val="0"/>
+              </a:spcBef>
+              <a:buNone/>
+            </a:pPr>
+            <a:r>
+              <a:rPr lang="en" sz="1200">
+                <a:latin typeface="Times New Roman"/>
+                <a:ea typeface="Times New Roman"/>
+                <a:cs typeface="Times New Roman"/>
+                <a:sym typeface="Times New Roman"/>
+              </a:rPr>
+              <a:t>Our implementation consists of two plugins. </a:t>
+            </a:r>
+          </a:p>
+          <a:p>
+            <a:pPr indent="0" lvl="0" marL="0" rtl="0">
+              <a:lnSpc>
+                <a:spcPct val="115000"/>
+              </a:lnSpc>
+              <a:spcBef>
+                <a:spcPts val="0"/>
+              </a:spcBef>
+              <a:buNone/>
+            </a:pPr>
+            <a:r>
+              <a:rPr lang="en" sz="1200">
+                <a:latin typeface="Times New Roman"/>
+                <a:ea typeface="Times New Roman"/>
+                <a:cs typeface="Times New Roman"/>
+                <a:sym typeface="Times New Roman"/>
+              </a:rPr>
+              <a:t>The first is </a:t>
+            </a:r>
+            <a:r>
+              <a:rPr i="1" lang="en" sz="1200">
+                <a:latin typeface="Times New Roman"/>
+                <a:ea typeface="Times New Roman"/>
+                <a:cs typeface="Times New Roman"/>
+                <a:sym typeface="Times New Roman"/>
+              </a:rPr>
+              <a:t>Sobel.ijm</a:t>
+            </a:r>
+            <a:r>
+              <a:rPr lang="en" sz="1200">
+                <a:latin typeface="Times New Roman"/>
+                <a:ea typeface="Times New Roman"/>
+                <a:cs typeface="Times New Roman"/>
+                <a:sym typeface="Times New Roman"/>
+              </a:rPr>
+              <a:t> which is an ImageJ macro that computes the magnitude and phase images. </a:t>
+            </a:r>
+          </a:p>
+          <a:p>
+            <a:pPr indent="0" lvl="0" marL="0" rtl="0">
+              <a:lnSpc>
+                <a:spcPct val="115000"/>
+              </a:lnSpc>
+              <a:spcBef>
+                <a:spcPts val="0"/>
+              </a:spcBef>
+              <a:buNone/>
+            </a:pPr>
+            <a:r>
+              <a:rPr lang="en" sz="1200">
+                <a:latin typeface="Times New Roman"/>
+                <a:ea typeface="Times New Roman"/>
+                <a:cs typeface="Times New Roman"/>
+                <a:sym typeface="Times New Roman"/>
+              </a:rPr>
+              <a:t>It was our first attempt at implementing the problem, but we figured it would be easier to switch to java so that we could use the built in </a:t>
+            </a:r>
+            <a:r>
+              <a:rPr i="1" lang="en" sz="1200">
+                <a:latin typeface="Times New Roman"/>
+                <a:ea typeface="Times New Roman"/>
+                <a:cs typeface="Times New Roman"/>
+                <a:sym typeface="Times New Roman"/>
+              </a:rPr>
+              <a:t>HistogramWindow</a:t>
+            </a:r>
+            <a:r>
+              <a:rPr lang="en" sz="1200">
+                <a:latin typeface="Times New Roman"/>
+                <a:ea typeface="Times New Roman"/>
+                <a:cs typeface="Times New Roman"/>
+                <a:sym typeface="Times New Roman"/>
+              </a:rPr>
+              <a:t> class. </a:t>
+            </a:r>
+          </a:p>
+          <a:p>
+            <a:pPr indent="0" lvl="0" marL="0" rtl="0">
+              <a:lnSpc>
+                <a:spcPct val="115000"/>
+              </a:lnSpc>
+              <a:spcBef>
+                <a:spcPts val="0"/>
+              </a:spcBef>
+              <a:buNone/>
+            </a:pPr>
+            <a:r>
+              <a:rPr lang="en" sz="1200">
+                <a:latin typeface="Times New Roman"/>
+                <a:ea typeface="Times New Roman"/>
+                <a:cs typeface="Times New Roman"/>
+                <a:sym typeface="Times New Roman"/>
+              </a:rPr>
+              <a:t>It was left in as it generates nice examples of the Sobel Filter. </a:t>
+            </a:r>
+          </a:p>
+          <a:p>
+            <a:pPr indent="0" lvl="0" marL="0" rtl="0">
+              <a:lnSpc>
+                <a:spcPct val="115000"/>
+              </a:lnSpc>
+              <a:spcBef>
+                <a:spcPts val="0"/>
+              </a:spcBef>
+              <a:buNone/>
+            </a:pPr>
+            <a:r>
+              <a:rPr lang="en" sz="1200">
+                <a:latin typeface="Times New Roman"/>
+                <a:ea typeface="Times New Roman"/>
+                <a:cs typeface="Times New Roman"/>
+                <a:sym typeface="Times New Roman"/>
+              </a:rPr>
+              <a:t>The second is </a:t>
+            </a:r>
+            <a:r>
+              <a:rPr i="1" lang="en" sz="1200">
+                <a:latin typeface="Times New Roman"/>
+                <a:ea typeface="Times New Roman"/>
+                <a:cs typeface="Times New Roman"/>
+                <a:sym typeface="Times New Roman"/>
+              </a:rPr>
+              <a:t>SobelEdgeness_.java</a:t>
+            </a:r>
+            <a:r>
+              <a:rPr lang="en" sz="1200">
+                <a:latin typeface="Times New Roman"/>
+                <a:ea typeface="Times New Roman"/>
+                <a:cs typeface="Times New Roman"/>
+                <a:sym typeface="Times New Roman"/>
+              </a:rPr>
+              <a:t> which computes the sobel edgeness signature and displays the result using the built in histogram.</a:t>
+            </a:r>
+          </a:p>
+        </p:txBody>
+      </p:sp>
+    </p:spTree>
+  </p:cSld>
+  <p:clrMapOvr>
+    <a:masterClrMapping/>
+  </p:clrMapOvr>
+</p:notes>
+</file>
+
+<file path=ppt/notesSlides/notesSlide7.xml><?xml version="1.0" encoding="utf-8"?>
+<p:notes xmlns:a="http://schemas.openxmlformats.org/drawingml/2006/main" xmlns:r="http://schemas.openxmlformats.org/officeDocument/2006/relationships" xmlns:mc="http://schemas.openxmlformats.org/markup-compatibility/2006" xmlns:mv="urn:schemas-microsoft-com:mac:vml" xmlns:p="http://schemas.openxmlformats.org/presentationml/2006/main" xmlns:c="http://schemas.openxmlformats.org/drawingml/2006/chart" xmlns:dgm="http://schemas.openxmlformats.org/drawingml/2006/diagram" xmlns:o="urn:schemas-microsoft-com:office:office" xmlns:v="urn:schemas-microsoft-com:vml" xmlns:pvml="urn:schemas-microsoft-com:office:powerpoint" xmlns:com="http://schemas.openxmlformats.org/drawingml/2006/compatibility" xmlns:p14="http://schemas.microsoft.com/office/powerpoint/2010/main" xmlns:p15="http://schemas.microsoft.com/office/powerpoint/2012/main" showMasterPhAnim="0" showMasterSp="0">
+  <p:cSld>
+    <p:spTree>
+      <p:nvGrpSpPr>
+        <p:cNvPr id="101" name="Shape 101"/>
+        <p:cNvGrpSpPr/>
+        <p:nvPr/>
+      </p:nvGrpSpPr>
+      <p:grpSpPr>
+        <a:xfrm>
+          <a:off x="0" y="0"/>
+          <a:ext cx="0" cy="0"/>
+          <a:chOff x="0" y="0"/>
+          <a:chExt cx="0" cy="0"/>
+        </a:xfrm>
+      </p:grpSpPr>
+      <p:sp>
+        <p:nvSpPr>
+          <p:cNvPr id="102" name="Shape 102"/>
+          <p:cNvSpPr/>
+          <p:nvPr>
+            <p:ph idx="2" type="sldImg"/>
+          </p:nvPr>
+        </p:nvSpPr>
+        <p:spPr>
+          <a:xfrm>
+            <a:off x="381300" y="685800"/>
+            <a:ext cx="6096000" cy="3429000"/>
+          </a:xfrm>
+          <a:custGeom>
+            <a:pathLst>
+              <a:path extrusionOk="0" h="120000" w="120000">
+                <a:moveTo>
+                  <a:pt x="0" y="0"/>
+                </a:moveTo>
+                <a:lnTo>
+                  <a:pt x="120000" y="0"/>
+                </a:lnTo>
+                <a:lnTo>
+                  <a:pt x="120000" y="120000"/>
+                </a:lnTo>
+                <a:lnTo>
+                  <a:pt x="0" y="120000"/>
+                </a:lnTo>
+                <a:close/>
+              </a:path>
+            </a:pathLst>
+          </a:custGeom>
+        </p:spPr>
+      </p:sp>
+      <p:sp>
+        <p:nvSpPr>
+          <p:cNvPr id="103" name="Shape 103"/>
           <p:cNvSpPr txBox="1"/>
           <p:nvPr>
             <p:ph idx="1" type="body"/>
@@ -1170,7 +2136,7 @@
 </p:notes>
 </file>
 
-<file path=ppt/notesSlides/notesSlide7.xml><?xml version="1.0" encoding="utf-8"?>
+<file path=ppt/notesSlides/notesSlide8.xml><?xml version="1.0" encoding="utf-8"?>
 <p:notes xmlns:a="http://schemas.openxmlformats.org/drawingml/2006/main" xmlns:r="http://schemas.openxmlformats.org/officeDocument/2006/relationships" xmlns:mc="http://schemas.openxmlformats.org/markup-compatibility/2006" xmlns:mv="urn:schemas-microsoft-com:mac:vml" xmlns:p="http://schemas.openxmlformats.org/presentationml/2006/main" xmlns:c="http://schemas.openxmlformats.org/drawingml/2006/chart" xmlns:dgm="http://schemas.openxmlformats.org/drawingml/2006/diagram" xmlns:o="urn:schemas-microsoft-com:office:office" xmlns:v="urn:schemas-microsoft-com:vml" xmlns:pvml="urn:schemas-microsoft-com:office:powerpoint" xmlns:com="http://schemas.openxmlformats.org/drawingml/2006/compatibility" xmlns:p14="http://schemas.microsoft.com/office/powerpoint/2010/main" xmlns:p15="http://schemas.microsoft.com/office/powerpoint/2012/main" showMasterPhAnim="0" showMasterSp="0">
   <p:cSld>
     <p:spTree>
@@ -1265,12 +2231,12 @@
 </p:notes>
 </file>
 
-<file path=ppt/notesSlides/notesSlide8.xml><?xml version="1.0" encoding="utf-8"?>
+<file path=ppt/notesSlides/notesSlide9.xml><?xml version="1.0" encoding="utf-8"?>
 <p:notes xmlns:a="http://schemas.openxmlformats.org/drawingml/2006/main" xmlns:r="http://schemas.openxmlformats.org/officeDocument/2006/relationships" xmlns:mc="http://schemas.openxmlformats.org/markup-compatibility/2006" xmlns:mv="urn:schemas-microsoft-com:mac:vml" xmlns:p="http://schemas.openxmlformats.org/presentationml/2006/main" xmlns:c="http://schemas.openxmlformats.org/drawingml/2006/chart" xmlns:dgm="http://schemas.openxmlformats.org/drawingml/2006/diagram" xmlns:o="urn:schemas-microsoft-com:office:office" xmlns:v="urn:schemas-microsoft-com:vml" xmlns:pvml="urn:schemas-microsoft-com:office:powerpoint" xmlns:com="http://schemas.openxmlformats.org/drawingml/2006/compatibility" xmlns:p14="http://schemas.microsoft.com/office/powerpoint/2010/main" xmlns:p15="http://schemas.microsoft.com/office/powerpoint/2012/main" showMasterPhAnim="0" showMasterSp="0">
   <p:cSld>
     <p:spTree>
       <p:nvGrpSpPr>
-        <p:cNvPr id="124" name="Shape 124"/>
+        <p:cNvPr id="114" name="Shape 114"/>
         <p:cNvGrpSpPr/>
         <p:nvPr/>
       </p:nvGrpSpPr>
@@ -1284,7 +2250,7 @@
       </p:grpSpPr>
       <p:sp>
         <p:nvSpPr>
-          <p:cNvPr id="125" name="Shape 125"/>
+          <p:cNvPr id="115" name="Shape 115"/>
           <p:cNvSpPr/>
           <p:nvPr>
             <p:ph idx="2" type="sldImg"/>
@@ -1318,102 +2284,7 @@
       </p:sp>
       <p:sp>
         <p:nvSpPr>
-          <p:cNvPr id="126" name="Shape 126"/>
-          <p:cNvSpPr txBox="1"/>
-          <p:nvPr>
-            <p:ph idx="1" type="body"/>
-          </p:nvPr>
-        </p:nvSpPr>
-        <p:spPr>
-          <a:xfrm>
-            <a:off x="685800" y="4343400"/>
-            <a:ext cx="5486400" cy="4114800"/>
-          </a:xfrm>
-          <a:prstGeom prst="rect">
-            <a:avLst/>
-          </a:prstGeom>
-        </p:spPr>
-        <p:txBody>
-          <a:bodyPr anchorCtr="0" anchor="t" bIns="91425" lIns="91425" rIns="91425" wrap="square" tIns="91425">
-            <a:noAutofit/>
-          </a:bodyPr>
-          <a:lstStyle/>
-          <a:p>
-            <a:pPr indent="0" lvl="0" marL="0">
-              <a:spcBef>
-                <a:spcPts val="0"/>
-              </a:spcBef>
-              <a:buNone/>
-            </a:pPr>
-            <a:r>
-              <a:t/>
-            </a:r>
-            <a:endParaRPr/>
-          </a:p>
-        </p:txBody>
-      </p:sp>
-    </p:spTree>
-  </p:cSld>
-  <p:clrMapOvr>
-    <a:masterClrMapping/>
-  </p:clrMapOvr>
-</p:notes>
-</file>
-
-<file path=ppt/notesSlides/notesSlide9.xml><?xml version="1.0" encoding="utf-8"?>
-<p:notes xmlns:a="http://schemas.openxmlformats.org/drawingml/2006/main" xmlns:r="http://schemas.openxmlformats.org/officeDocument/2006/relationships" xmlns:mc="http://schemas.openxmlformats.org/markup-compatibility/2006" xmlns:mv="urn:schemas-microsoft-com:mac:vml" xmlns:p="http://schemas.openxmlformats.org/presentationml/2006/main" xmlns:c="http://schemas.openxmlformats.org/drawingml/2006/chart" xmlns:dgm="http://schemas.openxmlformats.org/drawingml/2006/diagram" xmlns:o="urn:schemas-microsoft-com:office:office" xmlns:v="urn:schemas-microsoft-com:vml" xmlns:pvml="urn:schemas-microsoft-com:office:powerpoint" xmlns:com="http://schemas.openxmlformats.org/drawingml/2006/compatibility" xmlns:p14="http://schemas.microsoft.com/office/powerpoint/2010/main" xmlns:p15="http://schemas.microsoft.com/office/powerpoint/2012/main" showMasterPhAnim="0" showMasterSp="0">
-  <p:cSld>
-    <p:spTree>
-      <p:nvGrpSpPr>
-        <p:cNvPr id="141" name="Shape 141"/>
-        <p:cNvGrpSpPr/>
-        <p:nvPr/>
-      </p:nvGrpSpPr>
-      <p:grpSpPr>
-        <a:xfrm>
-          <a:off x="0" y="0"/>
-          <a:ext cx="0" cy="0"/>
-          <a:chOff x="0" y="0"/>
-          <a:chExt cx="0" cy="0"/>
-        </a:xfrm>
-      </p:grpSpPr>
-      <p:sp>
-        <p:nvSpPr>
-          <p:cNvPr id="142" name="Shape 142"/>
-          <p:cNvSpPr/>
-          <p:nvPr>
-            <p:ph idx="2" type="sldImg"/>
-          </p:nvPr>
-        </p:nvSpPr>
-        <p:spPr>
-          <a:xfrm>
-            <a:off x="381300" y="685800"/>
-            <a:ext cx="6096000" cy="3429000"/>
-          </a:xfrm>
-          <a:custGeom>
-            <a:pathLst>
-              <a:path extrusionOk="0" h="120000" w="120000">
-                <a:moveTo>
-                  <a:pt x="0" y="0"/>
-                </a:moveTo>
-                <a:lnTo>
-                  <a:pt x="120000" y="0"/>
-                </a:lnTo>
-                <a:lnTo>
-                  <a:pt x="120000" y="120000"/>
-                </a:lnTo>
-                <a:lnTo>
-                  <a:pt x="0" y="120000"/>
-                </a:lnTo>
-                <a:close/>
-              </a:path>
-            </a:pathLst>
-          </a:custGeom>
-        </p:spPr>
-      </p:sp>
-      <p:sp>
-        <p:nvSpPr>
-          <p:cNvPr id="143" name="Shape 143"/>
+          <p:cNvPr id="116" name="Shape 116"/>
           <p:cNvSpPr txBox="1"/>
           <p:nvPr>
             <p:ph idx="1" type="body"/>
@@ -5813,7 +6684,7 @@
   <p:cSld>
     <p:spTree>
       <p:nvGrpSpPr>
-        <p:cNvPr id="150" name="Shape 150"/>
+        <p:cNvPr id="129" name="Shape 129"/>
         <p:cNvGrpSpPr/>
         <p:nvPr/>
       </p:nvGrpSpPr>
@@ -5827,7 +6698,1572 @@
       </p:grpSpPr>
       <p:sp>
         <p:nvSpPr>
-          <p:cNvPr id="151" name="Shape 151"/>
+          <p:cNvPr id="130" name="Shape 130"/>
+          <p:cNvSpPr txBox="1"/>
+          <p:nvPr>
+            <p:ph type="title"/>
+          </p:nvPr>
+        </p:nvSpPr>
+        <p:spPr>
+          <a:xfrm>
+            <a:off x="311700" y="391350"/>
+            <a:ext cx="8520600" cy="626100"/>
+          </a:xfrm>
+          <a:prstGeom prst="rect">
+            <a:avLst/>
+          </a:prstGeom>
+        </p:spPr>
+        <p:txBody>
+          <a:bodyPr anchorCtr="0" anchor="t" bIns="91425" lIns="91425" rIns="91425" wrap="square" tIns="91425">
+            <a:noAutofit/>
+          </a:bodyPr>
+          <a:lstStyle/>
+          <a:p>
+            <a:pPr indent="0" lvl="0" marL="0">
+              <a:spcBef>
+                <a:spcPts val="0"/>
+              </a:spcBef>
+              <a:buNone/>
+            </a:pPr>
+            <a:r>
+              <a:rPr lang="en"/>
+              <a:t>Cloud.tif</a:t>
+            </a:r>
+          </a:p>
+        </p:txBody>
+      </p:sp>
+      <p:pic>
+        <p:nvPicPr>
+          <p:cNvPr id="131" name="Shape 131"/>
+          <p:cNvPicPr preferRelativeResize="0"/>
+          <p:nvPr/>
+        </p:nvPicPr>
+        <p:blipFill>
+          <a:blip r:embed="rId3">
+            <a:alphaModFix/>
+          </a:blip>
+          <a:stretch>
+            <a:fillRect/>
+          </a:stretch>
+        </p:blipFill>
+        <p:spPr>
+          <a:xfrm>
+            <a:off x="739275" y="1152475"/>
+            <a:ext cx="1153550" cy="1153550"/>
+          </a:xfrm>
+          <a:prstGeom prst="rect">
+            <a:avLst/>
+          </a:prstGeom>
+          <a:noFill/>
+          <a:ln>
+            <a:noFill/>
+          </a:ln>
+        </p:spPr>
+      </p:pic>
+      <p:pic>
+        <p:nvPicPr>
+          <p:cNvPr id="132" name="Shape 132"/>
+          <p:cNvPicPr preferRelativeResize="0"/>
+          <p:nvPr/>
+        </p:nvPicPr>
+        <p:blipFill>
+          <a:blip r:embed="rId4">
+            <a:alphaModFix/>
+          </a:blip>
+          <a:stretch>
+            <a:fillRect/>
+          </a:stretch>
+        </p:blipFill>
+        <p:spPr>
+          <a:xfrm>
+            <a:off x="739275" y="2306025"/>
+            <a:ext cx="1153550" cy="1153550"/>
+          </a:xfrm>
+          <a:prstGeom prst="rect">
+            <a:avLst/>
+          </a:prstGeom>
+          <a:noFill/>
+          <a:ln>
+            <a:noFill/>
+          </a:ln>
+        </p:spPr>
+      </p:pic>
+      <p:pic>
+        <p:nvPicPr>
+          <p:cNvPr id="133" name="Shape 133"/>
+          <p:cNvPicPr preferRelativeResize="0"/>
+          <p:nvPr/>
+        </p:nvPicPr>
+        <p:blipFill>
+          <a:blip r:embed="rId5">
+            <a:alphaModFix/>
+          </a:blip>
+          <a:stretch>
+            <a:fillRect/>
+          </a:stretch>
+        </p:blipFill>
+        <p:spPr>
+          <a:xfrm>
+            <a:off x="739275" y="3459571"/>
+            <a:ext cx="1153550" cy="1153533"/>
+          </a:xfrm>
+          <a:prstGeom prst="rect">
+            <a:avLst/>
+          </a:prstGeom>
+          <a:noFill/>
+          <a:ln>
+            <a:noFill/>
+          </a:ln>
+        </p:spPr>
+      </p:pic>
+      <p:pic>
+        <p:nvPicPr>
+          <p:cNvPr id="134" name="Shape 134"/>
+          <p:cNvPicPr preferRelativeResize="0"/>
+          <p:nvPr/>
+        </p:nvPicPr>
+        <p:blipFill>
+          <a:blip r:embed="rId6">
+            <a:alphaModFix/>
+          </a:blip>
+          <a:stretch>
+            <a:fillRect/>
+          </a:stretch>
+        </p:blipFill>
+        <p:spPr>
+          <a:xfrm>
+            <a:off x="2241385" y="1729250"/>
+            <a:ext cx="2883875" cy="2307100"/>
+          </a:xfrm>
+          <a:prstGeom prst="rect">
+            <a:avLst/>
+          </a:prstGeom>
+          <a:noFill/>
+          <a:ln>
+            <a:noFill/>
+          </a:ln>
+        </p:spPr>
+      </p:pic>
+      <p:pic>
+        <p:nvPicPr>
+          <p:cNvPr id="135" name="Shape 135"/>
+          <p:cNvPicPr preferRelativeResize="0"/>
+          <p:nvPr/>
+        </p:nvPicPr>
+        <p:blipFill>
+          <a:blip r:embed="rId7">
+            <a:alphaModFix/>
+          </a:blip>
+          <a:stretch>
+            <a:fillRect/>
+          </a:stretch>
+        </p:blipFill>
+        <p:spPr>
+          <a:xfrm>
+            <a:off x="5324288" y="1729250"/>
+            <a:ext cx="2883875" cy="2307100"/>
+          </a:xfrm>
+          <a:prstGeom prst="rect">
+            <a:avLst/>
+          </a:prstGeom>
+          <a:noFill/>
+          <a:ln>
+            <a:noFill/>
+          </a:ln>
+        </p:spPr>
+      </p:pic>
+      <p:sp>
+        <p:nvSpPr>
+          <p:cNvPr id="136" name="Shape 136"/>
+          <p:cNvSpPr txBox="1"/>
+          <p:nvPr/>
+        </p:nvSpPr>
+        <p:spPr>
+          <a:xfrm>
+            <a:off x="5473838" y="1152475"/>
+            <a:ext cx="2584800" cy="1010700"/>
+          </a:xfrm>
+          <a:prstGeom prst="rect">
+            <a:avLst/>
+          </a:prstGeom>
+          <a:noFill/>
+          <a:ln>
+            <a:noFill/>
+          </a:ln>
+        </p:spPr>
+        <p:txBody>
+          <a:bodyPr anchorCtr="0" anchor="t" bIns="91425" lIns="91425" rIns="91425" wrap="square" tIns="91425">
+            <a:noAutofit/>
+          </a:bodyPr>
+          <a:lstStyle/>
+          <a:p>
+            <a:pPr indent="0" lvl="0" marL="0" rtl="0" algn="ctr">
+              <a:spcBef>
+                <a:spcPts val="0"/>
+              </a:spcBef>
+              <a:buNone/>
+            </a:pPr>
+            <a:r>
+              <a:rPr lang="en">
+                <a:latin typeface="Lato"/>
+                <a:ea typeface="Lato"/>
+                <a:cs typeface="Lato"/>
+                <a:sym typeface="Lato"/>
+              </a:rPr>
+              <a:t>Edgeness Threshold: 56.253</a:t>
+            </a:r>
+          </a:p>
+        </p:txBody>
+      </p:sp>
+      <p:sp>
+        <p:nvSpPr>
+          <p:cNvPr id="137" name="Shape 137"/>
+          <p:cNvSpPr txBox="1"/>
+          <p:nvPr/>
+        </p:nvSpPr>
+        <p:spPr>
+          <a:xfrm>
+            <a:off x="2340463" y="1152475"/>
+            <a:ext cx="2536200" cy="626100"/>
+          </a:xfrm>
+          <a:prstGeom prst="rect">
+            <a:avLst/>
+          </a:prstGeom>
+          <a:noFill/>
+          <a:ln>
+            <a:noFill/>
+          </a:ln>
+        </p:spPr>
+        <p:txBody>
+          <a:bodyPr anchorCtr="0" anchor="t" bIns="91425" lIns="91425" rIns="91425" wrap="square" tIns="91425">
+            <a:noAutofit/>
+          </a:bodyPr>
+          <a:lstStyle/>
+          <a:p>
+            <a:pPr indent="0" lvl="0" marL="0" rtl="0" algn="ctr">
+              <a:spcBef>
+                <a:spcPts val="0"/>
+              </a:spcBef>
+              <a:buNone/>
+            </a:pPr>
+            <a:r>
+              <a:rPr lang="en">
+                <a:latin typeface="Lato"/>
+                <a:ea typeface="Lato"/>
+                <a:cs typeface="Lato"/>
+                <a:sym typeface="Lato"/>
+              </a:rPr>
+              <a:t>Non-thresholded Signature</a:t>
+            </a:r>
+          </a:p>
+        </p:txBody>
+      </p:sp>
+    </p:spTree>
+  </p:cSld>
+  <p:clrMapOvr>
+    <a:masterClrMapping/>
+  </p:clrMapOvr>
+</p:sld>
+</file>
+
+<file path=ppt/slides/slide11.xml><?xml version="1.0" encoding="utf-8"?>
+<p:sld xmlns:a="http://schemas.openxmlformats.org/drawingml/2006/main" xmlns:r="http://schemas.openxmlformats.org/officeDocument/2006/relationships" xmlns:mc="http://schemas.openxmlformats.org/markup-compatibility/2006" xmlns:mv="urn:schemas-microsoft-com:mac:vml" xmlns:p="http://schemas.openxmlformats.org/presentationml/2006/main" xmlns:c="http://schemas.openxmlformats.org/drawingml/2006/chart" xmlns:dgm="http://schemas.openxmlformats.org/drawingml/2006/diagram" xmlns:o="urn:schemas-microsoft-com:office:office" xmlns:v="urn:schemas-microsoft-com:vml" xmlns:pvml="urn:schemas-microsoft-com:office:powerpoint" xmlns:com="http://schemas.openxmlformats.org/drawingml/2006/compatibility" xmlns:p14="http://schemas.microsoft.com/office/powerpoint/2010/main" xmlns:p15="http://schemas.microsoft.com/office/powerpoint/2012/main">
+  <p:cSld>
+    <p:spTree>
+      <p:nvGrpSpPr>
+        <p:cNvPr id="141" name="Shape 141"/>
+        <p:cNvGrpSpPr/>
+        <p:nvPr/>
+      </p:nvGrpSpPr>
+      <p:grpSpPr>
+        <a:xfrm>
+          <a:off x="0" y="0"/>
+          <a:ext cx="0" cy="0"/>
+          <a:chOff x="0" y="0"/>
+          <a:chExt cx="0" cy="0"/>
+        </a:xfrm>
+      </p:grpSpPr>
+      <p:sp>
+        <p:nvSpPr>
+          <p:cNvPr id="142" name="Shape 142"/>
+          <p:cNvSpPr txBox="1"/>
+          <p:nvPr>
+            <p:ph type="title"/>
+          </p:nvPr>
+        </p:nvSpPr>
+        <p:spPr>
+          <a:xfrm>
+            <a:off x="311700" y="391350"/>
+            <a:ext cx="8520600" cy="626100"/>
+          </a:xfrm>
+          <a:prstGeom prst="rect">
+            <a:avLst/>
+          </a:prstGeom>
+        </p:spPr>
+        <p:txBody>
+          <a:bodyPr anchorCtr="0" anchor="t" bIns="91425" lIns="91425" rIns="91425" wrap="square" tIns="91425">
+            <a:noAutofit/>
+          </a:bodyPr>
+          <a:lstStyle/>
+          <a:p>
+            <a:pPr indent="0" lvl="0" marL="0">
+              <a:spcBef>
+                <a:spcPts val="0"/>
+              </a:spcBef>
+              <a:buNone/>
+            </a:pPr>
+            <a:r>
+              <a:rPr lang="en"/>
+              <a:t>Cork.tif</a:t>
+            </a:r>
+          </a:p>
+        </p:txBody>
+      </p:sp>
+      <p:pic>
+        <p:nvPicPr>
+          <p:cNvPr id="143" name="Shape 143"/>
+          <p:cNvPicPr preferRelativeResize="0"/>
+          <p:nvPr/>
+        </p:nvPicPr>
+        <p:blipFill>
+          <a:blip r:embed="rId3">
+            <a:alphaModFix/>
+          </a:blip>
+          <a:stretch>
+            <a:fillRect/>
+          </a:stretch>
+        </p:blipFill>
+        <p:spPr>
+          <a:xfrm>
+            <a:off x="710075" y="1152475"/>
+            <a:ext cx="1199775" cy="1199775"/>
+          </a:xfrm>
+          <a:prstGeom prst="rect">
+            <a:avLst/>
+          </a:prstGeom>
+          <a:noFill/>
+          <a:ln>
+            <a:noFill/>
+          </a:ln>
+        </p:spPr>
+      </p:pic>
+      <p:pic>
+        <p:nvPicPr>
+          <p:cNvPr id="144" name="Shape 144"/>
+          <p:cNvPicPr preferRelativeResize="0"/>
+          <p:nvPr/>
+        </p:nvPicPr>
+        <p:blipFill>
+          <a:blip r:embed="rId4">
+            <a:alphaModFix/>
+          </a:blip>
+          <a:stretch>
+            <a:fillRect/>
+          </a:stretch>
+        </p:blipFill>
+        <p:spPr>
+          <a:xfrm>
+            <a:off x="710075" y="2291938"/>
+            <a:ext cx="1199775" cy="1199775"/>
+          </a:xfrm>
+          <a:prstGeom prst="rect">
+            <a:avLst/>
+          </a:prstGeom>
+          <a:noFill/>
+          <a:ln>
+            <a:noFill/>
+          </a:ln>
+        </p:spPr>
+      </p:pic>
+      <p:pic>
+        <p:nvPicPr>
+          <p:cNvPr id="145" name="Shape 145"/>
+          <p:cNvPicPr preferRelativeResize="0"/>
+          <p:nvPr/>
+        </p:nvPicPr>
+        <p:blipFill>
+          <a:blip r:embed="rId5">
+            <a:alphaModFix/>
+          </a:blip>
+          <a:stretch>
+            <a:fillRect/>
+          </a:stretch>
+        </p:blipFill>
+        <p:spPr>
+          <a:xfrm>
+            <a:off x="710075" y="3385075"/>
+            <a:ext cx="1199775" cy="1199775"/>
+          </a:xfrm>
+          <a:prstGeom prst="rect">
+            <a:avLst/>
+          </a:prstGeom>
+          <a:noFill/>
+          <a:ln>
+            <a:noFill/>
+          </a:ln>
+        </p:spPr>
+      </p:pic>
+      <p:pic>
+        <p:nvPicPr>
+          <p:cNvPr id="146" name="Shape 146"/>
+          <p:cNvPicPr preferRelativeResize="0"/>
+          <p:nvPr/>
+        </p:nvPicPr>
+        <p:blipFill>
+          <a:blip r:embed="rId6">
+            <a:alphaModFix/>
+          </a:blip>
+          <a:stretch>
+            <a:fillRect/>
+          </a:stretch>
+        </p:blipFill>
+        <p:spPr>
+          <a:xfrm>
+            <a:off x="2291246" y="1775525"/>
+            <a:ext cx="2790835" cy="2232600"/>
+          </a:xfrm>
+          <a:prstGeom prst="rect">
+            <a:avLst/>
+          </a:prstGeom>
+          <a:noFill/>
+          <a:ln>
+            <a:noFill/>
+          </a:ln>
+        </p:spPr>
+      </p:pic>
+      <p:pic>
+        <p:nvPicPr>
+          <p:cNvPr id="147" name="Shape 147"/>
+          <p:cNvPicPr preferRelativeResize="0"/>
+          <p:nvPr/>
+        </p:nvPicPr>
+        <p:blipFill>
+          <a:blip r:embed="rId7">
+            <a:alphaModFix/>
+          </a:blip>
+          <a:stretch>
+            <a:fillRect/>
+          </a:stretch>
+        </p:blipFill>
+        <p:spPr>
+          <a:xfrm>
+            <a:off x="5463475" y="1775500"/>
+            <a:ext cx="2790825" cy="2232660"/>
+          </a:xfrm>
+          <a:prstGeom prst="rect">
+            <a:avLst/>
+          </a:prstGeom>
+          <a:noFill/>
+          <a:ln>
+            <a:noFill/>
+          </a:ln>
+        </p:spPr>
+      </p:pic>
+      <p:sp>
+        <p:nvSpPr>
+          <p:cNvPr id="148" name="Shape 148"/>
+          <p:cNvSpPr txBox="1"/>
+          <p:nvPr/>
+        </p:nvSpPr>
+        <p:spPr>
+          <a:xfrm>
+            <a:off x="5566488" y="1152475"/>
+            <a:ext cx="2584800" cy="1010700"/>
+          </a:xfrm>
+          <a:prstGeom prst="rect">
+            <a:avLst/>
+          </a:prstGeom>
+          <a:noFill/>
+          <a:ln>
+            <a:noFill/>
+          </a:ln>
+        </p:spPr>
+        <p:txBody>
+          <a:bodyPr anchorCtr="0" anchor="t" bIns="91425" lIns="91425" rIns="91425" wrap="square" tIns="91425">
+            <a:noAutofit/>
+          </a:bodyPr>
+          <a:lstStyle/>
+          <a:p>
+            <a:pPr indent="0" lvl="0" marL="0" rtl="0" algn="ctr">
+              <a:spcBef>
+                <a:spcPts val="0"/>
+              </a:spcBef>
+              <a:buNone/>
+            </a:pPr>
+            <a:r>
+              <a:rPr lang="en">
+                <a:latin typeface="Lato"/>
+                <a:ea typeface="Lato"/>
+                <a:cs typeface="Lato"/>
+                <a:sym typeface="Lato"/>
+              </a:rPr>
+              <a:t>Edgeness Threshold: 177.436</a:t>
+            </a:r>
+          </a:p>
+        </p:txBody>
+      </p:sp>
+      <p:sp>
+        <p:nvSpPr>
+          <p:cNvPr id="149" name="Shape 149"/>
+          <p:cNvSpPr txBox="1"/>
+          <p:nvPr/>
+        </p:nvSpPr>
+        <p:spPr>
+          <a:xfrm>
+            <a:off x="2418563" y="1152475"/>
+            <a:ext cx="2536200" cy="626100"/>
+          </a:xfrm>
+          <a:prstGeom prst="rect">
+            <a:avLst/>
+          </a:prstGeom>
+          <a:noFill/>
+          <a:ln>
+            <a:noFill/>
+          </a:ln>
+        </p:spPr>
+        <p:txBody>
+          <a:bodyPr anchorCtr="0" anchor="t" bIns="91425" lIns="91425" rIns="91425" wrap="square" tIns="91425">
+            <a:noAutofit/>
+          </a:bodyPr>
+          <a:lstStyle/>
+          <a:p>
+            <a:pPr indent="0" lvl="0" marL="0" rtl="0" algn="ctr">
+              <a:spcBef>
+                <a:spcPts val="0"/>
+              </a:spcBef>
+              <a:buNone/>
+            </a:pPr>
+            <a:r>
+              <a:rPr lang="en">
+                <a:latin typeface="Lato"/>
+                <a:ea typeface="Lato"/>
+                <a:cs typeface="Lato"/>
+                <a:sym typeface="Lato"/>
+              </a:rPr>
+              <a:t>Non-thresholded Signature</a:t>
+            </a:r>
+          </a:p>
+        </p:txBody>
+      </p:sp>
+    </p:spTree>
+  </p:cSld>
+  <p:clrMapOvr>
+    <a:masterClrMapping/>
+  </p:clrMapOvr>
+</p:sld>
+</file>
+
+<file path=ppt/slides/slide12.xml><?xml version="1.0" encoding="utf-8"?>
+<p:sld xmlns:a="http://schemas.openxmlformats.org/drawingml/2006/main" xmlns:r="http://schemas.openxmlformats.org/officeDocument/2006/relationships" xmlns:mc="http://schemas.openxmlformats.org/markup-compatibility/2006" xmlns:mv="urn:schemas-microsoft-com:mac:vml" xmlns:p="http://schemas.openxmlformats.org/presentationml/2006/main" xmlns:c="http://schemas.openxmlformats.org/drawingml/2006/chart" xmlns:dgm="http://schemas.openxmlformats.org/drawingml/2006/diagram" xmlns:o="urn:schemas-microsoft-com:office:office" xmlns:v="urn:schemas-microsoft-com:vml" xmlns:pvml="urn:schemas-microsoft-com:office:powerpoint" xmlns:com="http://schemas.openxmlformats.org/drawingml/2006/compatibility" xmlns:p14="http://schemas.microsoft.com/office/powerpoint/2010/main" xmlns:p15="http://schemas.microsoft.com/office/powerpoint/2012/main">
+  <p:cSld>
+    <p:spTree>
+      <p:nvGrpSpPr>
+        <p:cNvPr id="153" name="Shape 153"/>
+        <p:cNvGrpSpPr/>
+        <p:nvPr/>
+      </p:nvGrpSpPr>
+      <p:grpSpPr>
+        <a:xfrm>
+          <a:off x="0" y="0"/>
+          <a:ext cx="0" cy="0"/>
+          <a:chOff x="0" y="0"/>
+          <a:chExt cx="0" cy="0"/>
+        </a:xfrm>
+      </p:grpSpPr>
+      <p:sp>
+        <p:nvSpPr>
+          <p:cNvPr id="154" name="Shape 154"/>
+          <p:cNvSpPr txBox="1"/>
+          <p:nvPr>
+            <p:ph type="title"/>
+          </p:nvPr>
+        </p:nvSpPr>
+        <p:spPr>
+          <a:xfrm>
+            <a:off x="311700" y="391350"/>
+            <a:ext cx="8520600" cy="626100"/>
+          </a:xfrm>
+          <a:prstGeom prst="rect">
+            <a:avLst/>
+          </a:prstGeom>
+        </p:spPr>
+        <p:txBody>
+          <a:bodyPr anchorCtr="0" anchor="t" bIns="91425" lIns="91425" rIns="91425" wrap="square" tIns="91425">
+            <a:noAutofit/>
+          </a:bodyPr>
+          <a:lstStyle/>
+          <a:p>
+            <a:pPr indent="0" lvl="0" marL="0">
+              <a:spcBef>
+                <a:spcPts val="0"/>
+              </a:spcBef>
+              <a:buNone/>
+            </a:pPr>
+            <a:r>
+              <a:rPr lang="en"/>
+              <a:t>Grass.tif</a:t>
+            </a:r>
+          </a:p>
+        </p:txBody>
+      </p:sp>
+      <p:pic>
+        <p:nvPicPr>
+          <p:cNvPr id="155" name="Shape 155"/>
+          <p:cNvPicPr preferRelativeResize="0"/>
+          <p:nvPr/>
+        </p:nvPicPr>
+        <p:blipFill>
+          <a:blip r:embed="rId3">
+            <a:alphaModFix/>
+          </a:blip>
+          <a:stretch>
+            <a:fillRect/>
+          </a:stretch>
+        </p:blipFill>
+        <p:spPr>
+          <a:xfrm>
+            <a:off x="653950" y="1169650"/>
+            <a:ext cx="1139505" cy="1139475"/>
+          </a:xfrm>
+          <a:prstGeom prst="rect">
+            <a:avLst/>
+          </a:prstGeom>
+          <a:noFill/>
+          <a:ln>
+            <a:noFill/>
+          </a:ln>
+        </p:spPr>
+      </p:pic>
+      <p:pic>
+        <p:nvPicPr>
+          <p:cNvPr id="156" name="Shape 156"/>
+          <p:cNvPicPr preferRelativeResize="0"/>
+          <p:nvPr/>
+        </p:nvPicPr>
+        <p:blipFill>
+          <a:blip r:embed="rId4">
+            <a:alphaModFix/>
+          </a:blip>
+          <a:stretch>
+            <a:fillRect/>
+          </a:stretch>
+        </p:blipFill>
+        <p:spPr>
+          <a:xfrm>
+            <a:off x="653950" y="2309125"/>
+            <a:ext cx="1139500" cy="1139500"/>
+          </a:xfrm>
+          <a:prstGeom prst="rect">
+            <a:avLst/>
+          </a:prstGeom>
+          <a:noFill/>
+          <a:ln>
+            <a:noFill/>
+          </a:ln>
+        </p:spPr>
+      </p:pic>
+      <p:pic>
+        <p:nvPicPr>
+          <p:cNvPr id="157" name="Shape 157"/>
+          <p:cNvPicPr preferRelativeResize="0"/>
+          <p:nvPr/>
+        </p:nvPicPr>
+        <p:blipFill>
+          <a:blip r:embed="rId5">
+            <a:alphaModFix/>
+          </a:blip>
+          <a:stretch>
+            <a:fillRect/>
+          </a:stretch>
+        </p:blipFill>
+        <p:spPr>
+          <a:xfrm>
+            <a:off x="653950" y="3448637"/>
+            <a:ext cx="1139500" cy="1139500"/>
+          </a:xfrm>
+          <a:prstGeom prst="rect">
+            <a:avLst/>
+          </a:prstGeom>
+          <a:noFill/>
+          <a:ln>
+            <a:noFill/>
+          </a:ln>
+        </p:spPr>
+      </p:pic>
+      <p:pic>
+        <p:nvPicPr>
+          <p:cNvPr id="158" name="Shape 158"/>
+          <p:cNvPicPr preferRelativeResize="0"/>
+          <p:nvPr/>
+        </p:nvPicPr>
+        <p:blipFill>
+          <a:blip r:embed="rId6">
+            <a:alphaModFix/>
+          </a:blip>
+          <a:stretch>
+            <a:fillRect/>
+          </a:stretch>
+        </p:blipFill>
+        <p:spPr>
+          <a:xfrm>
+            <a:off x="2264463" y="1739388"/>
+            <a:ext cx="2848719" cy="2278975"/>
+          </a:xfrm>
+          <a:prstGeom prst="rect">
+            <a:avLst/>
+          </a:prstGeom>
+          <a:noFill/>
+          <a:ln>
+            <a:noFill/>
+          </a:ln>
+        </p:spPr>
+      </p:pic>
+      <p:pic>
+        <p:nvPicPr>
+          <p:cNvPr id="159" name="Shape 159"/>
+          <p:cNvPicPr preferRelativeResize="0"/>
+          <p:nvPr/>
+        </p:nvPicPr>
+        <p:blipFill>
+          <a:blip r:embed="rId7">
+            <a:alphaModFix/>
+          </a:blip>
+          <a:stretch>
+            <a:fillRect/>
+          </a:stretch>
+        </p:blipFill>
+        <p:spPr>
+          <a:xfrm>
+            <a:off x="5394650" y="1739400"/>
+            <a:ext cx="2848725" cy="2278980"/>
+          </a:xfrm>
+          <a:prstGeom prst="rect">
+            <a:avLst/>
+          </a:prstGeom>
+          <a:noFill/>
+          <a:ln>
+            <a:noFill/>
+          </a:ln>
+        </p:spPr>
+      </p:pic>
+      <p:sp>
+        <p:nvSpPr>
+          <p:cNvPr id="160" name="Shape 160"/>
+          <p:cNvSpPr txBox="1"/>
+          <p:nvPr/>
+        </p:nvSpPr>
+        <p:spPr>
+          <a:xfrm>
+            <a:off x="5526613" y="1152475"/>
+            <a:ext cx="2584800" cy="1010700"/>
+          </a:xfrm>
+          <a:prstGeom prst="rect">
+            <a:avLst/>
+          </a:prstGeom>
+          <a:noFill/>
+          <a:ln>
+            <a:noFill/>
+          </a:ln>
+        </p:spPr>
+        <p:txBody>
+          <a:bodyPr anchorCtr="0" anchor="t" bIns="91425" lIns="91425" rIns="91425" wrap="square" tIns="91425">
+            <a:noAutofit/>
+          </a:bodyPr>
+          <a:lstStyle/>
+          <a:p>
+            <a:pPr indent="0" lvl="0" marL="0" rtl="0" algn="ctr">
+              <a:spcBef>
+                <a:spcPts val="0"/>
+              </a:spcBef>
+              <a:buNone/>
+            </a:pPr>
+            <a:r>
+              <a:rPr lang="en">
+                <a:latin typeface="Lato"/>
+                <a:ea typeface="Lato"/>
+                <a:cs typeface="Lato"/>
+                <a:sym typeface="Lato"/>
+              </a:rPr>
+              <a:t>Edgeness Threshold: 184.511</a:t>
+            </a:r>
+          </a:p>
+        </p:txBody>
+      </p:sp>
+      <p:sp>
+        <p:nvSpPr>
+          <p:cNvPr id="161" name="Shape 161"/>
+          <p:cNvSpPr txBox="1"/>
+          <p:nvPr/>
+        </p:nvSpPr>
+        <p:spPr>
+          <a:xfrm>
+            <a:off x="2420725" y="1152475"/>
+            <a:ext cx="2536200" cy="626100"/>
+          </a:xfrm>
+          <a:prstGeom prst="rect">
+            <a:avLst/>
+          </a:prstGeom>
+          <a:noFill/>
+          <a:ln>
+            <a:noFill/>
+          </a:ln>
+        </p:spPr>
+        <p:txBody>
+          <a:bodyPr anchorCtr="0" anchor="t" bIns="91425" lIns="91425" rIns="91425" wrap="square" tIns="91425">
+            <a:noAutofit/>
+          </a:bodyPr>
+          <a:lstStyle/>
+          <a:p>
+            <a:pPr indent="0" lvl="0" marL="0" rtl="0" algn="ctr">
+              <a:spcBef>
+                <a:spcPts val="0"/>
+              </a:spcBef>
+              <a:buNone/>
+            </a:pPr>
+            <a:r>
+              <a:rPr lang="en">
+                <a:latin typeface="Lato"/>
+                <a:ea typeface="Lato"/>
+                <a:cs typeface="Lato"/>
+                <a:sym typeface="Lato"/>
+              </a:rPr>
+              <a:t>Non-thresholded Signature</a:t>
+            </a:r>
+          </a:p>
+        </p:txBody>
+      </p:sp>
+    </p:spTree>
+  </p:cSld>
+  <p:clrMapOvr>
+    <a:masterClrMapping/>
+  </p:clrMapOvr>
+</p:sld>
+</file>
+
+<file path=ppt/slides/slide13.xml><?xml version="1.0" encoding="utf-8"?>
+<p:sld xmlns:a="http://schemas.openxmlformats.org/drawingml/2006/main" xmlns:r="http://schemas.openxmlformats.org/officeDocument/2006/relationships" xmlns:mc="http://schemas.openxmlformats.org/markup-compatibility/2006" xmlns:mv="urn:schemas-microsoft-com:mac:vml" xmlns:p="http://schemas.openxmlformats.org/presentationml/2006/main" xmlns:c="http://schemas.openxmlformats.org/drawingml/2006/chart" xmlns:dgm="http://schemas.openxmlformats.org/drawingml/2006/diagram" xmlns:o="urn:schemas-microsoft-com:office:office" xmlns:v="urn:schemas-microsoft-com:vml" xmlns:pvml="urn:schemas-microsoft-com:office:powerpoint" xmlns:com="http://schemas.openxmlformats.org/drawingml/2006/compatibility" xmlns:p14="http://schemas.microsoft.com/office/powerpoint/2010/main" xmlns:p15="http://schemas.microsoft.com/office/powerpoint/2012/main">
+  <p:cSld>
+    <p:spTree>
+      <p:nvGrpSpPr>
+        <p:cNvPr id="165" name="Shape 165"/>
+        <p:cNvGrpSpPr/>
+        <p:nvPr/>
+      </p:nvGrpSpPr>
+      <p:grpSpPr>
+        <a:xfrm>
+          <a:off x="0" y="0"/>
+          <a:ext cx="0" cy="0"/>
+          <a:chOff x="0" y="0"/>
+          <a:chExt cx="0" cy="0"/>
+        </a:xfrm>
+      </p:grpSpPr>
+      <p:sp>
+        <p:nvSpPr>
+          <p:cNvPr id="166" name="Shape 166"/>
+          <p:cNvSpPr txBox="1"/>
+          <p:nvPr>
+            <p:ph type="title"/>
+          </p:nvPr>
+        </p:nvSpPr>
+        <p:spPr>
+          <a:xfrm>
+            <a:off x="311700" y="391350"/>
+            <a:ext cx="8520600" cy="626100"/>
+          </a:xfrm>
+          <a:prstGeom prst="rect">
+            <a:avLst/>
+          </a:prstGeom>
+        </p:spPr>
+        <p:txBody>
+          <a:bodyPr anchorCtr="0" anchor="t" bIns="91425" lIns="91425" rIns="91425" wrap="square" tIns="91425">
+            <a:noAutofit/>
+          </a:bodyPr>
+          <a:lstStyle/>
+          <a:p>
+            <a:pPr indent="0" lvl="0" marL="0">
+              <a:spcBef>
+                <a:spcPts val="0"/>
+              </a:spcBef>
+              <a:buNone/>
+            </a:pPr>
+            <a:r>
+              <a:rPr lang="en"/>
+              <a:t>Nonos160.tif</a:t>
+            </a:r>
+          </a:p>
+        </p:txBody>
+      </p:sp>
+      <p:pic>
+        <p:nvPicPr>
+          <p:cNvPr id="167" name="Shape 167"/>
+          <p:cNvPicPr preferRelativeResize="0"/>
+          <p:nvPr/>
+        </p:nvPicPr>
+        <p:blipFill>
+          <a:blip r:embed="rId3">
+            <a:alphaModFix/>
+          </a:blip>
+          <a:stretch>
+            <a:fillRect/>
+          </a:stretch>
+        </p:blipFill>
+        <p:spPr>
+          <a:xfrm>
+            <a:off x="768425" y="1151000"/>
+            <a:ext cx="1143300" cy="1143300"/>
+          </a:xfrm>
+          <a:prstGeom prst="rect">
+            <a:avLst/>
+          </a:prstGeom>
+          <a:noFill/>
+          <a:ln>
+            <a:noFill/>
+          </a:ln>
+        </p:spPr>
+      </p:pic>
+      <p:pic>
+        <p:nvPicPr>
+          <p:cNvPr id="168" name="Shape 168"/>
+          <p:cNvPicPr preferRelativeResize="0"/>
+          <p:nvPr/>
+        </p:nvPicPr>
+        <p:blipFill>
+          <a:blip r:embed="rId4">
+            <a:alphaModFix/>
+          </a:blip>
+          <a:stretch>
+            <a:fillRect/>
+          </a:stretch>
+        </p:blipFill>
+        <p:spPr>
+          <a:xfrm>
+            <a:off x="768425" y="2295775"/>
+            <a:ext cx="1143300" cy="1143300"/>
+          </a:xfrm>
+          <a:prstGeom prst="rect">
+            <a:avLst/>
+          </a:prstGeom>
+          <a:noFill/>
+          <a:ln>
+            <a:noFill/>
+          </a:ln>
+        </p:spPr>
+      </p:pic>
+      <p:pic>
+        <p:nvPicPr>
+          <p:cNvPr id="169" name="Shape 169"/>
+          <p:cNvPicPr preferRelativeResize="0"/>
+          <p:nvPr/>
+        </p:nvPicPr>
+        <p:blipFill>
+          <a:blip r:embed="rId5">
+            <a:alphaModFix/>
+          </a:blip>
+          <a:stretch>
+            <a:fillRect/>
+          </a:stretch>
+        </p:blipFill>
+        <p:spPr>
+          <a:xfrm>
+            <a:off x="768425" y="3439075"/>
+            <a:ext cx="1143300" cy="1143300"/>
+          </a:xfrm>
+          <a:prstGeom prst="rect">
+            <a:avLst/>
+          </a:prstGeom>
+          <a:noFill/>
+          <a:ln>
+            <a:noFill/>
+          </a:ln>
+        </p:spPr>
+      </p:pic>
+      <p:pic>
+        <p:nvPicPr>
+          <p:cNvPr id="170" name="Shape 170"/>
+          <p:cNvPicPr preferRelativeResize="0"/>
+          <p:nvPr/>
+        </p:nvPicPr>
+        <p:blipFill>
+          <a:blip r:embed="rId6">
+            <a:alphaModFix/>
+          </a:blip>
+          <a:stretch>
+            <a:fillRect/>
+          </a:stretch>
+        </p:blipFill>
+        <p:spPr>
+          <a:xfrm>
+            <a:off x="2359800" y="1733263"/>
+            <a:ext cx="2835400" cy="2268327"/>
+          </a:xfrm>
+          <a:prstGeom prst="rect">
+            <a:avLst/>
+          </a:prstGeom>
+          <a:noFill/>
+          <a:ln>
+            <a:noFill/>
+          </a:ln>
+        </p:spPr>
+      </p:pic>
+      <p:pic>
+        <p:nvPicPr>
+          <p:cNvPr id="171" name="Shape 171"/>
+          <p:cNvPicPr preferRelativeResize="0"/>
+          <p:nvPr/>
+        </p:nvPicPr>
+        <p:blipFill>
+          <a:blip r:embed="rId7">
+            <a:alphaModFix/>
+          </a:blip>
+          <a:stretch>
+            <a:fillRect/>
+          </a:stretch>
+        </p:blipFill>
+        <p:spPr>
+          <a:xfrm>
+            <a:off x="5556825" y="1733263"/>
+            <a:ext cx="2835400" cy="2268327"/>
+          </a:xfrm>
+          <a:prstGeom prst="rect">
+            <a:avLst/>
+          </a:prstGeom>
+          <a:noFill/>
+          <a:ln>
+            <a:noFill/>
+          </a:ln>
+        </p:spPr>
+      </p:pic>
+      <p:sp>
+        <p:nvSpPr>
+          <p:cNvPr id="172" name="Shape 172"/>
+          <p:cNvSpPr txBox="1"/>
+          <p:nvPr/>
+        </p:nvSpPr>
+        <p:spPr>
+          <a:xfrm>
+            <a:off x="5682125" y="1152475"/>
+            <a:ext cx="2584800" cy="1010700"/>
+          </a:xfrm>
+          <a:prstGeom prst="rect">
+            <a:avLst/>
+          </a:prstGeom>
+          <a:noFill/>
+          <a:ln>
+            <a:noFill/>
+          </a:ln>
+        </p:spPr>
+        <p:txBody>
+          <a:bodyPr anchorCtr="0" anchor="t" bIns="91425" lIns="91425" rIns="91425" wrap="square" tIns="91425">
+            <a:noAutofit/>
+          </a:bodyPr>
+          <a:lstStyle/>
+          <a:p>
+            <a:pPr indent="0" lvl="0" marL="0" rtl="0" algn="ctr">
+              <a:spcBef>
+                <a:spcPts val="0"/>
+              </a:spcBef>
+              <a:buNone/>
+            </a:pPr>
+            <a:r>
+              <a:rPr lang="en">
+                <a:latin typeface="Lato"/>
+                <a:ea typeface="Lato"/>
+                <a:cs typeface="Lato"/>
+                <a:sym typeface="Lato"/>
+              </a:rPr>
+              <a:t>Edgeness Threshold: 164.688</a:t>
+            </a:r>
+          </a:p>
+        </p:txBody>
+      </p:sp>
+      <p:sp>
+        <p:nvSpPr>
+          <p:cNvPr id="173" name="Shape 173"/>
+          <p:cNvSpPr txBox="1"/>
+          <p:nvPr/>
+        </p:nvSpPr>
+        <p:spPr>
+          <a:xfrm>
+            <a:off x="2509400" y="1152475"/>
+            <a:ext cx="2536200" cy="626100"/>
+          </a:xfrm>
+          <a:prstGeom prst="rect">
+            <a:avLst/>
+          </a:prstGeom>
+          <a:noFill/>
+          <a:ln>
+            <a:noFill/>
+          </a:ln>
+        </p:spPr>
+        <p:txBody>
+          <a:bodyPr anchorCtr="0" anchor="t" bIns="91425" lIns="91425" rIns="91425" wrap="square" tIns="91425">
+            <a:noAutofit/>
+          </a:bodyPr>
+          <a:lstStyle/>
+          <a:p>
+            <a:pPr indent="0" lvl="0" marL="0" rtl="0" algn="ctr">
+              <a:spcBef>
+                <a:spcPts val="0"/>
+              </a:spcBef>
+              <a:buNone/>
+            </a:pPr>
+            <a:r>
+              <a:rPr lang="en">
+                <a:latin typeface="Lato"/>
+                <a:ea typeface="Lato"/>
+                <a:cs typeface="Lato"/>
+                <a:sym typeface="Lato"/>
+              </a:rPr>
+              <a:t>Non-thresholded Signature</a:t>
+            </a:r>
+          </a:p>
+        </p:txBody>
+      </p:sp>
+    </p:spTree>
+  </p:cSld>
+  <p:clrMapOvr>
+    <a:masterClrMapping/>
+  </p:clrMapOvr>
+</p:sld>
+</file>
+
+<file path=ppt/slides/slide14.xml><?xml version="1.0" encoding="utf-8"?>
+<p:sld xmlns:a="http://schemas.openxmlformats.org/drawingml/2006/main" xmlns:r="http://schemas.openxmlformats.org/officeDocument/2006/relationships" xmlns:mc="http://schemas.openxmlformats.org/markup-compatibility/2006" xmlns:mv="urn:schemas-microsoft-com:mac:vml" xmlns:p="http://schemas.openxmlformats.org/presentationml/2006/main" xmlns:c="http://schemas.openxmlformats.org/drawingml/2006/chart" xmlns:dgm="http://schemas.openxmlformats.org/drawingml/2006/diagram" xmlns:o="urn:schemas-microsoft-com:office:office" xmlns:v="urn:schemas-microsoft-com:vml" xmlns:pvml="urn:schemas-microsoft-com:office:powerpoint" xmlns:com="http://schemas.openxmlformats.org/drawingml/2006/compatibility" xmlns:p14="http://schemas.microsoft.com/office/powerpoint/2010/main" xmlns:p15="http://schemas.microsoft.com/office/powerpoint/2012/main">
+  <p:cSld>
+    <p:spTree>
+      <p:nvGrpSpPr>
+        <p:cNvPr id="177" name="Shape 177"/>
+        <p:cNvGrpSpPr/>
+        <p:nvPr/>
+      </p:nvGrpSpPr>
+      <p:grpSpPr>
+        <a:xfrm>
+          <a:off x="0" y="0"/>
+          <a:ext cx="0" cy="0"/>
+          <a:chOff x="0" y="0"/>
+          <a:chExt cx="0" cy="0"/>
+        </a:xfrm>
+      </p:grpSpPr>
+      <p:sp>
+        <p:nvSpPr>
+          <p:cNvPr id="178" name="Shape 178"/>
+          <p:cNvSpPr txBox="1"/>
+          <p:nvPr>
+            <p:ph type="title"/>
+          </p:nvPr>
+        </p:nvSpPr>
+        <p:spPr>
+          <a:xfrm>
+            <a:off x="311700" y="391350"/>
+            <a:ext cx="8520600" cy="626100"/>
+          </a:xfrm>
+          <a:prstGeom prst="rect">
+            <a:avLst/>
+          </a:prstGeom>
+        </p:spPr>
+        <p:txBody>
+          <a:bodyPr anchorCtr="0" anchor="t" bIns="91425" lIns="91425" rIns="91425" wrap="square" tIns="91425">
+            <a:noAutofit/>
+          </a:bodyPr>
+          <a:lstStyle/>
+          <a:p>
+            <a:pPr indent="0" lvl="0" marL="0">
+              <a:spcBef>
+                <a:spcPts val="0"/>
+              </a:spcBef>
+              <a:buNone/>
+            </a:pPr>
+            <a:r>
+              <a:rPr lang="en"/>
+              <a:t>Sand.tif</a:t>
+            </a:r>
+          </a:p>
+        </p:txBody>
+      </p:sp>
+      <p:pic>
+        <p:nvPicPr>
+          <p:cNvPr id="179" name="Shape 179"/>
+          <p:cNvPicPr preferRelativeResize="0"/>
+          <p:nvPr/>
+        </p:nvPicPr>
+        <p:blipFill>
+          <a:blip r:embed="rId3">
+            <a:alphaModFix/>
+          </a:blip>
+          <a:stretch>
+            <a:fillRect/>
+          </a:stretch>
+        </p:blipFill>
+        <p:spPr>
+          <a:xfrm>
+            <a:off x="673400" y="1138100"/>
+            <a:ext cx="1143300" cy="1143300"/>
+          </a:xfrm>
+          <a:prstGeom prst="rect">
+            <a:avLst/>
+          </a:prstGeom>
+          <a:noFill/>
+          <a:ln>
+            <a:noFill/>
+          </a:ln>
+        </p:spPr>
+      </p:pic>
+      <p:pic>
+        <p:nvPicPr>
+          <p:cNvPr id="180" name="Shape 180"/>
+          <p:cNvPicPr preferRelativeResize="0"/>
+          <p:nvPr/>
+        </p:nvPicPr>
+        <p:blipFill>
+          <a:blip r:embed="rId4">
+            <a:alphaModFix/>
+          </a:blip>
+          <a:stretch>
+            <a:fillRect/>
+          </a:stretch>
+        </p:blipFill>
+        <p:spPr>
+          <a:xfrm>
+            <a:off x="673400" y="2281400"/>
+            <a:ext cx="1143300" cy="1143300"/>
+          </a:xfrm>
+          <a:prstGeom prst="rect">
+            <a:avLst/>
+          </a:prstGeom>
+          <a:noFill/>
+          <a:ln>
+            <a:noFill/>
+          </a:ln>
+        </p:spPr>
+      </p:pic>
+      <p:pic>
+        <p:nvPicPr>
+          <p:cNvPr id="181" name="Shape 181"/>
+          <p:cNvPicPr preferRelativeResize="0"/>
+          <p:nvPr/>
+        </p:nvPicPr>
+        <p:blipFill>
+          <a:blip r:embed="rId5">
+            <a:alphaModFix/>
+          </a:blip>
+          <a:stretch>
+            <a:fillRect/>
+          </a:stretch>
+        </p:blipFill>
+        <p:spPr>
+          <a:xfrm>
+            <a:off x="673400" y="3424700"/>
+            <a:ext cx="1143300" cy="1143300"/>
+          </a:xfrm>
+          <a:prstGeom prst="rect">
+            <a:avLst/>
+          </a:prstGeom>
+          <a:noFill/>
+          <a:ln>
+            <a:noFill/>
+          </a:ln>
+        </p:spPr>
+      </p:pic>
+      <p:pic>
+        <p:nvPicPr>
+          <p:cNvPr id="182" name="Shape 182"/>
+          <p:cNvPicPr preferRelativeResize="0"/>
+          <p:nvPr/>
+        </p:nvPicPr>
+        <p:blipFill>
+          <a:blip r:embed="rId6">
+            <a:alphaModFix/>
+          </a:blip>
+          <a:stretch>
+            <a:fillRect/>
+          </a:stretch>
+        </p:blipFill>
+        <p:spPr>
+          <a:xfrm>
+            <a:off x="2320571" y="1709750"/>
+            <a:ext cx="2858258" cy="2286600"/>
+          </a:xfrm>
+          <a:prstGeom prst="rect">
+            <a:avLst/>
+          </a:prstGeom>
+          <a:noFill/>
+          <a:ln>
+            <a:noFill/>
+          </a:ln>
+        </p:spPr>
+      </p:pic>
+      <p:pic>
+        <p:nvPicPr>
+          <p:cNvPr id="183" name="Shape 183"/>
+          <p:cNvPicPr preferRelativeResize="0"/>
+          <p:nvPr/>
+        </p:nvPicPr>
+        <p:blipFill>
+          <a:blip r:embed="rId7">
+            <a:alphaModFix/>
+          </a:blip>
+          <a:stretch>
+            <a:fillRect/>
+          </a:stretch>
+        </p:blipFill>
+        <p:spPr>
+          <a:xfrm>
+            <a:off x="5560950" y="1709749"/>
+            <a:ext cx="2858250" cy="2286593"/>
+          </a:xfrm>
+          <a:prstGeom prst="rect">
+            <a:avLst/>
+          </a:prstGeom>
+          <a:noFill/>
+          <a:ln>
+            <a:noFill/>
+          </a:ln>
+        </p:spPr>
+      </p:pic>
+      <p:sp>
+        <p:nvSpPr>
+          <p:cNvPr id="184" name="Shape 184"/>
+          <p:cNvSpPr txBox="1"/>
+          <p:nvPr/>
+        </p:nvSpPr>
+        <p:spPr>
+          <a:xfrm>
+            <a:off x="5697675" y="1152475"/>
+            <a:ext cx="2584800" cy="1010700"/>
+          </a:xfrm>
+          <a:prstGeom prst="rect">
+            <a:avLst/>
+          </a:prstGeom>
+          <a:noFill/>
+          <a:ln>
+            <a:noFill/>
+          </a:ln>
+        </p:spPr>
+        <p:txBody>
+          <a:bodyPr anchorCtr="0" anchor="t" bIns="91425" lIns="91425" rIns="91425" wrap="square" tIns="91425">
+            <a:noAutofit/>
+          </a:bodyPr>
+          <a:lstStyle/>
+          <a:p>
+            <a:pPr indent="0" lvl="0" marL="0" rtl="0" algn="ctr">
+              <a:spcBef>
+                <a:spcPts val="0"/>
+              </a:spcBef>
+              <a:buNone/>
+            </a:pPr>
+            <a:r>
+              <a:rPr lang="en">
+                <a:latin typeface="Lato"/>
+                <a:ea typeface="Lato"/>
+                <a:cs typeface="Lato"/>
+                <a:sym typeface="Lato"/>
+              </a:rPr>
+              <a:t>Edgeness Threshold: 103.753</a:t>
+            </a:r>
+          </a:p>
+        </p:txBody>
+      </p:sp>
+      <p:sp>
+        <p:nvSpPr>
+          <p:cNvPr id="185" name="Shape 185"/>
+          <p:cNvSpPr txBox="1"/>
+          <p:nvPr/>
+        </p:nvSpPr>
+        <p:spPr>
+          <a:xfrm>
+            <a:off x="2481600" y="1152475"/>
+            <a:ext cx="2536200" cy="626100"/>
+          </a:xfrm>
+          <a:prstGeom prst="rect">
+            <a:avLst/>
+          </a:prstGeom>
+          <a:noFill/>
+          <a:ln>
+            <a:noFill/>
+          </a:ln>
+        </p:spPr>
+        <p:txBody>
+          <a:bodyPr anchorCtr="0" anchor="t" bIns="91425" lIns="91425" rIns="91425" wrap="square" tIns="91425">
+            <a:noAutofit/>
+          </a:bodyPr>
+          <a:lstStyle/>
+          <a:p>
+            <a:pPr indent="0" lvl="0" marL="0" rtl="0" algn="ctr">
+              <a:spcBef>
+                <a:spcPts val="0"/>
+              </a:spcBef>
+              <a:buNone/>
+            </a:pPr>
+            <a:r>
+              <a:rPr lang="en">
+                <a:latin typeface="Lato"/>
+                <a:ea typeface="Lato"/>
+                <a:cs typeface="Lato"/>
+                <a:sym typeface="Lato"/>
+              </a:rPr>
+              <a:t>Non-thresholded Signature</a:t>
+            </a:r>
+          </a:p>
+        </p:txBody>
+      </p:sp>
+    </p:spTree>
+  </p:cSld>
+  <p:clrMapOvr>
+    <a:masterClrMapping/>
+  </p:clrMapOvr>
+</p:sld>
+</file>
+
+<file path=ppt/slides/slide15.xml><?xml version="1.0" encoding="utf-8"?>
+<p:sld xmlns:a="http://schemas.openxmlformats.org/drawingml/2006/main" xmlns:r="http://schemas.openxmlformats.org/officeDocument/2006/relationships" xmlns:mc="http://schemas.openxmlformats.org/markup-compatibility/2006" xmlns:mv="urn:schemas-microsoft-com:mac:vml" xmlns:p="http://schemas.openxmlformats.org/presentationml/2006/main" xmlns:c="http://schemas.openxmlformats.org/drawingml/2006/chart" xmlns:dgm="http://schemas.openxmlformats.org/drawingml/2006/diagram" xmlns:o="urn:schemas-microsoft-com:office:office" xmlns:v="urn:schemas-microsoft-com:vml" xmlns:pvml="urn:schemas-microsoft-com:office:powerpoint" xmlns:com="http://schemas.openxmlformats.org/drawingml/2006/compatibility" xmlns:p14="http://schemas.microsoft.com/office/powerpoint/2010/main" xmlns:p15="http://schemas.microsoft.com/office/powerpoint/2012/main">
+  <p:cSld>
+    <p:spTree>
+      <p:nvGrpSpPr>
+        <p:cNvPr id="189" name="Shape 189"/>
+        <p:cNvGrpSpPr/>
+        <p:nvPr/>
+      </p:nvGrpSpPr>
+      <p:grpSpPr>
+        <a:xfrm>
+          <a:off x="0" y="0"/>
+          <a:ext cx="0" cy="0"/>
+          <a:chOff x="0" y="0"/>
+          <a:chExt cx="0" cy="0"/>
+        </a:xfrm>
+      </p:grpSpPr>
+      <p:sp>
+        <p:nvSpPr>
+          <p:cNvPr id="190" name="Shape 190"/>
+          <p:cNvSpPr txBox="1"/>
+          <p:nvPr>
+            <p:ph type="title"/>
+          </p:nvPr>
+        </p:nvSpPr>
+        <p:spPr>
+          <a:xfrm>
+            <a:off x="311700" y="391350"/>
+            <a:ext cx="8520600" cy="626100"/>
+          </a:xfrm>
+          <a:prstGeom prst="rect">
+            <a:avLst/>
+          </a:prstGeom>
+        </p:spPr>
+        <p:txBody>
+          <a:bodyPr anchorCtr="0" anchor="t" bIns="91425" lIns="91425" rIns="91425" wrap="square" tIns="91425">
+            <a:noAutofit/>
+          </a:bodyPr>
+          <a:lstStyle/>
+          <a:p>
+            <a:pPr indent="0" lvl="0" marL="0">
+              <a:spcBef>
+                <a:spcPts val="0"/>
+              </a:spcBef>
+              <a:buNone/>
+            </a:pPr>
+            <a:r>
+              <a:rPr lang="en"/>
+              <a:t>Future Implementation</a:t>
+            </a:r>
+          </a:p>
+        </p:txBody>
+      </p:sp>
+      <p:sp>
+        <p:nvSpPr>
+          <p:cNvPr id="191" name="Shape 191"/>
+          <p:cNvSpPr txBox="1"/>
+          <p:nvPr>
+            <p:ph idx="1" type="body"/>
+          </p:nvPr>
+        </p:nvSpPr>
+        <p:spPr>
+          <a:xfrm>
+            <a:off x="311700" y="1152475"/>
+            <a:ext cx="8520600" cy="3416400"/>
+          </a:xfrm>
+          <a:prstGeom prst="rect">
+            <a:avLst/>
+          </a:prstGeom>
+        </p:spPr>
+        <p:txBody>
+          <a:bodyPr anchorCtr="0" anchor="t" bIns="91425" lIns="91425" rIns="91425" wrap="square" tIns="91425">
+            <a:noAutofit/>
+          </a:bodyPr>
+          <a:lstStyle/>
+          <a:p>
+            <a:pPr indent="-342900" lvl="0" marL="457200" rtl="0">
+              <a:spcBef>
+                <a:spcPts val="0"/>
+              </a:spcBef>
+              <a:spcAft>
+                <a:spcPts val="0"/>
+              </a:spcAft>
+              <a:buSzPts val="1800"/>
+              <a:buChar char="●"/>
+            </a:pPr>
+            <a:r>
+              <a:rPr lang="en"/>
+              <a:t>Custom Histogram class</a:t>
+            </a:r>
+          </a:p>
+          <a:p>
+            <a:pPr indent="-330200" lvl="1" marL="914400" rtl="0">
+              <a:spcBef>
+                <a:spcPts val="0"/>
+              </a:spcBef>
+              <a:spcAft>
+                <a:spcPts val="0"/>
+              </a:spcAft>
+              <a:buSzPts val="1600"/>
+              <a:buChar char="○"/>
+            </a:pPr>
+            <a:r>
+              <a:rPr lang="en" sz="1600"/>
+              <a:t>Live updates - when the image changes, update the signature</a:t>
+            </a:r>
+          </a:p>
+          <a:p>
+            <a:pPr indent="-330200" lvl="1" marL="914400">
+              <a:spcBef>
+                <a:spcPts val="0"/>
+              </a:spcBef>
+              <a:buSzPts val="1600"/>
+              <a:buChar char="○"/>
+            </a:pPr>
+            <a:r>
+              <a:rPr lang="en" sz="1600"/>
+              <a:t>Compare Images</a:t>
+            </a:r>
+          </a:p>
+        </p:txBody>
+      </p:sp>
+    </p:spTree>
+  </p:cSld>
+  <p:clrMapOvr>
+    <a:masterClrMapping/>
+  </p:clrMapOvr>
+</p:sld>
+</file>
+
+<file path=ppt/slides/slide16.xml><?xml version="1.0" encoding="utf-8"?>
+<p:sld xmlns:a="http://schemas.openxmlformats.org/drawingml/2006/main" xmlns:r="http://schemas.openxmlformats.org/officeDocument/2006/relationships" xmlns:mc="http://schemas.openxmlformats.org/markup-compatibility/2006" xmlns:mv="urn:schemas-microsoft-com:mac:vml" xmlns:p="http://schemas.openxmlformats.org/presentationml/2006/main" xmlns:c="http://schemas.openxmlformats.org/drawingml/2006/chart" xmlns:dgm="http://schemas.openxmlformats.org/drawingml/2006/diagram" xmlns:o="urn:schemas-microsoft-com:office:office" xmlns:v="urn:schemas-microsoft-com:vml" xmlns:pvml="urn:schemas-microsoft-com:office:powerpoint" xmlns:com="http://schemas.openxmlformats.org/drawingml/2006/compatibility" xmlns:p14="http://schemas.microsoft.com/office/powerpoint/2010/main" xmlns:p15="http://schemas.microsoft.com/office/powerpoint/2012/main">
+  <p:cSld>
+    <p:spTree>
+      <p:nvGrpSpPr>
+        <p:cNvPr id="195" name="Shape 195"/>
+        <p:cNvGrpSpPr/>
+        <p:nvPr/>
+      </p:nvGrpSpPr>
+      <p:grpSpPr>
+        <a:xfrm>
+          <a:off x="0" y="0"/>
+          <a:ext cx="0" cy="0"/>
+          <a:chOff x="0" y="0"/>
+          <a:chExt cx="0" cy="0"/>
+        </a:xfrm>
+      </p:grpSpPr>
+      <p:sp>
+        <p:nvSpPr>
+          <p:cNvPr id="196" name="Shape 196"/>
           <p:cNvSpPr txBox="1"/>
           <p:nvPr>
             <p:ph type="title"/>
@@ -5863,7 +8299,7 @@
       </p:sp>
       <p:sp>
         <p:nvSpPr>
-          <p:cNvPr id="152" name="Shape 152"/>
+          <p:cNvPr id="197" name="Shape 197"/>
           <p:cNvSpPr txBox="1"/>
           <p:nvPr>
             <p:ph idx="1" type="body"/>
@@ -6186,34 +8622,6 @@
           <p:nvPr/>
         </p:nvPicPr>
         <p:blipFill>
-          <a:blip r:embed="rId3">
-            <a:alphaModFix/>
-          </a:blip>
-          <a:stretch>
-            <a:fillRect/>
-          </a:stretch>
-        </p:blipFill>
-        <p:spPr>
-          <a:xfrm>
-            <a:off x="1146083" y="1764975"/>
-            <a:ext cx="3087891" cy="1218800"/>
-          </a:xfrm>
-          <a:prstGeom prst="rect">
-            <a:avLst/>
-          </a:prstGeom>
-          <a:noFill/>
-          <a:ln>
-            <a:noFill/>
-          </a:ln>
-        </p:spPr>
-      </p:pic>
-      <p:pic>
-        <p:nvPicPr>
-          <p:cNvPr id="74" name="Shape 74"/>
-          <p:cNvPicPr preferRelativeResize="0"/>
-          <p:nvPr/>
-        </p:nvPicPr>
-        <p:blipFill>
           <a:blip r:embed="rId4">
             <a:alphaModFix/>
           </a:blip>
@@ -6223,8 +8631,8 @@
         </p:blipFill>
         <p:spPr>
           <a:xfrm>
-            <a:off x="4950275" y="1783525"/>
-            <a:ext cx="3253549" cy="1181675"/>
+            <a:off x="1146083" y="1764975"/>
+            <a:ext cx="3087891" cy="1218800"/>
           </a:xfrm>
           <a:prstGeom prst="rect">
             <a:avLst/>
@@ -6237,7 +8645,7 @@
       </p:pic>
       <p:pic>
         <p:nvPicPr>
-          <p:cNvPr id="75" name="Shape 75"/>
+          <p:cNvPr id="74" name="Shape 74"/>
           <p:cNvPicPr preferRelativeResize="0"/>
           <p:nvPr/>
         </p:nvPicPr>
@@ -6251,6 +8659,34 @@
         </p:blipFill>
         <p:spPr>
           <a:xfrm>
+            <a:off x="4950275" y="1783525"/>
+            <a:ext cx="3253549" cy="1181675"/>
+          </a:xfrm>
+          <a:prstGeom prst="rect">
+            <a:avLst/>
+          </a:prstGeom>
+          <a:noFill/>
+          <a:ln>
+            <a:noFill/>
+          </a:ln>
+        </p:spPr>
+      </p:pic>
+      <p:pic>
+        <p:nvPicPr>
+          <p:cNvPr id="75" name="Shape 75"/>
+          <p:cNvPicPr preferRelativeResize="0"/>
+          <p:nvPr/>
+        </p:nvPicPr>
+        <p:blipFill>
+          <a:blip r:embed="rId6">
+            <a:alphaModFix/>
+          </a:blip>
+          <a:stretch>
+            <a:fillRect/>
+          </a:stretch>
+        </p:blipFill>
+        <p:spPr>
+          <a:xfrm>
             <a:off x="1287350" y="3437723"/>
             <a:ext cx="2805348" cy="572700"/>
           </a:xfrm>
@@ -6270,7 +8706,7 @@
           <p:nvPr/>
         </p:nvPicPr>
         <p:blipFill>
-          <a:blip r:embed="rId6">
+          <a:blip r:embed="rId7">
             <a:alphaModFix/>
           </a:blip>
           <a:stretch>
@@ -6352,9 +8788,829 @@
           </a:p>
         </p:txBody>
       </p:sp>
+      <p:pic>
+        <p:nvPicPr>
+          <p:cNvPr id="82" name="Shape 82"/>
+          <p:cNvPicPr preferRelativeResize="0"/>
+          <p:nvPr/>
+        </p:nvPicPr>
+        <p:blipFill>
+          <a:blip r:embed="rId3">
+            <a:alphaModFix/>
+          </a:blip>
+          <a:stretch>
+            <a:fillRect/>
+          </a:stretch>
+        </p:blipFill>
+        <p:spPr>
+          <a:xfrm>
+            <a:off x="1538100" y="1472550"/>
+            <a:ext cx="1809750" cy="1809750"/>
+          </a:xfrm>
+          <a:prstGeom prst="rect">
+            <a:avLst/>
+          </a:prstGeom>
+          <a:noFill/>
+          <a:ln>
+            <a:noFill/>
+          </a:ln>
+        </p:spPr>
+      </p:pic>
+      <p:pic>
+        <p:nvPicPr>
+          <p:cNvPr id="83" name="Shape 83"/>
+          <p:cNvPicPr preferRelativeResize="0"/>
+          <p:nvPr/>
+        </p:nvPicPr>
+        <p:blipFill>
+          <a:blip r:embed="rId4">
+            <a:alphaModFix/>
+          </a:blip>
+          <a:stretch>
+            <a:fillRect/>
+          </a:stretch>
+        </p:blipFill>
+        <p:spPr>
+          <a:xfrm>
+            <a:off x="3657600" y="1463025"/>
+            <a:ext cx="1828800" cy="1828800"/>
+          </a:xfrm>
+          <a:prstGeom prst="rect">
+            <a:avLst/>
+          </a:prstGeom>
+          <a:noFill/>
+          <a:ln>
+            <a:noFill/>
+          </a:ln>
+        </p:spPr>
+      </p:pic>
+      <p:pic>
+        <p:nvPicPr>
+          <p:cNvPr id="84" name="Shape 84"/>
+          <p:cNvPicPr preferRelativeResize="0"/>
+          <p:nvPr/>
+        </p:nvPicPr>
+        <p:blipFill>
+          <a:blip r:embed="rId5">
+            <a:alphaModFix/>
+          </a:blip>
+          <a:stretch>
+            <a:fillRect/>
+          </a:stretch>
+        </p:blipFill>
+        <p:spPr>
+          <a:xfrm>
+            <a:off x="5796138" y="1467775"/>
+            <a:ext cx="1819275" cy="1819275"/>
+          </a:xfrm>
+          <a:prstGeom prst="rect">
+            <a:avLst/>
+          </a:prstGeom>
+          <a:noFill/>
+          <a:ln>
+            <a:noFill/>
+          </a:ln>
+        </p:spPr>
+      </p:pic>
+      <p:graphicFrame>
+        <p:nvGraphicFramePr>
+          <p:cNvPr id="85" name="Shape 85"/>
+          <p:cNvGraphicFramePr/>
+          <p:nvPr/>
+        </p:nvGraphicFramePr>
+        <p:xfrm>
+          <a:off x="1427700" y="1322688"/>
+          <a:ext cx="3000000" cy="3000000"/>
+        </p:xfrm>
+        <a:graphic>
+          <a:graphicData uri="http://schemas.openxmlformats.org/drawingml/2006/table">
+            <a:tbl>
+              <a:tblPr>
+                <a:noFill/>
+                <a:tableStyleId>{D28C0986-3DA5-4344-B66F-57C598A647AA}</a:tableStyleId>
+              </a:tblPr>
+              <a:tblGrid>
+                <a:gridCol w="2096200"/>
+                <a:gridCol w="2096200"/>
+                <a:gridCol w="2096200"/>
+              </a:tblGrid>
+              <a:tr h="2098725">
+                <a:tc>
+                  <a:txBody>
+                    <a:bodyPr>
+                      <a:noAutofit/>
+                    </a:bodyPr>
+                    <a:lstStyle/>
+                    <a:p>
+                      <a:pPr indent="0" lvl="0" marL="0" rtl="0">
+                        <a:lnSpc>
+                          <a:spcPct val="115000"/>
+                        </a:lnSpc>
+                        <a:spcBef>
+                          <a:spcPts val="0"/>
+                        </a:spcBef>
+                        <a:buNone/>
+                      </a:pPr>
+                      <a:r>
+                        <a:t/>
+                      </a:r>
+                      <a:endParaRPr sz="1200">
+                        <a:latin typeface="Times New Roman"/>
+                        <a:ea typeface="Times New Roman"/>
+                        <a:cs typeface="Times New Roman"/>
+                        <a:sym typeface="Times New Roman"/>
+                      </a:endParaRPr>
+                    </a:p>
+                  </a:txBody>
+                  <a:tcPr marT="63500" marB="63500" marR="63500" marL="63500"/>
+                </a:tc>
+                <a:tc>
+                  <a:txBody>
+                    <a:bodyPr>
+                      <a:noAutofit/>
+                    </a:bodyPr>
+                    <a:lstStyle/>
+                    <a:p>
+                      <a:pPr indent="0" lvl="0" marL="0" rtl="0">
+                        <a:lnSpc>
+                          <a:spcPct val="115000"/>
+                        </a:lnSpc>
+                        <a:spcBef>
+                          <a:spcPts val="0"/>
+                        </a:spcBef>
+                        <a:buNone/>
+                      </a:pPr>
+                      <a:r>
+                        <a:t/>
+                      </a:r>
+                      <a:endParaRPr sz="1200">
+                        <a:latin typeface="Times New Roman"/>
+                        <a:ea typeface="Times New Roman"/>
+                        <a:cs typeface="Times New Roman"/>
+                        <a:sym typeface="Times New Roman"/>
+                      </a:endParaRPr>
+                    </a:p>
+                  </a:txBody>
+                  <a:tcPr marT="63500" marB="63500" marR="63500" marL="63500"/>
+                </a:tc>
+                <a:tc>
+                  <a:txBody>
+                    <a:bodyPr>
+                      <a:noAutofit/>
+                    </a:bodyPr>
+                    <a:lstStyle/>
+                    <a:p>
+                      <a:pPr indent="0" lvl="0" marL="0" rtl="0">
+                        <a:lnSpc>
+                          <a:spcPct val="115000"/>
+                        </a:lnSpc>
+                        <a:spcBef>
+                          <a:spcPts val="0"/>
+                        </a:spcBef>
+                        <a:buNone/>
+                      </a:pPr>
+                      <a:r>
+                        <a:t/>
+                      </a:r>
+                      <a:endParaRPr sz="1200">
+                        <a:latin typeface="Times New Roman"/>
+                        <a:ea typeface="Times New Roman"/>
+                        <a:cs typeface="Times New Roman"/>
+                        <a:sym typeface="Times New Roman"/>
+                      </a:endParaRPr>
+                    </a:p>
+                  </a:txBody>
+                  <a:tcPr marT="63500" marB="63500" marR="63500" marL="63500"/>
+                </a:tc>
+              </a:tr>
+              <a:tr h="399400">
+                <a:tc>
+                  <a:txBody>
+                    <a:bodyPr>
+                      <a:noAutofit/>
+                    </a:bodyPr>
+                    <a:lstStyle/>
+                    <a:p>
+                      <a:pPr indent="0" lvl="0" marL="0" rtl="0" algn="ctr">
+                        <a:spcBef>
+                          <a:spcPts val="0"/>
+                        </a:spcBef>
+                        <a:buNone/>
+                      </a:pPr>
+                      <a:r>
+                        <a:rPr lang="en" sz="1200">
+                          <a:latin typeface="Lato"/>
+                          <a:ea typeface="Lato"/>
+                          <a:cs typeface="Lato"/>
+                          <a:sym typeface="Lato"/>
+                        </a:rPr>
+                        <a:t>Original (BUBBLES)</a:t>
+                      </a:r>
+                    </a:p>
+                  </a:txBody>
+                  <a:tcPr marT="63500" marB="63500" marR="63500" marL="63500"/>
+                </a:tc>
+                <a:tc>
+                  <a:txBody>
+                    <a:bodyPr>
+                      <a:noAutofit/>
+                    </a:bodyPr>
+                    <a:lstStyle/>
+                    <a:p>
+                      <a:pPr indent="0" lvl="0" marL="0" rtl="0" algn="ctr">
+                        <a:spcBef>
+                          <a:spcPts val="0"/>
+                        </a:spcBef>
+                        <a:buNone/>
+                      </a:pPr>
+                      <a:r>
+                        <a:rPr lang="en" sz="1200">
+                          <a:latin typeface="Lato"/>
+                          <a:ea typeface="Lato"/>
+                          <a:cs typeface="Lato"/>
+                          <a:sym typeface="Lato"/>
+                        </a:rPr>
+                        <a:t>X Convolution</a:t>
+                      </a:r>
+                    </a:p>
+                  </a:txBody>
+                  <a:tcPr marT="63500" marB="63500" marR="63500" marL="63500"/>
+                </a:tc>
+                <a:tc>
+                  <a:txBody>
+                    <a:bodyPr>
+                      <a:noAutofit/>
+                    </a:bodyPr>
+                    <a:lstStyle/>
+                    <a:p>
+                      <a:pPr indent="0" lvl="0" marL="0" rtl="0" algn="ctr">
+                        <a:spcBef>
+                          <a:spcPts val="0"/>
+                        </a:spcBef>
+                        <a:buNone/>
+                      </a:pPr>
+                      <a:r>
+                        <a:rPr lang="en" sz="1200">
+                          <a:latin typeface="Lato"/>
+                          <a:ea typeface="Lato"/>
+                          <a:cs typeface="Lato"/>
+                          <a:sym typeface="Lato"/>
+                        </a:rPr>
+                        <a:t>Y Convolution</a:t>
+                      </a:r>
+                    </a:p>
+                  </a:txBody>
+                  <a:tcPr marT="63500" marB="63500" marR="63500" marL="63500"/>
+                </a:tc>
+              </a:tr>
+            </a:tbl>
+          </a:graphicData>
+        </a:graphic>
+      </p:graphicFrame>
+    </p:spTree>
+  </p:cSld>
+  <p:clrMapOvr>
+    <a:masterClrMapping/>
+  </p:clrMapOvr>
+</p:sld>
+</file>
+
+<file path=ppt/slides/slide5.xml><?xml version="1.0" encoding="utf-8"?>
+<p:sld xmlns:a="http://schemas.openxmlformats.org/drawingml/2006/main" xmlns:r="http://schemas.openxmlformats.org/officeDocument/2006/relationships" xmlns:mc="http://schemas.openxmlformats.org/markup-compatibility/2006" xmlns:mv="urn:schemas-microsoft-com:mac:vml" xmlns:p="http://schemas.openxmlformats.org/presentationml/2006/main" xmlns:c="http://schemas.openxmlformats.org/drawingml/2006/chart" xmlns:dgm="http://schemas.openxmlformats.org/drawingml/2006/diagram" xmlns:o="urn:schemas-microsoft-com:office:office" xmlns:v="urn:schemas-microsoft-com:vml" xmlns:pvml="urn:schemas-microsoft-com:office:powerpoint" xmlns:com="http://schemas.openxmlformats.org/drawingml/2006/compatibility" xmlns:p14="http://schemas.microsoft.com/office/powerpoint/2010/main" xmlns:p15="http://schemas.microsoft.com/office/powerpoint/2012/main">
+  <p:cSld>
+    <p:spTree>
+      <p:nvGrpSpPr>
+        <p:cNvPr id="89" name="Shape 89"/>
+        <p:cNvGrpSpPr/>
+        <p:nvPr/>
+      </p:nvGrpSpPr>
+      <p:grpSpPr>
+        <a:xfrm>
+          <a:off x="0" y="0"/>
+          <a:ext cx="0" cy="0"/>
+          <a:chOff x="0" y="0"/>
+          <a:chExt cx="0" cy="0"/>
+        </a:xfrm>
+      </p:grpSpPr>
       <p:sp>
         <p:nvSpPr>
-          <p:cNvPr id="82" name="Shape 82"/>
+          <p:cNvPr id="90" name="Shape 90"/>
+          <p:cNvSpPr txBox="1"/>
+          <p:nvPr>
+            <p:ph type="title"/>
+          </p:nvPr>
+        </p:nvSpPr>
+        <p:spPr>
+          <a:xfrm>
+            <a:off x="311700" y="391350"/>
+            <a:ext cx="8520600" cy="626100"/>
+          </a:xfrm>
+          <a:prstGeom prst="rect">
+            <a:avLst/>
+          </a:prstGeom>
+        </p:spPr>
+        <p:txBody>
+          <a:bodyPr anchorCtr="0" anchor="t" bIns="91425" lIns="91425" rIns="91425" wrap="square" tIns="91425">
+            <a:noAutofit/>
+          </a:bodyPr>
+          <a:lstStyle/>
+          <a:p>
+            <a:pPr indent="0" lvl="0" marL="0">
+              <a:spcBef>
+                <a:spcPts val="0"/>
+              </a:spcBef>
+              <a:buNone/>
+            </a:pPr>
+            <a:r>
+              <a:rPr lang="en"/>
+              <a:t>Method</a:t>
+            </a:r>
+          </a:p>
+        </p:txBody>
+      </p:sp>
+      <p:pic>
+        <p:nvPicPr>
+          <p:cNvPr id="91" name="Shape 91"/>
+          <p:cNvPicPr preferRelativeResize="0"/>
+          <p:nvPr/>
+        </p:nvPicPr>
+        <p:blipFill>
+          <a:blip r:embed="rId3">
+            <a:alphaModFix/>
+          </a:blip>
+          <a:stretch>
+            <a:fillRect/>
+          </a:stretch>
+        </p:blipFill>
+        <p:spPr>
+          <a:xfrm>
+            <a:off x="1621000" y="1419263"/>
+            <a:ext cx="1809750" cy="1809750"/>
+          </a:xfrm>
+          <a:prstGeom prst="rect">
+            <a:avLst/>
+          </a:prstGeom>
+          <a:noFill/>
+          <a:ln>
+            <a:noFill/>
+          </a:ln>
+        </p:spPr>
+      </p:pic>
+      <p:pic>
+        <p:nvPicPr>
+          <p:cNvPr id="92" name="Shape 92"/>
+          <p:cNvPicPr preferRelativeResize="0"/>
+          <p:nvPr/>
+        </p:nvPicPr>
+        <p:blipFill>
+          <a:blip r:embed="rId4">
+            <a:alphaModFix/>
+          </a:blip>
+          <a:stretch>
+            <a:fillRect/>
+          </a:stretch>
+        </p:blipFill>
+        <p:spPr>
+          <a:xfrm>
+            <a:off x="3706200" y="1419263"/>
+            <a:ext cx="1828800" cy="1828800"/>
+          </a:xfrm>
+          <a:prstGeom prst="rect">
+            <a:avLst/>
+          </a:prstGeom>
+          <a:noFill/>
+          <a:ln>
+            <a:noFill/>
+          </a:ln>
+        </p:spPr>
+      </p:pic>
+      <p:pic>
+        <p:nvPicPr>
+          <p:cNvPr id="93" name="Shape 93"/>
+          <p:cNvPicPr preferRelativeResize="0"/>
+          <p:nvPr/>
+        </p:nvPicPr>
+        <p:blipFill>
+          <a:blip r:embed="rId5">
+            <a:alphaModFix/>
+          </a:blip>
+          <a:stretch>
+            <a:fillRect/>
+          </a:stretch>
+        </p:blipFill>
+        <p:spPr>
+          <a:xfrm>
+            <a:off x="5810450" y="1414500"/>
+            <a:ext cx="1819275" cy="1819275"/>
+          </a:xfrm>
+          <a:prstGeom prst="rect">
+            <a:avLst/>
+          </a:prstGeom>
+          <a:noFill/>
+          <a:ln>
+            <a:noFill/>
+          </a:ln>
+        </p:spPr>
+      </p:pic>
+      <p:graphicFrame>
+        <p:nvGraphicFramePr>
+          <p:cNvPr id="94" name="Shape 94"/>
+          <p:cNvGraphicFramePr/>
+          <p:nvPr/>
+        </p:nvGraphicFramePr>
+        <p:xfrm>
+          <a:off x="1476300" y="1264475"/>
+          <a:ext cx="3000000" cy="3000000"/>
+        </p:xfrm>
+        <a:graphic>
+          <a:graphicData uri="http://schemas.openxmlformats.org/drawingml/2006/table">
+            <a:tbl>
+              <a:tblPr>
+                <a:noFill/>
+                <a:tableStyleId>{D28C0986-3DA5-4344-B66F-57C598A647AA}</a:tableStyleId>
+              </a:tblPr>
+              <a:tblGrid>
+                <a:gridCol w="2096200"/>
+                <a:gridCol w="2096200"/>
+                <a:gridCol w="2096200"/>
+              </a:tblGrid>
+              <a:tr h="2098725">
+                <a:tc>
+                  <a:txBody>
+                    <a:bodyPr>
+                      <a:noAutofit/>
+                    </a:bodyPr>
+                    <a:lstStyle/>
+                    <a:p>
+                      <a:pPr indent="0" lvl="0" marL="0" rtl="0">
+                        <a:lnSpc>
+                          <a:spcPct val="115000"/>
+                        </a:lnSpc>
+                        <a:spcBef>
+                          <a:spcPts val="0"/>
+                        </a:spcBef>
+                        <a:buNone/>
+                      </a:pPr>
+                      <a:r>
+                        <a:t/>
+                      </a:r>
+                      <a:endParaRPr sz="1200">
+                        <a:latin typeface="Times New Roman"/>
+                        <a:ea typeface="Times New Roman"/>
+                        <a:cs typeface="Times New Roman"/>
+                        <a:sym typeface="Times New Roman"/>
+                      </a:endParaRPr>
+                    </a:p>
+                  </a:txBody>
+                  <a:tcPr marT="63500" marB="63500" marR="63500" marL="63500"/>
+                </a:tc>
+                <a:tc>
+                  <a:txBody>
+                    <a:bodyPr>
+                      <a:noAutofit/>
+                    </a:bodyPr>
+                    <a:lstStyle/>
+                    <a:p>
+                      <a:pPr indent="0" lvl="0" marL="0" rtl="0">
+                        <a:lnSpc>
+                          <a:spcPct val="115000"/>
+                        </a:lnSpc>
+                        <a:spcBef>
+                          <a:spcPts val="0"/>
+                        </a:spcBef>
+                        <a:buNone/>
+                      </a:pPr>
+                      <a:r>
+                        <a:t/>
+                      </a:r>
+                      <a:endParaRPr sz="1200">
+                        <a:latin typeface="Times New Roman"/>
+                        <a:ea typeface="Times New Roman"/>
+                        <a:cs typeface="Times New Roman"/>
+                        <a:sym typeface="Times New Roman"/>
+                      </a:endParaRPr>
+                    </a:p>
+                  </a:txBody>
+                  <a:tcPr marT="63500" marB="63500" marR="63500" marL="63500"/>
+                </a:tc>
+                <a:tc>
+                  <a:txBody>
+                    <a:bodyPr>
+                      <a:noAutofit/>
+                    </a:bodyPr>
+                    <a:lstStyle/>
+                    <a:p>
+                      <a:pPr indent="0" lvl="0" marL="0" rtl="0">
+                        <a:lnSpc>
+                          <a:spcPct val="115000"/>
+                        </a:lnSpc>
+                        <a:spcBef>
+                          <a:spcPts val="0"/>
+                        </a:spcBef>
+                        <a:buNone/>
+                      </a:pPr>
+                      <a:r>
+                        <a:t/>
+                      </a:r>
+                      <a:endParaRPr sz="1200">
+                        <a:latin typeface="Times New Roman"/>
+                        <a:ea typeface="Times New Roman"/>
+                        <a:cs typeface="Times New Roman"/>
+                        <a:sym typeface="Times New Roman"/>
+                      </a:endParaRPr>
+                    </a:p>
+                  </a:txBody>
+                  <a:tcPr marT="63500" marB="63500" marR="63500" marL="63500"/>
+                </a:tc>
+              </a:tr>
+              <a:tr h="399400">
+                <a:tc>
+                  <a:txBody>
+                    <a:bodyPr>
+                      <a:noAutofit/>
+                    </a:bodyPr>
+                    <a:lstStyle/>
+                    <a:p>
+                      <a:pPr indent="0" lvl="0" marL="0" rtl="0" algn="ctr">
+                        <a:spcBef>
+                          <a:spcPts val="0"/>
+                        </a:spcBef>
+                        <a:buNone/>
+                      </a:pPr>
+                      <a:r>
+                        <a:rPr lang="en" sz="1200">
+                          <a:latin typeface="Lato"/>
+                          <a:ea typeface="Lato"/>
+                          <a:cs typeface="Lato"/>
+                          <a:sym typeface="Lato"/>
+                        </a:rPr>
+                        <a:t>Original (BUBBLES)</a:t>
+                      </a:r>
+                    </a:p>
+                  </a:txBody>
+                  <a:tcPr marT="63500" marB="63500" marR="63500" marL="63500"/>
+                </a:tc>
+                <a:tc>
+                  <a:txBody>
+                    <a:bodyPr>
+                      <a:noAutofit/>
+                    </a:bodyPr>
+                    <a:lstStyle/>
+                    <a:p>
+                      <a:pPr indent="0" lvl="0" marL="0" rtl="0" algn="ctr">
+                        <a:spcBef>
+                          <a:spcPts val="0"/>
+                        </a:spcBef>
+                        <a:buNone/>
+                      </a:pPr>
+                      <a:r>
+                        <a:rPr lang="en" sz="1200">
+                          <a:latin typeface="Lato"/>
+                          <a:ea typeface="Lato"/>
+                          <a:cs typeface="Lato"/>
+                          <a:sym typeface="Lato"/>
+                        </a:rPr>
+                        <a:t>Magnitude</a:t>
+                      </a:r>
+                    </a:p>
+                  </a:txBody>
+                  <a:tcPr marT="63500" marB="63500" marR="63500" marL="63500"/>
+                </a:tc>
+                <a:tc>
+                  <a:txBody>
+                    <a:bodyPr>
+                      <a:noAutofit/>
+                    </a:bodyPr>
+                    <a:lstStyle/>
+                    <a:p>
+                      <a:pPr indent="0" lvl="0" marL="0" rtl="0" algn="ctr">
+                        <a:spcBef>
+                          <a:spcPts val="0"/>
+                        </a:spcBef>
+                        <a:buNone/>
+                      </a:pPr>
+                      <a:r>
+                        <a:rPr lang="en" sz="1200">
+                          <a:latin typeface="Lato"/>
+                          <a:ea typeface="Lato"/>
+                          <a:cs typeface="Lato"/>
+                          <a:sym typeface="Lato"/>
+                        </a:rPr>
+                        <a:t>Phase</a:t>
+                      </a:r>
+                    </a:p>
+                  </a:txBody>
+                  <a:tcPr marT="63500" marB="63500" marR="63500" marL="63500"/>
+                </a:tc>
+              </a:tr>
+            </a:tbl>
+          </a:graphicData>
+        </a:graphic>
+      </p:graphicFrame>
+    </p:spTree>
+  </p:cSld>
+  <p:clrMapOvr>
+    <a:masterClrMapping/>
+  </p:clrMapOvr>
+</p:sld>
+</file>
+
+<file path=ppt/slides/slide6.xml><?xml version="1.0" encoding="utf-8"?>
+<p:sld xmlns:a="http://schemas.openxmlformats.org/drawingml/2006/main" xmlns:r="http://schemas.openxmlformats.org/officeDocument/2006/relationships" xmlns:mc="http://schemas.openxmlformats.org/markup-compatibility/2006" xmlns:mv="urn:schemas-microsoft-com:mac:vml" xmlns:p="http://schemas.openxmlformats.org/presentationml/2006/main" xmlns:c="http://schemas.openxmlformats.org/drawingml/2006/chart" xmlns:dgm="http://schemas.openxmlformats.org/drawingml/2006/diagram" xmlns:o="urn:schemas-microsoft-com:office:office" xmlns:v="urn:schemas-microsoft-com:vml" xmlns:pvml="urn:schemas-microsoft-com:office:powerpoint" xmlns:com="http://schemas.openxmlformats.org/drawingml/2006/compatibility" xmlns:p14="http://schemas.microsoft.com/office/powerpoint/2010/main" xmlns:p15="http://schemas.microsoft.com/office/powerpoint/2012/main">
+  <p:cSld>
+    <p:spTree>
+      <p:nvGrpSpPr>
+        <p:cNvPr id="98" name="Shape 98"/>
+        <p:cNvGrpSpPr/>
+        <p:nvPr/>
+      </p:nvGrpSpPr>
+      <p:grpSpPr>
+        <a:xfrm>
+          <a:off x="0" y="0"/>
+          <a:ext cx="0" cy="0"/>
+          <a:chOff x="0" y="0"/>
+          <a:chExt cx="0" cy="0"/>
+        </a:xfrm>
+      </p:grpSpPr>
+      <p:sp>
+        <p:nvSpPr>
+          <p:cNvPr id="99" name="Shape 99"/>
+          <p:cNvSpPr txBox="1"/>
+          <p:nvPr>
+            <p:ph type="title"/>
+          </p:nvPr>
+        </p:nvSpPr>
+        <p:spPr>
+          <a:xfrm>
+            <a:off x="311700" y="391350"/>
+            <a:ext cx="8520600" cy="626100"/>
+          </a:xfrm>
+          <a:prstGeom prst="rect">
+            <a:avLst/>
+          </a:prstGeom>
+        </p:spPr>
+        <p:txBody>
+          <a:bodyPr anchorCtr="0" anchor="t" bIns="91425" lIns="91425" rIns="91425" wrap="square" tIns="91425">
+            <a:noAutofit/>
+          </a:bodyPr>
+          <a:lstStyle/>
+          <a:p>
+            <a:pPr indent="0" lvl="0" marL="0">
+              <a:spcBef>
+                <a:spcPts val="0"/>
+              </a:spcBef>
+              <a:buNone/>
+            </a:pPr>
+            <a:r>
+              <a:rPr lang="en"/>
+              <a:t>DEMO</a:t>
+            </a:r>
+          </a:p>
+        </p:txBody>
+      </p:sp>
+      <p:sp>
+        <p:nvSpPr>
+          <p:cNvPr id="100" name="Shape 100"/>
+          <p:cNvSpPr txBox="1"/>
+          <p:nvPr>
+            <p:ph idx="1" type="body"/>
+          </p:nvPr>
+        </p:nvSpPr>
+        <p:spPr>
+          <a:xfrm>
+            <a:off x="311700" y="1152475"/>
+            <a:ext cx="8520600" cy="3416400"/>
+          </a:xfrm>
+          <a:prstGeom prst="rect">
+            <a:avLst/>
+          </a:prstGeom>
+        </p:spPr>
+        <p:txBody>
+          <a:bodyPr anchorCtr="0" anchor="t" bIns="91425" lIns="91425" rIns="91425" wrap="square" tIns="91425">
+            <a:noAutofit/>
+          </a:bodyPr>
+          <a:lstStyle/>
+          <a:p>
+            <a:pPr indent="0" lvl="0" marL="0" rtl="0">
+              <a:spcBef>
+                <a:spcPts val="0"/>
+              </a:spcBef>
+              <a:spcAft>
+                <a:spcPts val="0"/>
+              </a:spcAft>
+              <a:buNone/>
+            </a:pPr>
+            <a:r>
+              <a:rPr lang="en"/>
+              <a:t>Two Plugins:</a:t>
+            </a:r>
+          </a:p>
+          <a:p>
+            <a:pPr indent="-342900" lvl="0" marL="457200" rtl="0">
+              <a:spcBef>
+                <a:spcPts val="0"/>
+              </a:spcBef>
+              <a:spcAft>
+                <a:spcPts val="0"/>
+              </a:spcAft>
+              <a:buSzPts val="1800"/>
+              <a:buChar char="●"/>
+            </a:pPr>
+            <a:r>
+              <a:rPr i="1" lang="en"/>
+              <a:t>Sobel.ijm</a:t>
+            </a:r>
+            <a:r>
+              <a:rPr lang="en"/>
+              <a:t> - ImageJ macro that computes the magnitude and phase images</a:t>
+            </a:r>
+          </a:p>
+          <a:p>
+            <a:pPr indent="-342900" lvl="0" marL="457200" rtl="0">
+              <a:spcBef>
+                <a:spcPts val="0"/>
+              </a:spcBef>
+              <a:spcAft>
+                <a:spcPts val="0"/>
+              </a:spcAft>
+              <a:buSzPts val="1800"/>
+              <a:buChar char="●"/>
+            </a:pPr>
+            <a:r>
+              <a:rPr i="1" lang="en"/>
+              <a:t>SobelEdgeness_.java</a:t>
+            </a:r>
+            <a:r>
+              <a:rPr lang="en"/>
+              <a:t> - computes the sobel edgeness signature and histogram</a:t>
+            </a:r>
+          </a:p>
+        </p:txBody>
+      </p:sp>
+    </p:spTree>
+  </p:cSld>
+  <p:clrMapOvr>
+    <a:masterClrMapping/>
+  </p:clrMapOvr>
+</p:sld>
+</file>
+
+<file path=ppt/slides/slide7.xml><?xml version="1.0" encoding="utf-8"?>
+<p:sld xmlns:a="http://schemas.openxmlformats.org/drawingml/2006/main" xmlns:r="http://schemas.openxmlformats.org/officeDocument/2006/relationships" xmlns:mc="http://schemas.openxmlformats.org/markup-compatibility/2006" xmlns:mv="urn:schemas-microsoft-com:mac:vml" xmlns:p="http://schemas.openxmlformats.org/presentationml/2006/main" xmlns:c="http://schemas.openxmlformats.org/drawingml/2006/chart" xmlns:dgm="http://schemas.openxmlformats.org/drawingml/2006/diagram" xmlns:o="urn:schemas-microsoft-com:office:office" xmlns:v="urn:schemas-microsoft-com:vml" xmlns:pvml="urn:schemas-microsoft-com:office:powerpoint" xmlns:com="http://schemas.openxmlformats.org/drawingml/2006/compatibility" xmlns:p14="http://schemas.microsoft.com/office/powerpoint/2010/main" xmlns:p15="http://schemas.microsoft.com/office/powerpoint/2012/main">
+  <p:cSld>
+    <p:spTree>
+      <p:nvGrpSpPr>
+        <p:cNvPr id="104" name="Shape 104"/>
+        <p:cNvGrpSpPr/>
+        <p:nvPr/>
+      </p:nvGrpSpPr>
+      <p:grpSpPr>
+        <a:xfrm>
+          <a:off x="0" y="0"/>
+          <a:ext cx="0" cy="0"/>
+          <a:chOff x="0" y="0"/>
+          <a:chExt cx="0" cy="0"/>
+        </a:xfrm>
+      </p:grpSpPr>
+      <p:sp>
+        <p:nvSpPr>
+          <p:cNvPr id="105" name="Shape 105"/>
+          <p:cNvSpPr txBox="1"/>
+          <p:nvPr>
+            <p:ph type="title"/>
+          </p:nvPr>
+        </p:nvSpPr>
+        <p:spPr>
+          <a:xfrm>
+            <a:off x="311700" y="391350"/>
+            <a:ext cx="8520600" cy="626100"/>
+          </a:xfrm>
+          <a:prstGeom prst="rect">
+            <a:avLst/>
+          </a:prstGeom>
+        </p:spPr>
+        <p:txBody>
+          <a:bodyPr anchorCtr="0" anchor="t" bIns="91425" lIns="91425" rIns="91425" wrap="square" tIns="91425">
+            <a:noAutofit/>
+          </a:bodyPr>
+          <a:lstStyle/>
+          <a:p>
+            <a:pPr indent="0" lvl="0" marL="0">
+              <a:spcBef>
+                <a:spcPts val="0"/>
+              </a:spcBef>
+              <a:buNone/>
+            </a:pPr>
+            <a:r>
+              <a:rPr lang="en"/>
+              <a:t>Method</a:t>
+            </a:r>
+          </a:p>
+        </p:txBody>
+      </p:sp>
+      <p:sp>
+        <p:nvSpPr>
+          <p:cNvPr id="106" name="Shape 106"/>
           <p:cNvSpPr txBox="1"/>
           <p:nvPr>
             <p:ph idx="1" type="body"/>
@@ -6439,9 +9695,6 @@
             </a:r>
             <a:r>
               <a:rPr lang="en" sz="1900">
-                <a:solidFill>
-                  <a:srgbClr val="545454"/>
-                </a:solidFill>
                 <a:highlight>
                   <a:srgbClr val="FFFFFF"/>
                 </a:highlight>
@@ -6454,17 +9707,11 @@
               <a:spcBef>
                 <a:spcPts val="0"/>
               </a:spcBef>
-              <a:buClr>
-                <a:srgbClr val="545454"/>
-              </a:buClr>
               <a:buSzPts val="1900"/>
               <a:buChar char="●"/>
             </a:pPr>
             <a:r>
               <a:rPr lang="en" sz="1900">
-                <a:solidFill>
-                  <a:srgbClr val="545454"/>
-                </a:solidFill>
                 <a:highlight>
                   <a:srgbClr val="FFFFFF"/>
                 </a:highlight>
@@ -6482,545 +9729,7 @@
 </p:sld>
 </file>
 
-<file path=ppt/slides/slide5.xml><?xml version="1.0" encoding="utf-8"?>
-<p:sld xmlns:a="http://schemas.openxmlformats.org/drawingml/2006/main" xmlns:r="http://schemas.openxmlformats.org/officeDocument/2006/relationships" xmlns:mc="http://schemas.openxmlformats.org/markup-compatibility/2006" xmlns:mv="urn:schemas-microsoft-com:mac:vml" xmlns:p="http://schemas.openxmlformats.org/presentationml/2006/main" xmlns:c="http://schemas.openxmlformats.org/drawingml/2006/chart" xmlns:dgm="http://schemas.openxmlformats.org/drawingml/2006/diagram" xmlns:o="urn:schemas-microsoft-com:office:office" xmlns:v="urn:schemas-microsoft-com:vml" xmlns:pvml="urn:schemas-microsoft-com:office:powerpoint" xmlns:com="http://schemas.openxmlformats.org/drawingml/2006/compatibility" xmlns:p14="http://schemas.microsoft.com/office/powerpoint/2010/main" xmlns:p15="http://schemas.microsoft.com/office/powerpoint/2012/main">
-  <p:cSld>
-    <p:spTree>
-      <p:nvGrpSpPr>
-        <p:cNvPr id="86" name="Shape 86"/>
-        <p:cNvGrpSpPr/>
-        <p:nvPr/>
-      </p:nvGrpSpPr>
-      <p:grpSpPr>
-        <a:xfrm>
-          <a:off x="0" y="0"/>
-          <a:ext cx="0" cy="0"/>
-          <a:chOff x="0" y="0"/>
-          <a:chExt cx="0" cy="0"/>
-        </a:xfrm>
-      </p:grpSpPr>
-      <p:sp>
-        <p:nvSpPr>
-          <p:cNvPr id="87" name="Shape 87"/>
-          <p:cNvSpPr txBox="1"/>
-          <p:nvPr>
-            <p:ph type="title"/>
-          </p:nvPr>
-        </p:nvSpPr>
-        <p:spPr>
-          <a:xfrm>
-            <a:off x="311700" y="391350"/>
-            <a:ext cx="8520600" cy="626100"/>
-          </a:xfrm>
-          <a:prstGeom prst="rect">
-            <a:avLst/>
-          </a:prstGeom>
-        </p:spPr>
-        <p:txBody>
-          <a:bodyPr anchorCtr="0" anchor="t" bIns="91425" lIns="91425" rIns="91425" wrap="square" tIns="91425">
-            <a:noAutofit/>
-          </a:bodyPr>
-          <a:lstStyle/>
-          <a:p>
-            <a:pPr indent="0" lvl="0" marL="0">
-              <a:spcBef>
-                <a:spcPts val="0"/>
-              </a:spcBef>
-              <a:buNone/>
-            </a:pPr>
-            <a:r>
-              <a:rPr lang="en"/>
-              <a:t>Method</a:t>
-            </a:r>
-          </a:p>
-        </p:txBody>
-      </p:sp>
-      <p:sp>
-        <p:nvSpPr>
-          <p:cNvPr id="88" name="Shape 88"/>
-          <p:cNvSpPr txBox="1"/>
-          <p:nvPr>
-            <p:ph idx="1" type="body"/>
-          </p:nvPr>
-        </p:nvSpPr>
-        <p:spPr>
-          <a:xfrm>
-            <a:off x="311700" y="1152475"/>
-            <a:ext cx="8520600" cy="3416400"/>
-          </a:xfrm>
-          <a:prstGeom prst="rect">
-            <a:avLst/>
-          </a:prstGeom>
-        </p:spPr>
-        <p:txBody>
-          <a:bodyPr anchorCtr="0" anchor="t" bIns="91425" lIns="91425" rIns="91425" wrap="square" tIns="91425">
-            <a:noAutofit/>
-          </a:bodyPr>
-          <a:lstStyle/>
-          <a:p>
-            <a:pPr indent="0" lvl="0" marL="0">
-              <a:spcBef>
-                <a:spcPts val="0"/>
-              </a:spcBef>
-              <a:buNone/>
-            </a:pPr>
-            <a:r>
-              <a:rPr lang="en"/>
-              <a:t>SobelEdgeness Plugin</a:t>
-            </a:r>
-          </a:p>
-        </p:txBody>
-      </p:sp>
-      <p:pic>
-        <p:nvPicPr>
-          <p:cNvPr id="89" name="Shape 89"/>
-          <p:cNvPicPr preferRelativeResize="0"/>
-          <p:nvPr/>
-        </p:nvPicPr>
-        <p:blipFill>
-          <a:blip r:embed="rId3">
-            <a:alphaModFix/>
-          </a:blip>
-          <a:stretch>
-            <a:fillRect/>
-          </a:stretch>
-        </p:blipFill>
-        <p:spPr>
-          <a:xfrm>
-            <a:off x="573338" y="1819225"/>
-            <a:ext cx="7997325" cy="1896751"/>
-          </a:xfrm>
-          <a:prstGeom prst="rect">
-            <a:avLst/>
-          </a:prstGeom>
-          <a:noFill/>
-          <a:ln>
-            <a:noFill/>
-          </a:ln>
-        </p:spPr>
-      </p:pic>
-    </p:spTree>
-  </p:cSld>
-  <p:clrMapOvr>
-    <a:masterClrMapping/>
-  </p:clrMapOvr>
-</p:sld>
-</file>
-
-<file path=ppt/slides/slide6.xml><?xml version="1.0" encoding="utf-8"?>
-<p:sld xmlns:a="http://schemas.openxmlformats.org/drawingml/2006/main" xmlns:r="http://schemas.openxmlformats.org/officeDocument/2006/relationships" xmlns:mc="http://schemas.openxmlformats.org/markup-compatibility/2006" xmlns:mv="urn:schemas-microsoft-com:mac:vml" xmlns:p="http://schemas.openxmlformats.org/presentationml/2006/main" xmlns:c="http://schemas.openxmlformats.org/drawingml/2006/chart" xmlns:dgm="http://schemas.openxmlformats.org/drawingml/2006/diagram" xmlns:o="urn:schemas-microsoft-com:office:office" xmlns:v="urn:schemas-microsoft-com:vml" xmlns:pvml="urn:schemas-microsoft-com:office:powerpoint" xmlns:com="http://schemas.openxmlformats.org/drawingml/2006/compatibility" xmlns:p14="http://schemas.microsoft.com/office/powerpoint/2010/main" xmlns:p15="http://schemas.microsoft.com/office/powerpoint/2012/main">
-  <p:cSld>
-    <p:spTree>
-      <p:nvGrpSpPr>
-        <p:cNvPr id="93" name="Shape 93"/>
-        <p:cNvGrpSpPr/>
-        <p:nvPr/>
-      </p:nvGrpSpPr>
-      <p:grpSpPr>
-        <a:xfrm>
-          <a:off x="0" y="0"/>
-          <a:ext cx="0" cy="0"/>
-          <a:chOff x="0" y="0"/>
-          <a:chExt cx="0" cy="0"/>
-        </a:xfrm>
-      </p:grpSpPr>
-      <p:sp>
-        <p:nvSpPr>
-          <p:cNvPr id="94" name="Shape 94"/>
-          <p:cNvSpPr txBox="1"/>
-          <p:nvPr>
-            <p:ph idx="2" type="body"/>
-          </p:nvPr>
-        </p:nvSpPr>
-        <p:spPr>
-          <a:xfrm>
-            <a:off x="4832400" y="1152475"/>
-            <a:ext cx="3999900" cy="3416400"/>
-          </a:xfrm>
-          <a:prstGeom prst="rect">
-            <a:avLst/>
-          </a:prstGeom>
-        </p:spPr>
-        <p:txBody>
-          <a:bodyPr anchorCtr="0" anchor="t" bIns="91425" lIns="91425" rIns="91425" wrap="square" tIns="91425">
-            <a:noAutofit/>
-          </a:bodyPr>
-          <a:lstStyle/>
-          <a:p>
-            <a:pPr indent="0" lvl="0" marL="0">
-              <a:spcBef>
-                <a:spcPts val="0"/>
-              </a:spcBef>
-              <a:buNone/>
-            </a:pPr>
-            <a:r>
-              <a:t/>
-            </a:r>
-            <a:endParaRPr/>
-          </a:p>
-        </p:txBody>
-      </p:sp>
-      <p:sp>
-        <p:nvSpPr>
-          <p:cNvPr id="95" name="Shape 95"/>
-          <p:cNvSpPr txBox="1"/>
-          <p:nvPr>
-            <p:ph type="title"/>
-          </p:nvPr>
-        </p:nvSpPr>
-        <p:spPr>
-          <a:xfrm>
-            <a:off x="311700" y="391350"/>
-            <a:ext cx="8520600" cy="626100"/>
-          </a:xfrm>
-          <a:prstGeom prst="rect">
-            <a:avLst/>
-          </a:prstGeom>
-        </p:spPr>
-        <p:txBody>
-          <a:bodyPr anchorCtr="0" anchor="t" bIns="91425" lIns="91425" rIns="91425" wrap="square" tIns="91425">
-            <a:noAutofit/>
-          </a:bodyPr>
-          <a:lstStyle/>
-          <a:p>
-            <a:pPr indent="0" lvl="0" marL="0">
-              <a:spcBef>
-                <a:spcPts val="0"/>
-              </a:spcBef>
-              <a:buNone/>
-            </a:pPr>
-            <a:r>
-              <a:rPr lang="en"/>
-              <a:t>Results</a:t>
-            </a:r>
-          </a:p>
-        </p:txBody>
-      </p:sp>
-      <p:sp>
-        <p:nvSpPr>
-          <p:cNvPr id="96" name="Shape 96"/>
-          <p:cNvSpPr txBox="1"/>
-          <p:nvPr>
-            <p:ph idx="1" type="body"/>
-          </p:nvPr>
-        </p:nvSpPr>
-        <p:spPr>
-          <a:xfrm>
-            <a:off x="311700" y="1152475"/>
-            <a:ext cx="3999900" cy="3416400"/>
-          </a:xfrm>
-          <a:prstGeom prst="rect">
-            <a:avLst/>
-          </a:prstGeom>
-        </p:spPr>
-        <p:txBody>
-          <a:bodyPr anchorCtr="0" anchor="t" bIns="91425" lIns="91425" rIns="91425" wrap="square" tIns="91425">
-            <a:noAutofit/>
-          </a:bodyPr>
-          <a:lstStyle/>
-          <a:p>
-            <a:pPr indent="0" lvl="0" marL="0">
-              <a:spcBef>
-                <a:spcPts val="0"/>
-              </a:spcBef>
-              <a:buNone/>
-            </a:pPr>
-            <a:r>
-              <a:t/>
-            </a:r>
-            <a:endParaRPr/>
-          </a:p>
-        </p:txBody>
-      </p:sp>
-      <p:pic>
-        <p:nvPicPr>
-          <p:cNvPr id="97" name="Shape 97"/>
-          <p:cNvPicPr preferRelativeResize="0"/>
-          <p:nvPr/>
-        </p:nvPicPr>
-        <p:blipFill>
-          <a:blip r:embed="rId3">
-            <a:alphaModFix/>
-          </a:blip>
-          <a:stretch>
-            <a:fillRect/>
-          </a:stretch>
-        </p:blipFill>
-        <p:spPr>
-          <a:xfrm>
-            <a:off x="311700" y="1152475"/>
-            <a:ext cx="1153550" cy="1153550"/>
-          </a:xfrm>
-          <a:prstGeom prst="rect">
-            <a:avLst/>
-          </a:prstGeom>
-          <a:noFill/>
-          <a:ln>
-            <a:noFill/>
-          </a:ln>
-        </p:spPr>
-      </p:pic>
-      <p:pic>
-        <p:nvPicPr>
-          <p:cNvPr id="98" name="Shape 98"/>
-          <p:cNvPicPr preferRelativeResize="0"/>
-          <p:nvPr/>
-        </p:nvPicPr>
-        <p:blipFill>
-          <a:blip r:embed="rId4">
-            <a:alphaModFix/>
-          </a:blip>
-          <a:stretch>
-            <a:fillRect/>
-          </a:stretch>
-        </p:blipFill>
-        <p:spPr>
-          <a:xfrm>
-            <a:off x="311700" y="2288349"/>
-            <a:ext cx="1153550" cy="1153522"/>
-          </a:xfrm>
-          <a:prstGeom prst="rect">
-            <a:avLst/>
-          </a:prstGeom>
-          <a:noFill/>
-          <a:ln>
-            <a:noFill/>
-          </a:ln>
-        </p:spPr>
-      </p:pic>
-      <p:pic>
-        <p:nvPicPr>
-          <p:cNvPr id="99" name="Shape 99"/>
-          <p:cNvPicPr preferRelativeResize="0"/>
-          <p:nvPr/>
-        </p:nvPicPr>
-        <p:blipFill>
-          <a:blip r:embed="rId5">
-            <a:alphaModFix/>
-          </a:blip>
-          <a:stretch>
-            <a:fillRect/>
-          </a:stretch>
-        </p:blipFill>
-        <p:spPr>
-          <a:xfrm>
-            <a:off x="311700" y="3424221"/>
-            <a:ext cx="1153550" cy="1144650"/>
-          </a:xfrm>
-          <a:prstGeom prst="rect">
-            <a:avLst/>
-          </a:prstGeom>
-          <a:noFill/>
-          <a:ln>
-            <a:noFill/>
-          </a:ln>
-        </p:spPr>
-      </p:pic>
-      <p:pic>
-        <p:nvPicPr>
-          <p:cNvPr id="100" name="Shape 100"/>
-          <p:cNvPicPr preferRelativeResize="0"/>
-          <p:nvPr/>
-        </p:nvPicPr>
-        <p:blipFill>
-          <a:blip r:embed="rId6">
-            <a:alphaModFix/>
-          </a:blip>
-          <a:stretch>
-            <a:fillRect/>
-          </a:stretch>
-        </p:blipFill>
-        <p:spPr>
-          <a:xfrm>
-            <a:off x="4832400" y="1152475"/>
-            <a:ext cx="1153550" cy="1153550"/>
-          </a:xfrm>
-          <a:prstGeom prst="rect">
-            <a:avLst/>
-          </a:prstGeom>
-          <a:noFill/>
-          <a:ln>
-            <a:noFill/>
-          </a:ln>
-        </p:spPr>
-      </p:pic>
-      <p:pic>
-        <p:nvPicPr>
-          <p:cNvPr id="101" name="Shape 101"/>
-          <p:cNvPicPr preferRelativeResize="0"/>
-          <p:nvPr/>
-        </p:nvPicPr>
-        <p:blipFill>
-          <a:blip r:embed="rId7">
-            <a:alphaModFix/>
-          </a:blip>
-          <a:stretch>
-            <a:fillRect/>
-          </a:stretch>
-        </p:blipFill>
-        <p:spPr>
-          <a:xfrm>
-            <a:off x="4832400" y="2306025"/>
-            <a:ext cx="1153550" cy="1153550"/>
-          </a:xfrm>
-          <a:prstGeom prst="rect">
-            <a:avLst/>
-          </a:prstGeom>
-          <a:noFill/>
-          <a:ln>
-            <a:noFill/>
-          </a:ln>
-        </p:spPr>
-      </p:pic>
-      <p:pic>
-        <p:nvPicPr>
-          <p:cNvPr id="102" name="Shape 102"/>
-          <p:cNvPicPr preferRelativeResize="0"/>
-          <p:nvPr/>
-        </p:nvPicPr>
-        <p:blipFill>
-          <a:blip r:embed="rId8">
-            <a:alphaModFix/>
-          </a:blip>
-          <a:stretch>
-            <a:fillRect/>
-          </a:stretch>
-        </p:blipFill>
-        <p:spPr>
-          <a:xfrm>
-            <a:off x="4832400" y="3422021"/>
-            <a:ext cx="1153550" cy="1153533"/>
-          </a:xfrm>
-          <a:prstGeom prst="rect">
-            <a:avLst/>
-          </a:prstGeom>
-          <a:noFill/>
-          <a:ln>
-            <a:noFill/>
-          </a:ln>
-        </p:spPr>
-      </p:pic>
-      <p:pic>
-        <p:nvPicPr>
-          <p:cNvPr id="103" name="Shape 103"/>
-          <p:cNvPicPr preferRelativeResize="0"/>
-          <p:nvPr/>
-        </p:nvPicPr>
-        <p:blipFill>
-          <a:blip r:embed="rId9">
-            <a:alphaModFix/>
-          </a:blip>
-          <a:stretch>
-            <a:fillRect/>
-          </a:stretch>
-        </p:blipFill>
-        <p:spPr>
-          <a:xfrm>
-            <a:off x="6428656" y="1152474"/>
-            <a:ext cx="2167381" cy="1733900"/>
-          </a:xfrm>
-          <a:prstGeom prst="rect">
-            <a:avLst/>
-          </a:prstGeom>
-          <a:noFill/>
-          <a:ln>
-            <a:noFill/>
-          </a:ln>
-        </p:spPr>
-      </p:pic>
-      <p:pic>
-        <p:nvPicPr>
-          <p:cNvPr id="104" name="Shape 104"/>
-          <p:cNvPicPr preferRelativeResize="0"/>
-          <p:nvPr/>
-        </p:nvPicPr>
-        <p:blipFill>
-          <a:blip r:embed="rId10">
-            <a:alphaModFix/>
-          </a:blip>
-          <a:stretch>
-            <a:fillRect/>
-          </a:stretch>
-        </p:blipFill>
-        <p:spPr>
-          <a:xfrm>
-            <a:off x="1923213" y="1204988"/>
-            <a:ext cx="2036075" cy="1628850"/>
-          </a:xfrm>
-          <a:prstGeom prst="rect">
-            <a:avLst/>
-          </a:prstGeom>
-          <a:noFill/>
-          <a:ln>
-            <a:noFill/>
-          </a:ln>
-        </p:spPr>
-      </p:pic>
-      <p:pic>
-        <p:nvPicPr>
-          <p:cNvPr id="105" name="Shape 105"/>
-          <p:cNvPicPr preferRelativeResize="0"/>
-          <p:nvPr/>
-        </p:nvPicPr>
-        <p:blipFill>
-          <a:blip r:embed="rId11">
-            <a:alphaModFix/>
-          </a:blip>
-          <a:stretch>
-            <a:fillRect/>
-          </a:stretch>
-        </p:blipFill>
-        <p:spPr>
-          <a:xfrm>
-            <a:off x="1923225" y="2886375"/>
-            <a:ext cx="2036063" cy="1628850"/>
-          </a:xfrm>
-          <a:prstGeom prst="rect">
-            <a:avLst/>
-          </a:prstGeom>
-          <a:noFill/>
-          <a:ln>
-            <a:noFill/>
-          </a:ln>
-        </p:spPr>
-      </p:pic>
-      <p:pic>
-        <p:nvPicPr>
-          <p:cNvPr id="106" name="Shape 106"/>
-          <p:cNvPicPr preferRelativeResize="0"/>
-          <p:nvPr/>
-        </p:nvPicPr>
-        <p:blipFill>
-          <a:blip r:embed="rId12">
-            <a:alphaModFix/>
-          </a:blip>
-          <a:stretch>
-            <a:fillRect/>
-          </a:stretch>
-        </p:blipFill>
-        <p:spPr>
-          <a:xfrm>
-            <a:off x="6428647" y="2833850"/>
-            <a:ext cx="2167375" cy="1733900"/>
-          </a:xfrm>
-          <a:prstGeom prst="rect">
-            <a:avLst/>
-          </a:prstGeom>
-          <a:noFill/>
-          <a:ln>
-            <a:noFill/>
-          </a:ln>
-        </p:spPr>
-      </p:pic>
-    </p:spTree>
-  </p:cSld>
-  <p:clrMapOvr>
-    <a:masterClrMapping/>
-  </p:clrMapOvr>
-</p:sld>
-</file>
-
-<file path=ppt/slides/slide7.xml><?xml version="1.0" encoding="utf-8"?>
+<file path=ppt/slides/slide8.xml><?xml version="1.0" encoding="utf-8"?>
 <p:sld xmlns:a="http://schemas.openxmlformats.org/drawingml/2006/main" xmlns:r="http://schemas.openxmlformats.org/officeDocument/2006/relationships" xmlns:mc="http://schemas.openxmlformats.org/markup-compatibility/2006" xmlns:mv="urn:schemas-microsoft-com:mac:vml" xmlns:p="http://schemas.openxmlformats.org/presentationml/2006/main" xmlns:c="http://schemas.openxmlformats.org/drawingml/2006/chart" xmlns:dgm="http://schemas.openxmlformats.org/drawingml/2006/diagram" xmlns:o="urn:schemas-microsoft-com:office:office" xmlns:v="urn:schemas-microsoft-com:vml" xmlns:pvml="urn:schemas-microsoft-com:office:powerpoint" xmlns:com="http://schemas.openxmlformats.org/drawingml/2006/compatibility" xmlns:p14="http://schemas.microsoft.com/office/powerpoint/2010/main" xmlns:p15="http://schemas.microsoft.com/office/powerpoint/2012/main">
   <p:cSld>
     <p:spTree>
@@ -7042,13 +9751,13 @@
           <p:cNvPr id="111" name="Shape 111"/>
           <p:cNvSpPr txBox="1"/>
           <p:nvPr>
-            <p:ph idx="2" type="body"/>
+            <p:ph type="title"/>
           </p:nvPr>
         </p:nvSpPr>
         <p:spPr>
           <a:xfrm>
-            <a:off x="4832400" y="1152475"/>
-            <a:ext cx="3999900" cy="3416400"/>
+            <a:off x="311700" y="391350"/>
+            <a:ext cx="8520600" cy="626100"/>
           </a:xfrm>
           <a:prstGeom prst="rect">
             <a:avLst/>
@@ -7067,9 +9776,9 @@
               <a:buNone/>
             </a:pPr>
             <a:r>
-              <a:t/>
+              <a:rPr lang="en"/>
+              <a:t>Method</a:t>
             </a:r>
-            <a:endParaRPr/>
           </a:p>
         </p:txBody>
       </p:sp>
@@ -7078,13 +9787,13 @@
           <p:cNvPr id="112" name="Shape 112"/>
           <p:cNvSpPr txBox="1"/>
           <p:nvPr>
-            <p:ph type="title"/>
+            <p:ph idx="1" type="body"/>
           </p:nvPr>
         </p:nvSpPr>
         <p:spPr>
           <a:xfrm>
-            <a:off x="311700" y="391350"/>
-            <a:ext cx="8520600" cy="626100"/>
+            <a:off x="311700" y="1152475"/>
+            <a:ext cx="8520600" cy="3416400"/>
           </a:xfrm>
           <a:prstGeom prst="rect">
             <a:avLst/>
@@ -7104,50 +9813,14 @@
             </a:pPr>
             <a:r>
               <a:rPr lang="en"/>
-              <a:t>Results</a:t>
+              <a:t>SobelEdgeness Plugin</a:t>
             </a:r>
-          </a:p>
-        </p:txBody>
-      </p:sp>
-      <p:sp>
-        <p:nvSpPr>
-          <p:cNvPr id="113" name="Shape 113"/>
-          <p:cNvSpPr txBox="1"/>
-          <p:nvPr>
-            <p:ph idx="1" type="body"/>
-          </p:nvPr>
-        </p:nvSpPr>
-        <p:spPr>
-          <a:xfrm>
-            <a:off x="311700" y="1152475"/>
-            <a:ext cx="3999900" cy="3416400"/>
-          </a:xfrm>
-          <a:prstGeom prst="rect">
-            <a:avLst/>
-          </a:prstGeom>
-        </p:spPr>
-        <p:txBody>
-          <a:bodyPr anchorCtr="0" anchor="t" bIns="91425" lIns="91425" rIns="91425" wrap="square" tIns="91425">
-            <a:noAutofit/>
-          </a:bodyPr>
-          <a:lstStyle/>
-          <a:p>
-            <a:pPr indent="0" lvl="0" marL="0">
-              <a:spcBef>
-                <a:spcPts val="0"/>
-              </a:spcBef>
-              <a:buNone/>
-            </a:pPr>
-            <a:r>
-              <a:t/>
-            </a:r>
-            <a:endParaRPr/>
           </a:p>
         </p:txBody>
       </p:sp>
       <p:pic>
         <p:nvPicPr>
-          <p:cNvPr id="114" name="Shape 114"/>
+          <p:cNvPr id="113" name="Shape 113"/>
           <p:cNvPicPr preferRelativeResize="0"/>
           <p:nvPr/>
         </p:nvPicPr>
@@ -7161,673 +9834,8 @@
         </p:blipFill>
         <p:spPr>
           <a:xfrm>
-            <a:off x="311700" y="1152475"/>
-            <a:ext cx="1199775" cy="1199775"/>
-          </a:xfrm>
-          <a:prstGeom prst="rect">
-            <a:avLst/>
-          </a:prstGeom>
-          <a:noFill/>
-          <a:ln>
-            <a:noFill/>
-          </a:ln>
-        </p:spPr>
-      </p:pic>
-      <p:pic>
-        <p:nvPicPr>
-          <p:cNvPr id="115" name="Shape 115"/>
-          <p:cNvPicPr preferRelativeResize="0"/>
-          <p:nvPr/>
-        </p:nvPicPr>
-        <p:blipFill>
-          <a:blip r:embed="rId4">
-            <a:alphaModFix/>
-          </a:blip>
-          <a:stretch>
-            <a:fillRect/>
-          </a:stretch>
-        </p:blipFill>
-        <p:spPr>
-          <a:xfrm>
-            <a:off x="311700" y="2291938"/>
-            <a:ext cx="1199775" cy="1199775"/>
-          </a:xfrm>
-          <a:prstGeom prst="rect">
-            <a:avLst/>
-          </a:prstGeom>
-          <a:noFill/>
-          <a:ln>
-            <a:noFill/>
-          </a:ln>
-        </p:spPr>
-      </p:pic>
-      <p:pic>
-        <p:nvPicPr>
-          <p:cNvPr id="116" name="Shape 116"/>
-          <p:cNvPicPr preferRelativeResize="0"/>
-          <p:nvPr/>
-        </p:nvPicPr>
-        <p:blipFill>
-          <a:blip r:embed="rId5">
-            <a:alphaModFix/>
-          </a:blip>
-          <a:stretch>
-            <a:fillRect/>
-          </a:stretch>
-        </p:blipFill>
-        <p:spPr>
-          <a:xfrm>
-            <a:off x="311700" y="3388050"/>
-            <a:ext cx="1199775" cy="1199775"/>
-          </a:xfrm>
-          <a:prstGeom prst="rect">
-            <a:avLst/>
-          </a:prstGeom>
-          <a:noFill/>
-          <a:ln>
-            <a:noFill/>
-          </a:ln>
-        </p:spPr>
-      </p:pic>
-      <p:pic>
-        <p:nvPicPr>
-          <p:cNvPr id="117" name="Shape 117"/>
-          <p:cNvPicPr preferRelativeResize="0"/>
-          <p:nvPr/>
-        </p:nvPicPr>
-        <p:blipFill>
-          <a:blip r:embed="rId6">
-            <a:alphaModFix/>
-          </a:blip>
-          <a:stretch>
-            <a:fillRect/>
-          </a:stretch>
-        </p:blipFill>
-        <p:spPr>
-          <a:xfrm>
-            <a:off x="1912287" y="1169675"/>
-            <a:ext cx="2060851" cy="1648650"/>
-          </a:xfrm>
-          <a:prstGeom prst="rect">
-            <a:avLst/>
-          </a:prstGeom>
-          <a:noFill/>
-          <a:ln>
-            <a:noFill/>
-          </a:ln>
-        </p:spPr>
-      </p:pic>
-      <p:pic>
-        <p:nvPicPr>
-          <p:cNvPr id="118" name="Shape 118"/>
-          <p:cNvPicPr preferRelativeResize="0"/>
-          <p:nvPr/>
-        </p:nvPicPr>
-        <p:blipFill>
-          <a:blip r:embed="rId7">
-            <a:alphaModFix/>
-          </a:blip>
-          <a:stretch>
-            <a:fillRect/>
-          </a:stretch>
-        </p:blipFill>
-        <p:spPr>
-          <a:xfrm>
-            <a:off x="4832400" y="1152475"/>
-            <a:ext cx="1139505" cy="1139475"/>
-          </a:xfrm>
-          <a:prstGeom prst="rect">
-            <a:avLst/>
-          </a:prstGeom>
-          <a:noFill/>
-          <a:ln>
-            <a:noFill/>
-          </a:ln>
-        </p:spPr>
-      </p:pic>
-      <p:pic>
-        <p:nvPicPr>
-          <p:cNvPr id="119" name="Shape 119"/>
-          <p:cNvPicPr preferRelativeResize="0"/>
-          <p:nvPr/>
-        </p:nvPicPr>
-        <p:blipFill>
-          <a:blip r:embed="rId8">
-            <a:alphaModFix/>
-          </a:blip>
-          <a:stretch>
-            <a:fillRect/>
-          </a:stretch>
-        </p:blipFill>
-        <p:spPr>
-          <a:xfrm>
-            <a:off x="4832400" y="2291950"/>
-            <a:ext cx="1139500" cy="1139500"/>
-          </a:xfrm>
-          <a:prstGeom prst="rect">
-            <a:avLst/>
-          </a:prstGeom>
-          <a:noFill/>
-          <a:ln>
-            <a:noFill/>
-          </a:ln>
-        </p:spPr>
-      </p:pic>
-      <p:pic>
-        <p:nvPicPr>
-          <p:cNvPr id="120" name="Shape 120"/>
-          <p:cNvPicPr preferRelativeResize="0"/>
-          <p:nvPr/>
-        </p:nvPicPr>
-        <p:blipFill>
-          <a:blip r:embed="rId9">
-            <a:alphaModFix/>
-          </a:blip>
-          <a:stretch>
-            <a:fillRect/>
-          </a:stretch>
-        </p:blipFill>
-        <p:spPr>
-          <a:xfrm>
-            <a:off x="4832400" y="3418187"/>
-            <a:ext cx="1139500" cy="1139500"/>
-          </a:xfrm>
-          <a:prstGeom prst="rect">
-            <a:avLst/>
-          </a:prstGeom>
-          <a:noFill/>
-          <a:ln>
-            <a:noFill/>
-          </a:ln>
-        </p:spPr>
-      </p:pic>
-      <p:pic>
-        <p:nvPicPr>
-          <p:cNvPr id="121" name="Shape 121"/>
-          <p:cNvPicPr preferRelativeResize="0"/>
-          <p:nvPr/>
-        </p:nvPicPr>
-        <p:blipFill>
-          <a:blip r:embed="rId10">
-            <a:alphaModFix/>
-          </a:blip>
-          <a:stretch>
-            <a:fillRect/>
-          </a:stretch>
-        </p:blipFill>
-        <p:spPr>
-          <a:xfrm>
-            <a:off x="6492700" y="1169650"/>
-            <a:ext cx="2060875" cy="1648700"/>
-          </a:xfrm>
-          <a:prstGeom prst="rect">
-            <a:avLst/>
-          </a:prstGeom>
-          <a:noFill/>
-          <a:ln>
-            <a:noFill/>
-          </a:ln>
-        </p:spPr>
-      </p:pic>
-      <p:pic>
-        <p:nvPicPr>
-          <p:cNvPr id="122" name="Shape 122"/>
-          <p:cNvPicPr preferRelativeResize="0"/>
-          <p:nvPr/>
-        </p:nvPicPr>
-        <p:blipFill>
-          <a:blip r:embed="rId11">
-            <a:alphaModFix/>
-          </a:blip>
-          <a:stretch>
-            <a:fillRect/>
-          </a:stretch>
-        </p:blipFill>
-        <p:spPr>
-          <a:xfrm>
-            <a:off x="1912275" y="2908975"/>
-            <a:ext cx="2060875" cy="1648700"/>
-          </a:xfrm>
-          <a:prstGeom prst="rect">
-            <a:avLst/>
-          </a:prstGeom>
-          <a:noFill/>
-          <a:ln>
-            <a:noFill/>
-          </a:ln>
-        </p:spPr>
-      </p:pic>
-      <p:pic>
-        <p:nvPicPr>
-          <p:cNvPr id="123" name="Shape 123"/>
-          <p:cNvPicPr preferRelativeResize="0"/>
-          <p:nvPr/>
-        </p:nvPicPr>
-        <p:blipFill>
-          <a:blip r:embed="rId12">
-            <a:alphaModFix/>
-          </a:blip>
-          <a:stretch>
-            <a:fillRect/>
-          </a:stretch>
-        </p:blipFill>
-        <p:spPr>
-          <a:xfrm>
-            <a:off x="6492700" y="2908975"/>
-            <a:ext cx="2060875" cy="1648695"/>
-          </a:xfrm>
-          <a:prstGeom prst="rect">
-            <a:avLst/>
-          </a:prstGeom>
-          <a:noFill/>
-          <a:ln>
-            <a:noFill/>
-          </a:ln>
-        </p:spPr>
-      </p:pic>
-    </p:spTree>
-  </p:cSld>
-  <p:clrMapOvr>
-    <a:masterClrMapping/>
-  </p:clrMapOvr>
-</p:sld>
-</file>
-
-<file path=ppt/slides/slide8.xml><?xml version="1.0" encoding="utf-8"?>
-<p:sld xmlns:a="http://schemas.openxmlformats.org/drawingml/2006/main" xmlns:r="http://schemas.openxmlformats.org/officeDocument/2006/relationships" xmlns:mc="http://schemas.openxmlformats.org/markup-compatibility/2006" xmlns:mv="urn:schemas-microsoft-com:mac:vml" xmlns:p="http://schemas.openxmlformats.org/presentationml/2006/main" xmlns:c="http://schemas.openxmlformats.org/drawingml/2006/chart" xmlns:dgm="http://schemas.openxmlformats.org/drawingml/2006/diagram" xmlns:o="urn:schemas-microsoft-com:office:office" xmlns:v="urn:schemas-microsoft-com:vml" xmlns:pvml="urn:schemas-microsoft-com:office:powerpoint" xmlns:com="http://schemas.openxmlformats.org/drawingml/2006/compatibility" xmlns:p14="http://schemas.microsoft.com/office/powerpoint/2010/main" xmlns:p15="http://schemas.microsoft.com/office/powerpoint/2012/main">
-  <p:cSld>
-    <p:spTree>
-      <p:nvGrpSpPr>
-        <p:cNvPr id="127" name="Shape 127"/>
-        <p:cNvGrpSpPr/>
-        <p:nvPr/>
-      </p:nvGrpSpPr>
-      <p:grpSpPr>
-        <a:xfrm>
-          <a:off x="0" y="0"/>
-          <a:ext cx="0" cy="0"/>
-          <a:chOff x="0" y="0"/>
-          <a:chExt cx="0" cy="0"/>
-        </a:xfrm>
-      </p:grpSpPr>
-      <p:sp>
-        <p:nvSpPr>
-          <p:cNvPr id="128" name="Shape 128"/>
-          <p:cNvSpPr txBox="1"/>
-          <p:nvPr>
-            <p:ph idx="2" type="body"/>
-          </p:nvPr>
-        </p:nvSpPr>
-        <p:spPr>
-          <a:xfrm>
-            <a:off x="4832400" y="1152475"/>
-            <a:ext cx="3999900" cy="3416400"/>
-          </a:xfrm>
-          <a:prstGeom prst="rect">
-            <a:avLst/>
-          </a:prstGeom>
-        </p:spPr>
-        <p:txBody>
-          <a:bodyPr anchorCtr="0" anchor="t" bIns="91425" lIns="91425" rIns="91425" wrap="square" tIns="91425">
-            <a:noAutofit/>
-          </a:bodyPr>
-          <a:lstStyle/>
-          <a:p>
-            <a:pPr indent="0" lvl="0" marL="0">
-              <a:spcBef>
-                <a:spcPts val="0"/>
-              </a:spcBef>
-              <a:buNone/>
-            </a:pPr>
-            <a:r>
-              <a:t/>
-            </a:r>
-            <a:endParaRPr/>
-          </a:p>
-        </p:txBody>
-      </p:sp>
-      <p:sp>
-        <p:nvSpPr>
-          <p:cNvPr id="129" name="Shape 129"/>
-          <p:cNvSpPr txBox="1"/>
-          <p:nvPr>
-            <p:ph type="title"/>
-          </p:nvPr>
-        </p:nvSpPr>
-        <p:spPr>
-          <a:xfrm>
-            <a:off x="311700" y="391350"/>
-            <a:ext cx="8520600" cy="626100"/>
-          </a:xfrm>
-          <a:prstGeom prst="rect">
-            <a:avLst/>
-          </a:prstGeom>
-        </p:spPr>
-        <p:txBody>
-          <a:bodyPr anchorCtr="0" anchor="t" bIns="91425" lIns="91425" rIns="91425" wrap="square" tIns="91425">
-            <a:noAutofit/>
-          </a:bodyPr>
-          <a:lstStyle/>
-          <a:p>
-            <a:pPr indent="0" lvl="0" marL="0">
-              <a:spcBef>
-                <a:spcPts val="0"/>
-              </a:spcBef>
-              <a:buNone/>
-            </a:pPr>
-            <a:r>
-              <a:rPr lang="en"/>
-              <a:t>Results</a:t>
-            </a:r>
-          </a:p>
-        </p:txBody>
-      </p:sp>
-      <p:sp>
-        <p:nvSpPr>
-          <p:cNvPr id="130" name="Shape 130"/>
-          <p:cNvSpPr txBox="1"/>
-          <p:nvPr>
-            <p:ph idx="1" type="body"/>
-          </p:nvPr>
-        </p:nvSpPr>
-        <p:spPr>
-          <a:xfrm>
-            <a:off x="311700" y="1152475"/>
-            <a:ext cx="3999900" cy="3416400"/>
-          </a:xfrm>
-          <a:prstGeom prst="rect">
-            <a:avLst/>
-          </a:prstGeom>
-        </p:spPr>
-        <p:txBody>
-          <a:bodyPr anchorCtr="0" anchor="t" bIns="91425" lIns="91425" rIns="91425" wrap="square" tIns="91425">
-            <a:noAutofit/>
-          </a:bodyPr>
-          <a:lstStyle/>
-          <a:p>
-            <a:pPr indent="0" lvl="0" marL="0">
-              <a:spcBef>
-                <a:spcPts val="0"/>
-              </a:spcBef>
-              <a:buNone/>
-            </a:pPr>
-            <a:r>
-              <a:t/>
-            </a:r>
-            <a:endParaRPr/>
-          </a:p>
-        </p:txBody>
-      </p:sp>
-      <p:pic>
-        <p:nvPicPr>
-          <p:cNvPr id="131" name="Shape 131"/>
-          <p:cNvPicPr preferRelativeResize="0"/>
-          <p:nvPr/>
-        </p:nvPicPr>
-        <p:blipFill>
-          <a:blip r:embed="rId3">
-            <a:alphaModFix/>
-          </a:blip>
-          <a:stretch>
-            <a:fillRect/>
-          </a:stretch>
-        </p:blipFill>
-        <p:spPr>
-          <a:xfrm>
-            <a:off x="311700" y="1152475"/>
-            <a:ext cx="1143300" cy="1143300"/>
-          </a:xfrm>
-          <a:prstGeom prst="rect">
-            <a:avLst/>
-          </a:prstGeom>
-          <a:noFill/>
-          <a:ln>
-            <a:noFill/>
-          </a:ln>
-        </p:spPr>
-      </p:pic>
-      <p:pic>
-        <p:nvPicPr>
-          <p:cNvPr id="132" name="Shape 132"/>
-          <p:cNvPicPr preferRelativeResize="0"/>
-          <p:nvPr/>
-        </p:nvPicPr>
-        <p:blipFill>
-          <a:blip r:embed="rId4">
-            <a:alphaModFix/>
-          </a:blip>
-          <a:stretch>
-            <a:fillRect/>
-          </a:stretch>
-        </p:blipFill>
-        <p:spPr>
-          <a:xfrm>
-            <a:off x="311700" y="2295775"/>
-            <a:ext cx="1143300" cy="1143300"/>
-          </a:xfrm>
-          <a:prstGeom prst="rect">
-            <a:avLst/>
-          </a:prstGeom>
-          <a:noFill/>
-          <a:ln>
-            <a:noFill/>
-          </a:ln>
-        </p:spPr>
-      </p:pic>
-      <p:pic>
-        <p:nvPicPr>
-          <p:cNvPr id="133" name="Shape 133"/>
-          <p:cNvPicPr preferRelativeResize="0"/>
-          <p:nvPr/>
-        </p:nvPicPr>
-        <p:blipFill>
-          <a:blip r:embed="rId5">
-            <a:alphaModFix/>
-          </a:blip>
-          <a:stretch>
-            <a:fillRect/>
-          </a:stretch>
-        </p:blipFill>
-        <p:spPr>
-          <a:xfrm>
-            <a:off x="311700" y="3440550"/>
-            <a:ext cx="1143300" cy="1143300"/>
-          </a:xfrm>
-          <a:prstGeom prst="rect">
-            <a:avLst/>
-          </a:prstGeom>
-          <a:noFill/>
-          <a:ln>
-            <a:noFill/>
-          </a:ln>
-        </p:spPr>
-      </p:pic>
-      <p:pic>
-        <p:nvPicPr>
-          <p:cNvPr id="134" name="Shape 134"/>
-          <p:cNvPicPr preferRelativeResize="0"/>
-          <p:nvPr/>
-        </p:nvPicPr>
-        <p:blipFill>
-          <a:blip r:embed="rId6">
-            <a:alphaModFix/>
-          </a:blip>
-          <a:stretch>
-            <a:fillRect/>
-          </a:stretch>
-        </p:blipFill>
-        <p:spPr>
-          <a:xfrm>
-            <a:off x="1903100" y="1178975"/>
-            <a:ext cx="2051400" cy="1641125"/>
-          </a:xfrm>
-          <a:prstGeom prst="rect">
-            <a:avLst/>
-          </a:prstGeom>
-          <a:noFill/>
-          <a:ln>
-            <a:noFill/>
-          </a:ln>
-        </p:spPr>
-      </p:pic>
-      <p:pic>
-        <p:nvPicPr>
-          <p:cNvPr id="135" name="Shape 135"/>
-          <p:cNvPicPr preferRelativeResize="0"/>
-          <p:nvPr/>
-        </p:nvPicPr>
-        <p:blipFill>
-          <a:blip r:embed="rId7">
-            <a:alphaModFix/>
-          </a:blip>
-          <a:stretch>
-            <a:fillRect/>
-          </a:stretch>
-        </p:blipFill>
-        <p:spPr>
-          <a:xfrm>
-            <a:off x="4832400" y="1152475"/>
-            <a:ext cx="1143300" cy="1143300"/>
-          </a:xfrm>
-          <a:prstGeom prst="rect">
-            <a:avLst/>
-          </a:prstGeom>
-          <a:noFill/>
-          <a:ln>
-            <a:noFill/>
-          </a:ln>
-        </p:spPr>
-      </p:pic>
-      <p:pic>
-        <p:nvPicPr>
-          <p:cNvPr id="136" name="Shape 136"/>
-          <p:cNvPicPr preferRelativeResize="0"/>
-          <p:nvPr/>
-        </p:nvPicPr>
-        <p:blipFill>
-          <a:blip r:embed="rId8">
-            <a:alphaModFix/>
-          </a:blip>
-          <a:stretch>
-            <a:fillRect/>
-          </a:stretch>
-        </p:blipFill>
-        <p:spPr>
-          <a:xfrm>
-            <a:off x="4832400" y="2295775"/>
-            <a:ext cx="1143300" cy="1143300"/>
-          </a:xfrm>
-          <a:prstGeom prst="rect">
-            <a:avLst/>
-          </a:prstGeom>
-          <a:noFill/>
-          <a:ln>
-            <a:noFill/>
-          </a:ln>
-        </p:spPr>
-      </p:pic>
-      <p:pic>
-        <p:nvPicPr>
-          <p:cNvPr id="137" name="Shape 137"/>
-          <p:cNvPicPr preferRelativeResize="0"/>
-          <p:nvPr/>
-        </p:nvPicPr>
-        <p:blipFill>
-          <a:blip r:embed="rId9">
-            <a:alphaModFix/>
-          </a:blip>
-          <a:stretch>
-            <a:fillRect/>
-          </a:stretch>
-        </p:blipFill>
-        <p:spPr>
-          <a:xfrm>
-            <a:off x="4832400" y="3440550"/>
-            <a:ext cx="1143300" cy="1143300"/>
-          </a:xfrm>
-          <a:prstGeom prst="rect">
-            <a:avLst/>
-          </a:prstGeom>
-          <a:noFill/>
-          <a:ln>
-            <a:noFill/>
-          </a:ln>
-        </p:spPr>
-      </p:pic>
-      <p:pic>
-        <p:nvPicPr>
-          <p:cNvPr id="138" name="Shape 138"/>
-          <p:cNvPicPr preferRelativeResize="0"/>
-          <p:nvPr/>
-        </p:nvPicPr>
-        <p:blipFill>
-          <a:blip r:embed="rId10">
-            <a:alphaModFix/>
-          </a:blip>
-          <a:stretch>
-            <a:fillRect/>
-          </a:stretch>
-        </p:blipFill>
-        <p:spPr>
-          <a:xfrm>
-            <a:off x="6353262" y="1138100"/>
-            <a:ext cx="2153588" cy="1722875"/>
-          </a:xfrm>
-          <a:prstGeom prst="rect">
-            <a:avLst/>
-          </a:prstGeom>
-          <a:noFill/>
-          <a:ln>
-            <a:noFill/>
-          </a:ln>
-        </p:spPr>
-      </p:pic>
-      <p:pic>
-        <p:nvPicPr>
-          <p:cNvPr id="139" name="Shape 139"/>
-          <p:cNvPicPr preferRelativeResize="0"/>
-          <p:nvPr/>
-        </p:nvPicPr>
-        <p:blipFill>
-          <a:blip r:embed="rId11">
-            <a:alphaModFix/>
-          </a:blip>
-          <a:stretch>
-            <a:fillRect/>
-          </a:stretch>
-        </p:blipFill>
-        <p:spPr>
-          <a:xfrm>
-            <a:off x="1903100" y="2927750"/>
-            <a:ext cx="2051400" cy="1641120"/>
-          </a:xfrm>
-          <a:prstGeom prst="rect">
-            <a:avLst/>
-          </a:prstGeom>
-          <a:noFill/>
-          <a:ln>
-            <a:noFill/>
-          </a:ln>
-        </p:spPr>
-      </p:pic>
-      <p:pic>
-        <p:nvPicPr>
-          <p:cNvPr id="140" name="Shape 140"/>
-          <p:cNvPicPr preferRelativeResize="0"/>
-          <p:nvPr/>
-        </p:nvPicPr>
-        <p:blipFill>
-          <a:blip r:embed="rId12">
-            <a:alphaModFix/>
-          </a:blip>
-          <a:stretch>
-            <a:fillRect/>
-          </a:stretch>
-        </p:blipFill>
-        <p:spPr>
-          <a:xfrm>
-            <a:off x="6353249" y="2886879"/>
-            <a:ext cx="2153600" cy="1722871"/>
+            <a:off x="573338" y="1819225"/>
+            <a:ext cx="7997325" cy="1896751"/>
           </a:xfrm>
           <a:prstGeom prst="rect">
             <a:avLst/>
@@ -7851,7 +9859,7 @@
   <p:cSld>
     <p:spTree>
       <p:nvGrpSpPr>
-        <p:cNvPr id="144" name="Shape 144"/>
+        <p:cNvPr id="117" name="Shape 117"/>
         <p:cNvGrpSpPr/>
         <p:nvPr/>
       </p:nvGrpSpPr>
@@ -7865,7 +9873,7 @@
       </p:grpSpPr>
       <p:sp>
         <p:nvSpPr>
-          <p:cNvPr id="145" name="Shape 145"/>
+          <p:cNvPr id="118" name="Shape 118"/>
           <p:cNvSpPr txBox="1"/>
           <p:nvPr>
             <p:ph type="title"/>
@@ -7894,27 +9902,212 @@
             </a:pPr>
             <a:r>
               <a:rPr lang="en"/>
-              <a:t>Future Implementation</a:t>
+              <a:t>Bubbles.tif</a:t>
+            </a:r>
+          </a:p>
+        </p:txBody>
+      </p:sp>
+      <p:pic>
+        <p:nvPicPr>
+          <p:cNvPr id="119" name="Shape 119"/>
+          <p:cNvPicPr preferRelativeResize="0"/>
+          <p:nvPr/>
+        </p:nvPicPr>
+        <p:blipFill>
+          <a:blip r:embed="rId3">
+            <a:alphaModFix/>
+          </a:blip>
+          <a:stretch>
+            <a:fillRect/>
+          </a:stretch>
+        </p:blipFill>
+        <p:spPr>
+          <a:xfrm>
+            <a:off x="740525" y="1152475"/>
+            <a:ext cx="1153550" cy="1153550"/>
+          </a:xfrm>
+          <a:prstGeom prst="rect">
+            <a:avLst/>
+          </a:prstGeom>
+          <a:noFill/>
+          <a:ln>
+            <a:noFill/>
+          </a:ln>
+        </p:spPr>
+      </p:pic>
+      <p:pic>
+        <p:nvPicPr>
+          <p:cNvPr id="120" name="Shape 120"/>
+          <p:cNvPicPr preferRelativeResize="0"/>
+          <p:nvPr/>
+        </p:nvPicPr>
+        <p:blipFill>
+          <a:blip r:embed="rId4">
+            <a:alphaModFix/>
+          </a:blip>
+          <a:stretch>
+            <a:fillRect/>
+          </a:stretch>
+        </p:blipFill>
+        <p:spPr>
+          <a:xfrm>
+            <a:off x="740525" y="2306024"/>
+            <a:ext cx="1153550" cy="1153522"/>
+          </a:xfrm>
+          <a:prstGeom prst="rect">
+            <a:avLst/>
+          </a:prstGeom>
+          <a:noFill/>
+          <a:ln>
+            <a:noFill/>
+          </a:ln>
+        </p:spPr>
+      </p:pic>
+      <p:pic>
+        <p:nvPicPr>
+          <p:cNvPr id="121" name="Shape 121"/>
+          <p:cNvPicPr preferRelativeResize="0"/>
+          <p:nvPr/>
+        </p:nvPicPr>
+        <p:blipFill>
+          <a:blip r:embed="rId5">
+            <a:alphaModFix/>
+          </a:blip>
+          <a:stretch>
+            <a:fillRect/>
+          </a:stretch>
+        </p:blipFill>
+        <p:spPr>
+          <a:xfrm>
+            <a:off x="740525" y="3459546"/>
+            <a:ext cx="1153550" cy="1144650"/>
+          </a:xfrm>
+          <a:prstGeom prst="rect">
+            <a:avLst/>
+          </a:prstGeom>
+          <a:noFill/>
+          <a:ln>
+            <a:noFill/>
+          </a:ln>
+        </p:spPr>
+      </p:pic>
+      <p:pic>
+        <p:nvPicPr>
+          <p:cNvPr id="122" name="Shape 122"/>
+          <p:cNvPicPr preferRelativeResize="0"/>
+          <p:nvPr/>
+        </p:nvPicPr>
+        <p:blipFill>
+          <a:blip r:embed="rId6">
+            <a:alphaModFix/>
+          </a:blip>
+          <a:stretch>
+            <a:fillRect/>
+          </a:stretch>
+        </p:blipFill>
+        <p:spPr>
+          <a:xfrm>
+            <a:off x="2246888" y="1729250"/>
+            <a:ext cx="2883873" cy="2307075"/>
+          </a:xfrm>
+          <a:prstGeom prst="rect">
+            <a:avLst/>
+          </a:prstGeom>
+          <a:noFill/>
+          <a:ln>
+            <a:noFill/>
+          </a:ln>
+        </p:spPr>
+      </p:pic>
+      <p:pic>
+        <p:nvPicPr>
+          <p:cNvPr id="123" name="Shape 123"/>
+          <p:cNvPicPr preferRelativeResize="0"/>
+          <p:nvPr/>
+        </p:nvPicPr>
+        <p:blipFill>
+          <a:blip r:embed="rId7">
+            <a:alphaModFix/>
+          </a:blip>
+          <a:stretch>
+            <a:fillRect/>
+          </a:stretch>
+        </p:blipFill>
+        <p:spPr>
+          <a:xfrm>
+            <a:off x="5324288" y="1729250"/>
+            <a:ext cx="2883875" cy="2307077"/>
+          </a:xfrm>
+          <a:prstGeom prst="rect">
+            <a:avLst/>
+          </a:prstGeom>
+          <a:noFill/>
+          <a:ln>
+            <a:noFill/>
+          </a:ln>
+        </p:spPr>
+      </p:pic>
+      <p:sp>
+        <p:nvSpPr>
+          <p:cNvPr id="124" name="Shape 124"/>
+          <p:cNvSpPr txBox="1"/>
+          <p:nvPr/>
+        </p:nvSpPr>
+        <p:spPr>
+          <a:xfrm>
+            <a:off x="5473825" y="1152475"/>
+            <a:ext cx="2584800" cy="1010700"/>
+          </a:xfrm>
+          <a:prstGeom prst="rect">
+            <a:avLst/>
+          </a:prstGeom>
+          <a:noFill/>
+          <a:ln>
+            <a:noFill/>
+          </a:ln>
+        </p:spPr>
+        <p:txBody>
+          <a:bodyPr anchorCtr="0" anchor="t" bIns="91425" lIns="91425" rIns="91425" wrap="square" tIns="91425">
+            <a:noAutofit/>
+          </a:bodyPr>
+          <a:lstStyle/>
+          <a:p>
+            <a:pPr indent="0" lvl="0" marL="0" algn="ctr">
+              <a:spcBef>
+                <a:spcPts val="0"/>
+              </a:spcBef>
+              <a:buNone/>
+            </a:pPr>
+            <a:r>
+              <a:rPr lang="en">
+                <a:latin typeface="Lato"/>
+                <a:ea typeface="Lato"/>
+                <a:cs typeface="Lato"/>
+                <a:sym typeface="Lato"/>
+              </a:rPr>
+              <a:t>Edgeness Threshold: 173.648</a:t>
             </a:r>
           </a:p>
         </p:txBody>
       </p:sp>
       <p:sp>
         <p:nvSpPr>
-          <p:cNvPr id="146" name="Shape 146"/>
+          <p:cNvPr id="125" name="Shape 125"/>
           <p:cNvSpPr txBox="1"/>
-          <p:nvPr>
-            <p:ph idx="1" type="body"/>
-          </p:nvPr>
+          <p:nvPr/>
         </p:nvSpPr>
         <p:spPr>
           <a:xfrm>
-            <a:off x="311700" y="1152475"/>
-            <a:ext cx="8520600" cy="3416400"/>
-          </a:xfrm>
-          <a:prstGeom prst="rect">
-            <a:avLst/>
-          </a:prstGeom>
+            <a:off x="2420725" y="1152475"/>
+            <a:ext cx="2536200" cy="626100"/>
+          </a:xfrm>
+          <a:prstGeom prst="rect">
+            <a:avLst/>
+          </a:prstGeom>
+          <a:noFill/>
+          <a:ln>
+            <a:noFill/>
+          </a:ln>
         </p:spPr>
         <p:txBody>
           <a:bodyPr anchorCtr="0" anchor="t" bIns="91425" lIns="91425" rIns="91425" wrap="square" tIns="91425">
@@ -7922,48 +10115,20 @@
           </a:bodyPr>
           <a:lstStyle/>
           <a:p>
-            <a:pPr indent="-342900" lvl="0" marL="457200" rtl="0">
-              <a:spcBef>
-                <a:spcPts val="0"/>
-              </a:spcBef>
-              <a:spcAft>
-                <a:spcPts val="0"/>
-              </a:spcAft>
-              <a:buSzPts val="1800"/>
-              <a:buChar char="●"/>
+            <a:pPr indent="0" lvl="0" marL="0" algn="ctr">
+              <a:spcBef>
+                <a:spcPts val="0"/>
+              </a:spcBef>
+              <a:buNone/>
             </a:pPr>
             <a:r>
-              <a:rPr lang="en"/>
-              <a:t>Custom Histogram class</a:t>
-            </a:r>
-          </a:p>
-          <a:p>
-            <a:pPr indent="-330200" lvl="1" marL="914400" rtl="0">
-              <a:spcBef>
-                <a:spcPts val="0"/>
-              </a:spcBef>
-              <a:spcAft>
-                <a:spcPts val="0"/>
-              </a:spcAft>
-              <a:buSzPts val="1600"/>
-              <a:buChar char="○"/>
-            </a:pPr>
-            <a:r>
-              <a:rPr lang="en" sz="1600"/>
-              <a:t>Live updates - when the image changes, update the signature</a:t>
-            </a:r>
-          </a:p>
-          <a:p>
-            <a:pPr indent="-330200" lvl="1" marL="914400">
-              <a:spcBef>
-                <a:spcPts val="0"/>
-              </a:spcBef>
-              <a:buSzPts val="1600"/>
-              <a:buChar char="○"/>
-            </a:pPr>
-            <a:r>
-              <a:rPr lang="en" sz="1600"/>
-              <a:t>Compare Images</a:t>
+              <a:rPr lang="en">
+                <a:latin typeface="Lato"/>
+                <a:ea typeface="Lato"/>
+                <a:cs typeface="Lato"/>
+                <a:sym typeface="Lato"/>
+              </a:rPr>
+              <a:t>Non-thresholded Signature</a:t>
             </a:r>
           </a:p>
         </p:txBody>
@@ -7977,6 +10142,285 @@
 </file>
 
 <file path=ppt/theme/theme1.xml><?xml version="1.0" encoding="utf-8"?>
+<a:theme xmlns:a="http://schemas.openxmlformats.org/drawingml/2006/main" xmlns:r="http://schemas.openxmlformats.org/officeDocument/2006/relationships" name="Custom Theme">
+  <a:themeElements>
+    <a:clrScheme name="Default">
+      <a:dk1>
+        <a:srgbClr val="000000"/>
+      </a:dk1>
+      <a:lt1>
+        <a:srgbClr val="FFFFFF"/>
+      </a:lt1>
+      <a:dk2>
+        <a:srgbClr val="158158"/>
+      </a:dk2>
+      <a:lt2>
+        <a:srgbClr val="F3F3F3"/>
+      </a:lt2>
+      <a:accent1>
+        <a:srgbClr val="058DC7"/>
+      </a:accent1>
+      <a:accent2>
+        <a:srgbClr val="50B432"/>
+      </a:accent2>
+      <a:accent3>
+        <a:srgbClr val="ED561B"/>
+      </a:accent3>
+      <a:accent4>
+        <a:srgbClr val="EDEF00"/>
+      </a:accent4>
+      <a:accent5>
+        <a:srgbClr val="24CBE5"/>
+      </a:accent5>
+      <a:accent6>
+        <a:srgbClr val="64E572"/>
+      </a:accent6>
+      <a:hlink>
+        <a:srgbClr val="2200CC"/>
+      </a:hlink>
+      <a:folHlink>
+        <a:srgbClr val="551A8B"/>
+      </a:folHlink>
+    </a:clrScheme>
+    <a:fontScheme name="Office">
+      <a:majorFont>
+        <a:latin typeface="Arial"/>
+        <a:ea typeface=""/>
+        <a:cs typeface=""/>
+        <a:font script="Jpan" typeface="ＭＳ Ｐゴシック"/>
+        <a:font script="Hang" typeface="맑은 고딕"/>
+        <a:font script="Hans" typeface="宋体"/>
+        <a:font script="Hant" typeface="新細明體"/>
+        <a:font script="Arab" typeface="Times New Roman"/>
+        <a:font script="Hebr" typeface="Times New Roman"/>
+        <a:font script="Thai" typeface="Angsana New"/>
+        <a:font script="Ethi" typeface="Nyala"/>
+        <a:font script="Beng" typeface="Vrinda"/>
+        <a:font script="Gujr" typeface="Shruti"/>
+        <a:font script="Khmr" typeface="MoolBoran"/>
+        <a:font script="Knda" typeface="Tunga"/>
+        <a:font script="Guru" typeface="Raavi"/>
+        <a:font script="Cans" typeface="Euphemia"/>
+        <a:font script="Cher" typeface="Plantagenet Cherokee"/>
+        <a:font script="Yiii" typeface="Microsoft Yi Baiti"/>
+        <a:font script="Tibt" typeface="Microsoft Himalaya"/>
+        <a:font script="Thaa" typeface="MV Boli"/>
+        <a:font script="Deva" typeface="Mangal"/>
+        <a:font script="Telu" typeface="Gautami"/>
+        <a:font script="Taml" typeface="Latha"/>
+        <a:font script="Syrc" typeface="Estrangelo Edessa"/>
+        <a:font script="Orya" typeface="Kalinga"/>
+        <a:font script="Mlym" typeface="Kartika"/>
+        <a:font script="Laoo" typeface="DokChampa"/>
+        <a:font script="Sinh" typeface="Iskoola Pota"/>
+        <a:font script="Mong" typeface="Mongolian Baiti"/>
+        <a:font script="Viet" typeface="Times New Roman"/>
+        <a:font script="Uigh" typeface="Microsoft Uighur"/>
+        <a:font script="Geor" typeface="Sylfaen"/>
+      </a:majorFont>
+      <a:minorFont>
+        <a:latin typeface="Arial"/>
+        <a:ea typeface=""/>
+        <a:cs typeface=""/>
+        <a:font script="Jpan" typeface="ＭＳ Ｐゴシック"/>
+        <a:font script="Hang" typeface="맑은 고딕"/>
+        <a:font script="Hans" typeface="宋体"/>
+        <a:font script="Hant" typeface="新細明體"/>
+        <a:font script="Arab" typeface="Arial"/>
+        <a:font script="Hebr" typeface="Arial"/>
+        <a:font script="Thai" typeface="Cordia New"/>
+        <a:font script="Ethi" typeface="Nyala"/>
+        <a:font script="Beng" typeface="Vrinda"/>
+        <a:font script="Gujr" typeface="Shruti"/>
+        <a:font script="Khmr" typeface="DaunPenh"/>
+        <a:font script="Knda" typeface="Tunga"/>
+        <a:font script="Guru" typeface="Raavi"/>
+        <a:font script="Cans" typeface="Euphemia"/>
+        <a:font script="Cher" typeface="Plantagenet Cherokee"/>
+        <a:font script="Yiii" typeface="Microsoft Yi Baiti"/>
+        <a:font script="Tibt" typeface="Microsoft Himalaya"/>
+        <a:font script="Thaa" typeface="MV Boli"/>
+        <a:font script="Deva" typeface="Mangal"/>
+        <a:font script="Telu" typeface="Gautami"/>
+        <a:font script="Taml" typeface="Latha"/>
+        <a:font script="Syrc" typeface="Estrangelo Edessa"/>
+        <a:font script="Orya" typeface="Kalinga"/>
+        <a:font script="Mlym" typeface="Kartika"/>
+        <a:font script="Laoo" typeface="DokChampa"/>
+        <a:font script="Sinh" typeface="Iskoola Pota"/>
+        <a:font script="Mong" typeface="Mongolian Baiti"/>
+        <a:font script="Viet" typeface="Arial"/>
+        <a:font script="Uigh" typeface="Microsoft Uighur"/>
+        <a:font script="Geor" typeface="Sylfaen"/>
+      </a:minorFont>
+    </a:fontScheme>
+    <a:fmtScheme name="Office">
+      <a:fillStyleLst>
+        <a:solidFill>
+          <a:schemeClr val="phClr"/>
+        </a:solidFill>
+        <a:gradFill rotWithShape="1">
+          <a:gsLst>
+            <a:gs pos="0">
+              <a:schemeClr val="phClr">
+                <a:tint val="50000"/>
+                <a:satMod val="300000"/>
+              </a:schemeClr>
+            </a:gs>
+            <a:gs pos="35000">
+              <a:schemeClr val="phClr">
+                <a:tint val="37000"/>
+                <a:satMod val="300000"/>
+              </a:schemeClr>
+            </a:gs>
+            <a:gs pos="100000">
+              <a:schemeClr val="phClr">
+                <a:tint val="15000"/>
+                <a:satMod val="350000"/>
+              </a:schemeClr>
+            </a:gs>
+          </a:gsLst>
+          <a:lin ang="16200000" scaled="1"/>
+        </a:gradFill>
+        <a:gradFill rotWithShape="1">
+          <a:gsLst>
+            <a:gs pos="0">
+              <a:schemeClr val="phClr">
+                <a:tint val="100000"/>
+                <a:shade val="100000"/>
+                <a:satMod val="130000"/>
+              </a:schemeClr>
+            </a:gs>
+            <a:gs pos="100000">
+              <a:schemeClr val="phClr">
+                <a:tint val="50000"/>
+                <a:shade val="100000"/>
+                <a:satMod val="350000"/>
+              </a:schemeClr>
+            </a:gs>
+          </a:gsLst>
+          <a:lin ang="16200000" scaled="0"/>
+        </a:gradFill>
+      </a:fillStyleLst>
+      <a:lnStyleLst>
+        <a:ln w="9525" cap="flat" cmpd="sng" algn="ctr">
+          <a:solidFill>
+            <a:schemeClr val="phClr">
+              <a:shade val="95000"/>
+              <a:satMod val="105000"/>
+            </a:schemeClr>
+          </a:solidFill>
+          <a:prstDash val="solid"/>
+        </a:ln>
+        <a:ln w="25400" cap="flat" cmpd="sng" algn="ctr">
+          <a:solidFill>
+            <a:schemeClr val="phClr"/>
+          </a:solidFill>
+          <a:prstDash val="solid"/>
+        </a:ln>
+        <a:ln w="38100" cap="flat" cmpd="sng" algn="ctr">
+          <a:solidFill>
+            <a:schemeClr val="phClr"/>
+          </a:solidFill>
+          <a:prstDash val="solid"/>
+        </a:ln>
+      </a:lnStyleLst>
+      <a:effectStyleLst>
+        <a:effectStyle>
+          <a:effectLst>
+            <a:outerShdw blurRad="40000" dist="20000" dir="5400000" rotWithShape="0">
+              <a:srgbClr val="000000">
+                <a:alpha val="38000"/>
+              </a:srgbClr>
+            </a:outerShdw>
+          </a:effectLst>
+        </a:effectStyle>
+        <a:effectStyle>
+          <a:effectLst>
+            <a:outerShdw blurRad="40000" dist="23000" dir="5400000" rotWithShape="0">
+              <a:srgbClr val="000000">
+                <a:alpha val="35000"/>
+              </a:srgbClr>
+            </a:outerShdw>
+          </a:effectLst>
+        </a:effectStyle>
+        <a:effectStyle>
+          <a:effectLst>
+            <a:outerShdw blurRad="40000" dist="23000" dir="5400000" rotWithShape="0">
+              <a:srgbClr val="000000">
+                <a:alpha val="35000"/>
+              </a:srgbClr>
+            </a:outerShdw>
+          </a:effectLst>
+          <a:scene3d>
+            <a:camera prst="orthographicFront">
+              <a:rot lat="0" lon="0" rev="0"/>
+            </a:camera>
+            <a:lightRig rig="threePt" dir="t">
+              <a:rot lat="0" lon="0" rev="1200000"/>
+            </a:lightRig>
+          </a:scene3d>
+          <a:sp3d>
+            <a:bevelT w="63500" h="25400"/>
+          </a:sp3d>
+        </a:effectStyle>
+      </a:effectStyleLst>
+      <a:bgFillStyleLst>
+        <a:solidFill>
+          <a:schemeClr val="phClr"/>
+        </a:solidFill>
+        <a:gradFill rotWithShape="1">
+          <a:gsLst>
+            <a:gs pos="0">
+              <a:schemeClr val="phClr">
+                <a:tint val="40000"/>
+                <a:satMod val="350000"/>
+              </a:schemeClr>
+            </a:gs>
+            <a:gs pos="40000">
+              <a:schemeClr val="phClr">
+                <a:tint val="45000"/>
+                <a:shade val="99000"/>
+                <a:satMod val="350000"/>
+              </a:schemeClr>
+            </a:gs>
+            <a:gs pos="100000">
+              <a:schemeClr val="phClr">
+                <a:shade val="20000"/>
+                <a:satMod val="255000"/>
+              </a:schemeClr>
+            </a:gs>
+          </a:gsLst>
+          <a:path path="circle">
+            <a:fillToRect l="50000" t="-80000" r="50000" b="180000"/>
+          </a:path>
+        </a:gradFill>
+        <a:gradFill rotWithShape="1">
+          <a:gsLst>
+            <a:gs pos="0">
+              <a:schemeClr val="phClr">
+                <a:tint val="80000"/>
+                <a:satMod val="300000"/>
+              </a:schemeClr>
+            </a:gs>
+            <a:gs pos="100000">
+              <a:schemeClr val="phClr">
+                <a:shade val="30000"/>
+                <a:satMod val="200000"/>
+              </a:schemeClr>
+            </a:gs>
+          </a:gsLst>
+          <a:path path="circle">
+            <a:fillToRect l="50000" t="50000" r="50000" b="50000"/>
+          </a:path>
+        </a:gradFill>
+      </a:bgFillStyleLst>
+    </a:fmtScheme>
+  </a:themeElements>
+</a:theme>
+</file>
+
+<file path=ppt/theme/theme2.xml><?xml version="1.0" encoding="utf-8"?>
 <a:theme xmlns:a="http://schemas.openxmlformats.org/drawingml/2006/main" xmlns:r="http://schemas.openxmlformats.org/officeDocument/2006/relationships" name="Coral">
   <a:themeElements>
     <a:clrScheme name="Coral">
@@ -8253,283 +10697,4 @@
     </a:fmtScheme>
   </a:themeElements>
 </a:theme>
-</file>
-
-<file path=ppt/theme/theme2.xml><?xml version="1.0" encoding="utf-8"?>
-<a:theme xmlns:a="http://schemas.openxmlformats.org/drawingml/2006/main" xmlns:r="http://schemas.openxmlformats.org/officeDocument/2006/relationships" name="Custom Theme">
-  <a:themeElements>
-    <a:clrScheme name="Default">
-      <a:dk1>
-        <a:srgbClr val="000000"/>
-      </a:dk1>
-      <a:lt1>
-        <a:srgbClr val="FFFFFF"/>
-      </a:lt1>
-      <a:dk2>
-        <a:srgbClr val="158158"/>
-      </a:dk2>
-      <a:lt2>
-        <a:srgbClr val="F3F3F3"/>
-      </a:lt2>
-      <a:accent1>
-        <a:srgbClr val="058DC7"/>
-      </a:accent1>
-      <a:accent2>
-        <a:srgbClr val="50B432"/>
-      </a:accent2>
-      <a:accent3>
-        <a:srgbClr val="ED561B"/>
-      </a:accent3>
-      <a:accent4>
-        <a:srgbClr val="EDEF00"/>
-      </a:accent4>
-      <a:accent5>
-        <a:srgbClr val="24CBE5"/>
-      </a:accent5>
-      <a:accent6>
-        <a:srgbClr val="64E572"/>
-      </a:accent6>
-      <a:hlink>
-        <a:srgbClr val="2200CC"/>
-      </a:hlink>
-      <a:folHlink>
-        <a:srgbClr val="551A8B"/>
-      </a:folHlink>
-    </a:clrScheme>
-    <a:fontScheme name="Office">
-      <a:majorFont>
-        <a:latin typeface="Arial"/>
-        <a:ea typeface=""/>
-        <a:cs typeface=""/>
-        <a:font script="Jpan" typeface="ＭＳ Ｐゴシック"/>
-        <a:font script="Hang" typeface="맑은 고딕"/>
-        <a:font script="Hans" typeface="宋体"/>
-        <a:font script="Hant" typeface="新細明體"/>
-        <a:font script="Arab" typeface="Times New Roman"/>
-        <a:font script="Hebr" typeface="Times New Roman"/>
-        <a:font script="Thai" typeface="Angsana New"/>
-        <a:font script="Ethi" typeface="Nyala"/>
-        <a:font script="Beng" typeface="Vrinda"/>
-        <a:font script="Gujr" typeface="Shruti"/>
-        <a:font script="Khmr" typeface="MoolBoran"/>
-        <a:font script="Knda" typeface="Tunga"/>
-        <a:font script="Guru" typeface="Raavi"/>
-        <a:font script="Cans" typeface="Euphemia"/>
-        <a:font script="Cher" typeface="Plantagenet Cherokee"/>
-        <a:font script="Yiii" typeface="Microsoft Yi Baiti"/>
-        <a:font script="Tibt" typeface="Microsoft Himalaya"/>
-        <a:font script="Thaa" typeface="MV Boli"/>
-        <a:font script="Deva" typeface="Mangal"/>
-        <a:font script="Telu" typeface="Gautami"/>
-        <a:font script="Taml" typeface="Latha"/>
-        <a:font script="Syrc" typeface="Estrangelo Edessa"/>
-        <a:font script="Orya" typeface="Kalinga"/>
-        <a:font script="Mlym" typeface="Kartika"/>
-        <a:font script="Laoo" typeface="DokChampa"/>
-        <a:font script="Sinh" typeface="Iskoola Pota"/>
-        <a:font script="Mong" typeface="Mongolian Baiti"/>
-        <a:font script="Viet" typeface="Times New Roman"/>
-        <a:font script="Uigh" typeface="Microsoft Uighur"/>
-        <a:font script="Geor" typeface="Sylfaen"/>
-      </a:majorFont>
-      <a:minorFont>
-        <a:latin typeface="Arial"/>
-        <a:ea typeface=""/>
-        <a:cs typeface=""/>
-        <a:font script="Jpan" typeface="ＭＳ Ｐゴシック"/>
-        <a:font script="Hang" typeface="맑은 고딕"/>
-        <a:font script="Hans" typeface="宋体"/>
-        <a:font script="Hant" typeface="新細明體"/>
-        <a:font script="Arab" typeface="Arial"/>
-        <a:font script="Hebr" typeface="Arial"/>
-        <a:font script="Thai" typeface="Cordia New"/>
-        <a:font script="Ethi" typeface="Nyala"/>
-        <a:font script="Beng" typeface="Vrinda"/>
-        <a:font script="Gujr" typeface="Shruti"/>
-        <a:font script="Khmr" typeface="DaunPenh"/>
-        <a:font script="Knda" typeface="Tunga"/>
-        <a:font script="Guru" typeface="Raavi"/>
-        <a:font script="Cans" typeface="Euphemia"/>
-        <a:font script="Cher" typeface="Plantagenet Cherokee"/>
-        <a:font script="Yiii" typeface="Microsoft Yi Baiti"/>
-        <a:font script="Tibt" typeface="Microsoft Himalaya"/>
-        <a:font script="Thaa" typeface="MV Boli"/>
-        <a:font script="Deva" typeface="Mangal"/>
-        <a:font script="Telu" typeface="Gautami"/>
-        <a:font script="Taml" typeface="Latha"/>
-        <a:font script="Syrc" typeface="Estrangelo Edessa"/>
-        <a:font script="Orya" typeface="Kalinga"/>
-        <a:font script="Mlym" typeface="Kartika"/>
-        <a:font script="Laoo" typeface="DokChampa"/>
-        <a:font script="Sinh" typeface="Iskoola Pota"/>
-        <a:font script="Mong" typeface="Mongolian Baiti"/>
-        <a:font script="Viet" typeface="Arial"/>
-        <a:font script="Uigh" typeface="Microsoft Uighur"/>
-        <a:font script="Geor" typeface="Sylfaen"/>
-      </a:minorFont>
-    </a:fontScheme>
-    <a:fmtScheme name="Office">
-      <a:fillStyleLst>
-        <a:solidFill>
-          <a:schemeClr val="phClr"/>
-        </a:solidFill>
-        <a:gradFill rotWithShape="1">
-          <a:gsLst>
-            <a:gs pos="0">
-              <a:schemeClr val="phClr">
-                <a:tint val="50000"/>
-                <a:satMod val="300000"/>
-              </a:schemeClr>
-            </a:gs>
-            <a:gs pos="35000">
-              <a:schemeClr val="phClr">
-                <a:tint val="37000"/>
-                <a:satMod val="300000"/>
-              </a:schemeClr>
-            </a:gs>
-            <a:gs pos="100000">
-              <a:schemeClr val="phClr">
-                <a:tint val="15000"/>
-                <a:satMod val="350000"/>
-              </a:schemeClr>
-            </a:gs>
-          </a:gsLst>
-          <a:lin ang="16200000" scaled="1"/>
-        </a:gradFill>
-        <a:gradFill rotWithShape="1">
-          <a:gsLst>
-            <a:gs pos="0">
-              <a:schemeClr val="phClr">
-                <a:tint val="100000"/>
-                <a:shade val="100000"/>
-                <a:satMod val="130000"/>
-              </a:schemeClr>
-            </a:gs>
-            <a:gs pos="100000">
-              <a:schemeClr val="phClr">
-                <a:tint val="50000"/>
-                <a:shade val="100000"/>
-                <a:satMod val="350000"/>
-              </a:schemeClr>
-            </a:gs>
-          </a:gsLst>
-          <a:lin ang="16200000" scaled="0"/>
-        </a:gradFill>
-      </a:fillStyleLst>
-      <a:lnStyleLst>
-        <a:ln w="9525" cap="flat" cmpd="sng" algn="ctr">
-          <a:solidFill>
-            <a:schemeClr val="phClr">
-              <a:shade val="95000"/>
-              <a:satMod val="105000"/>
-            </a:schemeClr>
-          </a:solidFill>
-          <a:prstDash val="solid"/>
-        </a:ln>
-        <a:ln w="25400" cap="flat" cmpd="sng" algn="ctr">
-          <a:solidFill>
-            <a:schemeClr val="phClr"/>
-          </a:solidFill>
-          <a:prstDash val="solid"/>
-        </a:ln>
-        <a:ln w="38100" cap="flat" cmpd="sng" algn="ctr">
-          <a:solidFill>
-            <a:schemeClr val="phClr"/>
-          </a:solidFill>
-          <a:prstDash val="solid"/>
-        </a:ln>
-      </a:lnStyleLst>
-      <a:effectStyleLst>
-        <a:effectStyle>
-          <a:effectLst>
-            <a:outerShdw blurRad="40000" dist="20000" dir="5400000" rotWithShape="0">
-              <a:srgbClr val="000000">
-                <a:alpha val="38000"/>
-              </a:srgbClr>
-            </a:outerShdw>
-          </a:effectLst>
-        </a:effectStyle>
-        <a:effectStyle>
-          <a:effectLst>
-            <a:outerShdw blurRad="40000" dist="23000" dir="5400000" rotWithShape="0">
-              <a:srgbClr val="000000">
-                <a:alpha val="35000"/>
-              </a:srgbClr>
-            </a:outerShdw>
-          </a:effectLst>
-        </a:effectStyle>
-        <a:effectStyle>
-          <a:effectLst>
-            <a:outerShdw blurRad="40000" dist="23000" dir="5400000" rotWithShape="0">
-              <a:srgbClr val="000000">
-                <a:alpha val="35000"/>
-              </a:srgbClr>
-            </a:outerShdw>
-          </a:effectLst>
-          <a:scene3d>
-            <a:camera prst="orthographicFront">
-              <a:rot lat="0" lon="0" rev="0"/>
-            </a:camera>
-            <a:lightRig rig="threePt" dir="t">
-              <a:rot lat="0" lon="0" rev="1200000"/>
-            </a:lightRig>
-          </a:scene3d>
-          <a:sp3d>
-            <a:bevelT w="63500" h="25400"/>
-          </a:sp3d>
-        </a:effectStyle>
-      </a:effectStyleLst>
-      <a:bgFillStyleLst>
-        <a:solidFill>
-          <a:schemeClr val="phClr"/>
-        </a:solidFill>
-        <a:gradFill rotWithShape="1">
-          <a:gsLst>
-            <a:gs pos="0">
-              <a:schemeClr val="phClr">
-                <a:tint val="40000"/>
-                <a:satMod val="350000"/>
-              </a:schemeClr>
-            </a:gs>
-            <a:gs pos="40000">
-              <a:schemeClr val="phClr">
-                <a:tint val="45000"/>
-                <a:shade val="99000"/>
-                <a:satMod val="350000"/>
-              </a:schemeClr>
-            </a:gs>
-            <a:gs pos="100000">
-              <a:schemeClr val="phClr">
-                <a:shade val="20000"/>
-                <a:satMod val="255000"/>
-              </a:schemeClr>
-            </a:gs>
-          </a:gsLst>
-          <a:path path="circle">
-            <a:fillToRect l="50000" t="-80000" r="50000" b="180000"/>
-          </a:path>
-        </a:gradFill>
-        <a:gradFill rotWithShape="1">
-          <a:gsLst>
-            <a:gs pos="0">
-              <a:schemeClr val="phClr">
-                <a:tint val="80000"/>
-                <a:satMod val="300000"/>
-              </a:schemeClr>
-            </a:gs>
-            <a:gs pos="100000">
-              <a:schemeClr val="phClr">
-                <a:shade val="30000"/>
-                <a:satMod val="200000"/>
-              </a:schemeClr>
-            </a:gs>
-          </a:gsLst>
-          <a:path path="circle">
-            <a:fillToRect l="50000" t="50000" r="50000" b="50000"/>
-          </a:path>
-        </a:gradFill>
-      </a:bgFillStyleLst>
-    </a:fmtScheme>
-  </a:themeElements>
-</a:theme>
 </file>